--- a/paper/helmet/ISWC2020/figure/source/fig_data.pptx
+++ b/paper/helmet/ISWC2020/figure/source/fig_data.pptx
@@ -5,7 +5,7 @@
     <p:sldMasterId id="2147483660" r:id="rId1"/>
   </p:sldMasterIdLst>
   <p:notesMasterIdLst>
-    <p:notesMasterId r:id="rId7"/>
+    <p:notesMasterId r:id="rId9"/>
   </p:notesMasterIdLst>
   <p:sldIdLst>
     <p:sldId id="278" r:id="rId2"/>
@@ -13,6 +13,8 @@
     <p:sldId id="274" r:id="rId4"/>
     <p:sldId id="277" r:id="rId5"/>
     <p:sldId id="276" r:id="rId6"/>
+    <p:sldId id="280" r:id="rId7"/>
+    <p:sldId id="281" r:id="rId8"/>
   </p:sldIdLst>
   <p:sldSz cx="12192000" cy="6858000"/>
   <p:notesSz cx="6858000" cy="9144000"/>
@@ -213,7 +215,7 @@
           <a:p>
             <a:fld id="{FE7EBC21-68F0-43CA-8DF5-D6844F9F3C2E}" type="datetimeFigureOut">
               <a:rPr kumimoji="1" lang="ja-JP" altLang="en-US" smtClean="0"/>
-              <a:t>2020/6/17</a:t>
+              <a:t>2020/6/28</a:t>
             </a:fld>
             <a:endParaRPr kumimoji="1" lang="ja-JP" altLang="en-US"/>
           </a:p>
@@ -825,7 +827,7 @@
           <a:p>
             <a:fld id="{28B1BEA1-2738-4C19-B133-02ABBF3E6E0C}" type="datetime1">
               <a:rPr kumimoji="1" lang="ja-JP" altLang="en-US" smtClean="0"/>
-              <a:t>2020/6/17</a:t>
+              <a:t>2020/6/28</a:t>
             </a:fld>
             <a:endParaRPr kumimoji="1" lang="ja-JP" altLang="en-US"/>
           </a:p>
@@ -1199,7 +1201,7 @@
           <a:p>
             <a:fld id="{321A0775-4641-4FD1-8F30-8577C8E45459}" type="datetime1">
               <a:rPr kumimoji="1" lang="ja-JP" altLang="en-US" smtClean="0"/>
-              <a:t>2020/6/17</a:t>
+              <a:t>2020/6/28</a:t>
             </a:fld>
             <a:endParaRPr kumimoji="1" lang="ja-JP" altLang="en-US"/>
           </a:p>
@@ -1409,7 +1411,7 @@
           <a:p>
             <a:fld id="{1A958096-B04A-44A1-BF3F-4EF7C63AEE7F}" type="datetime1">
               <a:rPr kumimoji="1" lang="ja-JP" altLang="en-US" smtClean="0"/>
-              <a:t>2020/6/17</a:t>
+              <a:t>2020/6/28</a:t>
             </a:fld>
             <a:endParaRPr kumimoji="1" lang="ja-JP" altLang="en-US"/>
           </a:p>
@@ -1609,7 +1611,7 @@
           <a:p>
             <a:fld id="{7E4BC299-9A2B-46B3-A868-72E6088D753F}" type="datetime1">
               <a:rPr kumimoji="1" lang="ja-JP" altLang="en-US" smtClean="0"/>
-              <a:t>2020/6/17</a:t>
+              <a:t>2020/6/28</a:t>
             </a:fld>
             <a:endParaRPr kumimoji="1" lang="ja-JP" altLang="en-US"/>
           </a:p>
@@ -2043,7 +2045,7 @@
           <a:p>
             <a:fld id="{5730D93F-C6A8-45DB-973B-2E9B74BB5747}" type="datetime1">
               <a:rPr kumimoji="1" lang="ja-JP" altLang="en-US" smtClean="0"/>
-              <a:t>2020/6/17</a:t>
+              <a:t>2020/6/28</a:t>
             </a:fld>
             <a:endParaRPr kumimoji="1" lang="ja-JP" altLang="en-US"/>
           </a:p>
@@ -2336,7 +2338,7 @@
           <a:p>
             <a:fld id="{8C8FBA03-08C5-445A-9675-5DD0E048D580}" type="datetime1">
               <a:rPr kumimoji="1" lang="ja-JP" altLang="en-US" smtClean="0"/>
-              <a:t>2020/6/17</a:t>
+              <a:t>2020/6/28</a:t>
             </a:fld>
             <a:endParaRPr kumimoji="1" lang="ja-JP" altLang="en-US"/>
           </a:p>
@@ -2764,7 +2766,7 @@
           <a:p>
             <a:fld id="{F22B3BE6-F63B-45DF-9657-6FEF2EDB1F30}" type="datetime1">
               <a:rPr kumimoji="1" lang="ja-JP" altLang="en-US" smtClean="0"/>
-              <a:t>2020/6/17</a:t>
+              <a:t>2020/6/28</a:t>
             </a:fld>
             <a:endParaRPr kumimoji="1" lang="ja-JP" altLang="en-US"/>
           </a:p>
@@ -2881,7 +2883,7 @@
           <a:p>
             <a:fld id="{C1D6E599-F080-45CC-8481-C833508C9D12}" type="datetime1">
               <a:rPr kumimoji="1" lang="ja-JP" altLang="en-US" smtClean="0"/>
-              <a:t>2020/6/17</a:t>
+              <a:t>2020/6/28</a:t>
             </a:fld>
             <a:endParaRPr kumimoji="1" lang="ja-JP" altLang="en-US"/>
           </a:p>
@@ -2976,7 +2978,7 @@
           <a:p>
             <a:fld id="{7D9B8A7E-64BC-4577-982E-7EC7218FD10F}" type="datetime1">
               <a:rPr kumimoji="1" lang="ja-JP" altLang="en-US" smtClean="0"/>
-              <a:t>2020/6/17</a:t>
+              <a:t>2020/6/28</a:t>
             </a:fld>
             <a:endParaRPr kumimoji="1" lang="ja-JP" altLang="en-US"/>
           </a:p>
@@ -3283,7 +3285,7 @@
           <a:p>
             <a:fld id="{8373066C-4ED1-4359-AD45-A7DE722C8BF8}" type="datetime1">
               <a:rPr kumimoji="1" lang="ja-JP" altLang="en-US" smtClean="0"/>
-              <a:t>2020/6/17</a:t>
+              <a:t>2020/6/28</a:t>
             </a:fld>
             <a:endParaRPr kumimoji="1" lang="ja-JP" altLang="en-US"/>
           </a:p>
@@ -3535,7 +3537,7 @@
           <a:p>
             <a:fld id="{BC0FD902-686B-4A0D-9EB1-37C4F06B03EF}" type="datetime1">
               <a:rPr kumimoji="1" lang="ja-JP" altLang="en-US" smtClean="0"/>
-              <a:t>2020/6/17</a:t>
+              <a:t>2020/6/28</a:t>
             </a:fld>
             <a:endParaRPr kumimoji="1" lang="ja-JP" altLang="en-US"/>
           </a:p>
@@ -3778,7 +3780,7 @@
           <a:p>
             <a:fld id="{E90FD2C9-6400-40CA-9626-E4ED2CBDBD1C}" type="datetime1">
               <a:rPr kumimoji="1" lang="ja-JP" altLang="en-US" smtClean="0"/>
-              <a:t>2020/6/17</a:t>
+              <a:t>2020/6/28</a:t>
             </a:fld>
             <a:endParaRPr kumimoji="1" lang="ja-JP" altLang="en-US"/>
           </a:p>
@@ -10016,6 +10018,3838 @@
 </p:sld>
 </file>
 
+<file path=ppt/slides/slide6.xml><?xml version="1.0" encoding="utf-8"?>
+<p:sld xmlns:a="http://schemas.openxmlformats.org/drawingml/2006/main" xmlns:r="http://schemas.openxmlformats.org/officeDocument/2006/relationships" xmlns:p="http://schemas.openxmlformats.org/presentationml/2006/main">
+  <p:cSld>
+    <p:spTree>
+      <p:nvGrpSpPr>
+        <p:cNvPr id="1" name=""/>
+        <p:cNvGrpSpPr/>
+        <p:nvPr/>
+      </p:nvGrpSpPr>
+      <p:grpSpPr>
+        <a:xfrm>
+          <a:off x="0" y="0"/>
+          <a:ext cx="0" cy="0"/>
+          <a:chOff x="0" y="0"/>
+          <a:chExt cx="0" cy="0"/>
+        </a:xfrm>
+      </p:grpSpPr>
+      <p:sp>
+        <p:nvSpPr>
+          <p:cNvPr id="4" name="スライド番号プレースホルダー 3">
+            <a:extLst>
+              <a:ext uri="{FF2B5EF4-FFF2-40B4-BE49-F238E27FC236}">
+                <a16:creationId xmlns:a16="http://schemas.microsoft.com/office/drawing/2014/main" id="{5039DC12-D5D5-45F1-8093-4DDD16F46759}"/>
+              </a:ext>
+            </a:extLst>
+          </p:cNvPr>
+          <p:cNvSpPr>
+            <a:spLocks noGrp="1"/>
+          </p:cNvSpPr>
+          <p:nvPr>
+            <p:ph type="sldNum" sz="quarter" idx="12"/>
+          </p:nvPr>
+        </p:nvSpPr>
+        <p:spPr/>
+        <p:txBody>
+          <a:bodyPr/>
+          <a:lstStyle/>
+          <a:p>
+            <a:fld id="{92084505-5355-43A2-B929-FD06D0DABC31}" type="slidenum">
+              <a:rPr lang="ja-JP" altLang="en-US" smtClean="0"/>
+              <a:pPr/>
+              <a:t>6</a:t>
+            </a:fld>
+            <a:endParaRPr lang="ja-JP" altLang="en-US" dirty="0"/>
+          </a:p>
+        </p:txBody>
+      </p:sp>
+      <p:grpSp>
+        <p:nvGrpSpPr>
+          <p:cNvPr id="105" name="グループ化 104">
+            <a:extLst>
+              <a:ext uri="{FF2B5EF4-FFF2-40B4-BE49-F238E27FC236}">
+                <a16:creationId xmlns:a16="http://schemas.microsoft.com/office/drawing/2014/main" id="{782ED7A8-B3B0-4B89-B50E-55F2F1171641}"/>
+              </a:ext>
+            </a:extLst>
+          </p:cNvPr>
+          <p:cNvGrpSpPr/>
+          <p:nvPr/>
+        </p:nvGrpSpPr>
+        <p:grpSpPr>
+          <a:xfrm>
+            <a:off x="6628748" y="999796"/>
+            <a:ext cx="3509200" cy="4307442"/>
+            <a:chOff x="6628748" y="999796"/>
+            <a:chExt cx="3509200" cy="4307442"/>
+          </a:xfrm>
+        </p:grpSpPr>
+        <p:grpSp>
+          <p:nvGrpSpPr>
+            <p:cNvPr id="73" name="グループ化 72">
+              <a:extLst>
+                <a:ext uri="{FF2B5EF4-FFF2-40B4-BE49-F238E27FC236}">
+                  <a16:creationId xmlns:a16="http://schemas.microsoft.com/office/drawing/2014/main" id="{0E770DDF-E7B5-48FF-AC52-5E610E12C320}"/>
+                </a:ext>
+              </a:extLst>
+            </p:cNvPr>
+            <p:cNvGrpSpPr/>
+            <p:nvPr/>
+          </p:nvGrpSpPr>
+          <p:grpSpPr>
+            <a:xfrm>
+              <a:off x="6628748" y="999796"/>
+              <a:ext cx="3509200" cy="4024312"/>
+              <a:chOff x="6628748" y="999796"/>
+              <a:chExt cx="3509200" cy="4024312"/>
+            </a:xfrm>
+          </p:grpSpPr>
+          <p:pic>
+            <p:nvPicPr>
+              <p:cNvPr id="8" name="図 7" descr="ランプ, ネックレス, ミラー, 光 が含まれている画像&#10;&#10;自動的に生成された説明">
+                <a:extLst>
+                  <a:ext uri="{FF2B5EF4-FFF2-40B4-BE49-F238E27FC236}">
+                    <a16:creationId xmlns:a16="http://schemas.microsoft.com/office/drawing/2014/main" id="{CEED253F-6C7D-4C92-ADC7-350F1DA7F4AC}"/>
+                  </a:ext>
+                </a:extLst>
+              </p:cNvPr>
+              <p:cNvPicPr>
+                <a:picLocks noChangeAspect="1"/>
+              </p:cNvPicPr>
+              <p:nvPr/>
+            </p:nvPicPr>
+            <p:blipFill>
+              <a:blip r:embed="rId2">
+                <a:extLst>
+                  <a:ext uri="{28A0092B-C50C-407E-A947-70E740481C1C}">
+                    <a14:useLocalDpi xmlns:a14="http://schemas.microsoft.com/office/drawing/2010/main" val="0"/>
+                  </a:ext>
+                </a:extLst>
+              </a:blip>
+              <a:stretch>
+                <a:fillRect/>
+              </a:stretch>
+            </p:blipFill>
+            <p:spPr>
+              <a:xfrm>
+                <a:off x="6628748" y="999796"/>
+                <a:ext cx="3509200" cy="4024312"/>
+              </a:xfrm>
+              <a:prstGeom prst="rect">
+                <a:avLst/>
+              </a:prstGeom>
+            </p:spPr>
+          </p:pic>
+          <p:grpSp>
+            <p:nvGrpSpPr>
+              <p:cNvPr id="11" name="グループ化 10">
+                <a:extLst>
+                  <a:ext uri="{FF2B5EF4-FFF2-40B4-BE49-F238E27FC236}">
+                    <a16:creationId xmlns:a16="http://schemas.microsoft.com/office/drawing/2014/main" id="{46170E60-F5BA-4C05-8296-B4EE76894DA5}"/>
+                  </a:ext>
+                </a:extLst>
+              </p:cNvPr>
+              <p:cNvGrpSpPr/>
+              <p:nvPr/>
+            </p:nvGrpSpPr>
+            <p:grpSpPr>
+              <a:xfrm>
+                <a:off x="8893195" y="1806986"/>
+                <a:ext cx="485522" cy="307497"/>
+                <a:chOff x="8431901" y="2023009"/>
+                <a:chExt cx="485522" cy="307497"/>
+              </a:xfrm>
+            </p:grpSpPr>
+            <p:sp>
+              <p:nvSpPr>
+                <p:cNvPr id="9" name="楕円 8">
+                  <a:extLst>
+                    <a:ext uri="{FF2B5EF4-FFF2-40B4-BE49-F238E27FC236}">
+                      <a16:creationId xmlns:a16="http://schemas.microsoft.com/office/drawing/2014/main" id="{6A56F6EE-BEF9-4670-82A5-A1D554250636}"/>
+                    </a:ext>
+                  </a:extLst>
+                </p:cNvPr>
+                <p:cNvSpPr/>
+                <p:nvPr/>
+              </p:nvSpPr>
+              <p:spPr>
+                <a:xfrm>
+                  <a:off x="8520913" y="2023009"/>
+                  <a:ext cx="307498" cy="307497"/>
+                </a:xfrm>
+                <a:prstGeom prst="ellipse">
+                  <a:avLst/>
+                </a:prstGeom>
+                <a:noFill/>
+                <a:ln>
+                  <a:solidFill>
+                    <a:schemeClr val="tx1"/>
+                  </a:solidFill>
+                </a:ln>
+              </p:spPr>
+              <p:style>
+                <a:lnRef idx="2">
+                  <a:schemeClr val="accent1">
+                    <a:shade val="50000"/>
+                  </a:schemeClr>
+                </a:lnRef>
+                <a:fillRef idx="1">
+                  <a:schemeClr val="accent1"/>
+                </a:fillRef>
+                <a:effectRef idx="0">
+                  <a:schemeClr val="accent1"/>
+                </a:effectRef>
+                <a:fontRef idx="minor">
+                  <a:schemeClr val="lt1"/>
+                </a:fontRef>
+              </p:style>
+              <p:txBody>
+                <a:bodyPr rtlCol="0" anchor="ctr"/>
+                <a:lstStyle/>
+                <a:p>
+                  <a:pPr algn="ctr"/>
+                  <a:endParaRPr kumimoji="1" lang="ja-JP" altLang="en-US"/>
+                </a:p>
+              </p:txBody>
+            </p:sp>
+            <p:sp>
+              <p:nvSpPr>
+                <p:cNvPr id="10" name="テキスト ボックス 9">
+                  <a:extLst>
+                    <a:ext uri="{FF2B5EF4-FFF2-40B4-BE49-F238E27FC236}">
+                      <a16:creationId xmlns:a16="http://schemas.microsoft.com/office/drawing/2014/main" id="{F4B3AE6B-F1F6-4D6A-B4B6-400D56D50CD1}"/>
+                    </a:ext>
+                  </a:extLst>
+                </p:cNvPr>
+                <p:cNvSpPr txBox="1"/>
+                <p:nvPr/>
+              </p:nvSpPr>
+              <p:spPr>
+                <a:xfrm>
+                  <a:off x="8431901" y="2038257"/>
+                  <a:ext cx="485522" cy="276999"/>
+                </a:xfrm>
+                <a:prstGeom prst="rect">
+                  <a:avLst/>
+                </a:prstGeom>
+                <a:noFill/>
+              </p:spPr>
+              <p:txBody>
+                <a:bodyPr wrap="square" rtlCol="0">
+                  <a:spAutoFit/>
+                </a:bodyPr>
+                <a:lstStyle/>
+                <a:p>
+                  <a:pPr algn="ctr"/>
+                  <a:r>
+                    <a:rPr kumimoji="1" lang="en-US" altLang="ja-JP" sz="1200" dirty="0"/>
+                    <a:t>1</a:t>
+                  </a:r>
+                  <a:endParaRPr kumimoji="1" lang="ja-JP" altLang="en-US" sz="1200" dirty="0"/>
+                </a:p>
+              </p:txBody>
+            </p:sp>
+          </p:grpSp>
+          <p:grpSp>
+            <p:nvGrpSpPr>
+              <p:cNvPr id="12" name="グループ化 11">
+                <a:extLst>
+                  <a:ext uri="{FF2B5EF4-FFF2-40B4-BE49-F238E27FC236}">
+                    <a16:creationId xmlns:a16="http://schemas.microsoft.com/office/drawing/2014/main" id="{322F9A5F-8C82-437C-BFC6-7A5A4E462032}"/>
+                  </a:ext>
+                </a:extLst>
+              </p:cNvPr>
+              <p:cNvGrpSpPr/>
+              <p:nvPr/>
+            </p:nvGrpSpPr>
+            <p:grpSpPr>
+              <a:xfrm>
+                <a:off x="8393377" y="1546852"/>
+                <a:ext cx="485522" cy="307497"/>
+                <a:chOff x="8431901" y="2023009"/>
+                <a:chExt cx="485522" cy="307497"/>
+              </a:xfrm>
+            </p:grpSpPr>
+            <p:sp>
+              <p:nvSpPr>
+                <p:cNvPr id="13" name="楕円 12">
+                  <a:extLst>
+                    <a:ext uri="{FF2B5EF4-FFF2-40B4-BE49-F238E27FC236}">
+                      <a16:creationId xmlns:a16="http://schemas.microsoft.com/office/drawing/2014/main" id="{704CA484-0BB3-49EF-BE8D-114FCF1A4DD7}"/>
+                    </a:ext>
+                  </a:extLst>
+                </p:cNvPr>
+                <p:cNvSpPr/>
+                <p:nvPr/>
+              </p:nvSpPr>
+              <p:spPr>
+                <a:xfrm>
+                  <a:off x="8520913" y="2023009"/>
+                  <a:ext cx="307498" cy="307497"/>
+                </a:xfrm>
+                <a:prstGeom prst="ellipse">
+                  <a:avLst/>
+                </a:prstGeom>
+                <a:noFill/>
+                <a:ln>
+                  <a:solidFill>
+                    <a:schemeClr val="tx1"/>
+                  </a:solidFill>
+                </a:ln>
+              </p:spPr>
+              <p:style>
+                <a:lnRef idx="2">
+                  <a:schemeClr val="accent1">
+                    <a:shade val="50000"/>
+                  </a:schemeClr>
+                </a:lnRef>
+                <a:fillRef idx="1">
+                  <a:schemeClr val="accent1"/>
+                </a:fillRef>
+                <a:effectRef idx="0">
+                  <a:schemeClr val="accent1"/>
+                </a:effectRef>
+                <a:fontRef idx="minor">
+                  <a:schemeClr val="lt1"/>
+                </a:fontRef>
+              </p:style>
+              <p:txBody>
+                <a:bodyPr rtlCol="0" anchor="ctr"/>
+                <a:lstStyle/>
+                <a:p>
+                  <a:pPr algn="ctr"/>
+                  <a:endParaRPr kumimoji="1" lang="ja-JP" altLang="en-US"/>
+                </a:p>
+              </p:txBody>
+            </p:sp>
+            <p:sp>
+              <p:nvSpPr>
+                <p:cNvPr id="14" name="テキスト ボックス 13">
+                  <a:extLst>
+                    <a:ext uri="{FF2B5EF4-FFF2-40B4-BE49-F238E27FC236}">
+                      <a16:creationId xmlns:a16="http://schemas.microsoft.com/office/drawing/2014/main" id="{E76364EA-8DAC-4805-9FD0-78A58954B833}"/>
+                    </a:ext>
+                  </a:extLst>
+                </p:cNvPr>
+                <p:cNvSpPr txBox="1"/>
+                <p:nvPr/>
+              </p:nvSpPr>
+              <p:spPr>
+                <a:xfrm>
+                  <a:off x="8431901" y="2038257"/>
+                  <a:ext cx="485522" cy="276999"/>
+                </a:xfrm>
+                <a:prstGeom prst="rect">
+                  <a:avLst/>
+                </a:prstGeom>
+                <a:noFill/>
+              </p:spPr>
+              <p:txBody>
+                <a:bodyPr wrap="square" rtlCol="0">
+                  <a:spAutoFit/>
+                </a:bodyPr>
+                <a:lstStyle/>
+                <a:p>
+                  <a:pPr algn="ctr"/>
+                  <a:r>
+                    <a:rPr kumimoji="1" lang="en-US" altLang="ja-JP" sz="1200" dirty="0"/>
+                    <a:t>0</a:t>
+                  </a:r>
+                  <a:endParaRPr kumimoji="1" lang="ja-JP" altLang="en-US" sz="1200" dirty="0"/>
+                </a:p>
+              </p:txBody>
+            </p:sp>
+          </p:grpSp>
+          <p:grpSp>
+            <p:nvGrpSpPr>
+              <p:cNvPr id="15" name="グループ化 14">
+                <a:extLst>
+                  <a:ext uri="{FF2B5EF4-FFF2-40B4-BE49-F238E27FC236}">
+                    <a16:creationId xmlns:a16="http://schemas.microsoft.com/office/drawing/2014/main" id="{37B3A601-50CF-48E8-BD28-F9EDE9E46E49}"/>
+                  </a:ext>
+                </a:extLst>
+              </p:cNvPr>
+              <p:cNvGrpSpPr/>
+              <p:nvPr/>
+            </p:nvGrpSpPr>
+            <p:grpSpPr>
+              <a:xfrm>
+                <a:off x="8393377" y="4445977"/>
+                <a:ext cx="485522" cy="307497"/>
+                <a:chOff x="8431901" y="2023009"/>
+                <a:chExt cx="485522" cy="307497"/>
+              </a:xfrm>
+            </p:grpSpPr>
+            <p:sp>
+              <p:nvSpPr>
+                <p:cNvPr id="16" name="楕円 15">
+                  <a:extLst>
+                    <a:ext uri="{FF2B5EF4-FFF2-40B4-BE49-F238E27FC236}">
+                      <a16:creationId xmlns:a16="http://schemas.microsoft.com/office/drawing/2014/main" id="{76612AC6-736B-4322-931B-DF40ECA90AC7}"/>
+                    </a:ext>
+                  </a:extLst>
+                </p:cNvPr>
+                <p:cNvSpPr/>
+                <p:nvPr/>
+              </p:nvSpPr>
+              <p:spPr>
+                <a:xfrm>
+                  <a:off x="8520913" y="2023009"/>
+                  <a:ext cx="307498" cy="307497"/>
+                </a:xfrm>
+                <a:prstGeom prst="ellipse">
+                  <a:avLst/>
+                </a:prstGeom>
+                <a:noFill/>
+                <a:ln>
+                  <a:solidFill>
+                    <a:schemeClr val="tx1"/>
+                  </a:solidFill>
+                </a:ln>
+              </p:spPr>
+              <p:style>
+                <a:lnRef idx="2">
+                  <a:schemeClr val="accent1">
+                    <a:shade val="50000"/>
+                  </a:schemeClr>
+                </a:lnRef>
+                <a:fillRef idx="1">
+                  <a:schemeClr val="accent1"/>
+                </a:fillRef>
+                <a:effectRef idx="0">
+                  <a:schemeClr val="accent1"/>
+                </a:effectRef>
+                <a:fontRef idx="minor">
+                  <a:schemeClr val="lt1"/>
+                </a:fontRef>
+              </p:style>
+              <p:txBody>
+                <a:bodyPr rtlCol="0" anchor="ctr"/>
+                <a:lstStyle/>
+                <a:p>
+                  <a:pPr algn="ctr"/>
+                  <a:endParaRPr kumimoji="1" lang="ja-JP" altLang="en-US"/>
+                </a:p>
+              </p:txBody>
+            </p:sp>
+            <p:sp>
+              <p:nvSpPr>
+                <p:cNvPr id="17" name="テキスト ボックス 16">
+                  <a:extLst>
+                    <a:ext uri="{FF2B5EF4-FFF2-40B4-BE49-F238E27FC236}">
+                      <a16:creationId xmlns:a16="http://schemas.microsoft.com/office/drawing/2014/main" id="{C822E4EA-6838-45C3-A00C-922901352000}"/>
+                    </a:ext>
+                  </a:extLst>
+                </p:cNvPr>
+                <p:cNvSpPr txBox="1"/>
+                <p:nvPr/>
+              </p:nvSpPr>
+              <p:spPr>
+                <a:xfrm>
+                  <a:off x="8431901" y="2038257"/>
+                  <a:ext cx="485522" cy="276999"/>
+                </a:xfrm>
+                <a:prstGeom prst="rect">
+                  <a:avLst/>
+                </a:prstGeom>
+                <a:noFill/>
+              </p:spPr>
+              <p:txBody>
+                <a:bodyPr wrap="square" rtlCol="0">
+                  <a:spAutoFit/>
+                </a:bodyPr>
+                <a:lstStyle/>
+                <a:p>
+                  <a:pPr algn="ctr"/>
+                  <a:r>
+                    <a:rPr kumimoji="1" lang="en-US" altLang="ja-JP" sz="1200" dirty="0"/>
+                    <a:t>7</a:t>
+                  </a:r>
+                  <a:endParaRPr kumimoji="1" lang="ja-JP" altLang="en-US" sz="1200" dirty="0"/>
+                </a:p>
+              </p:txBody>
+            </p:sp>
+          </p:grpSp>
+          <p:grpSp>
+            <p:nvGrpSpPr>
+              <p:cNvPr id="18" name="グループ化 17">
+                <a:extLst>
+                  <a:ext uri="{FF2B5EF4-FFF2-40B4-BE49-F238E27FC236}">
+                    <a16:creationId xmlns:a16="http://schemas.microsoft.com/office/drawing/2014/main" id="{68C7DB62-D61A-4404-B188-DE670E745050}"/>
+                  </a:ext>
+                </a:extLst>
+              </p:cNvPr>
+              <p:cNvGrpSpPr/>
+              <p:nvPr/>
+            </p:nvGrpSpPr>
+            <p:grpSpPr>
+              <a:xfrm>
+                <a:off x="7387399" y="1806986"/>
+                <a:ext cx="485522" cy="307497"/>
+                <a:chOff x="8431901" y="2023009"/>
+                <a:chExt cx="485522" cy="307497"/>
+              </a:xfrm>
+            </p:grpSpPr>
+            <p:sp>
+              <p:nvSpPr>
+                <p:cNvPr id="19" name="楕円 18">
+                  <a:extLst>
+                    <a:ext uri="{FF2B5EF4-FFF2-40B4-BE49-F238E27FC236}">
+                      <a16:creationId xmlns:a16="http://schemas.microsoft.com/office/drawing/2014/main" id="{484AE3D2-82D0-452C-8866-B21800D7C489}"/>
+                    </a:ext>
+                  </a:extLst>
+                </p:cNvPr>
+                <p:cNvSpPr/>
+                <p:nvPr/>
+              </p:nvSpPr>
+              <p:spPr>
+                <a:xfrm>
+                  <a:off x="8520913" y="2023009"/>
+                  <a:ext cx="307498" cy="307497"/>
+                </a:xfrm>
+                <a:prstGeom prst="ellipse">
+                  <a:avLst/>
+                </a:prstGeom>
+                <a:noFill/>
+                <a:ln>
+                  <a:solidFill>
+                    <a:schemeClr val="tx1"/>
+                  </a:solidFill>
+                </a:ln>
+              </p:spPr>
+              <p:style>
+                <a:lnRef idx="2">
+                  <a:schemeClr val="accent1">
+                    <a:shade val="50000"/>
+                  </a:schemeClr>
+                </a:lnRef>
+                <a:fillRef idx="1">
+                  <a:schemeClr val="accent1"/>
+                </a:fillRef>
+                <a:effectRef idx="0">
+                  <a:schemeClr val="accent1"/>
+                </a:effectRef>
+                <a:fontRef idx="minor">
+                  <a:schemeClr val="lt1"/>
+                </a:fontRef>
+              </p:style>
+              <p:txBody>
+                <a:bodyPr rtlCol="0" anchor="ctr"/>
+                <a:lstStyle/>
+                <a:p>
+                  <a:pPr algn="ctr"/>
+                  <a:endParaRPr kumimoji="1" lang="ja-JP" altLang="en-US"/>
+                </a:p>
+              </p:txBody>
+            </p:sp>
+            <p:sp>
+              <p:nvSpPr>
+                <p:cNvPr id="20" name="テキスト ボックス 19">
+                  <a:extLst>
+                    <a:ext uri="{FF2B5EF4-FFF2-40B4-BE49-F238E27FC236}">
+                      <a16:creationId xmlns:a16="http://schemas.microsoft.com/office/drawing/2014/main" id="{9DA28242-A10D-47CA-BD7E-384A6A95A18B}"/>
+                    </a:ext>
+                  </a:extLst>
+                </p:cNvPr>
+                <p:cNvSpPr txBox="1"/>
+                <p:nvPr/>
+              </p:nvSpPr>
+              <p:spPr>
+                <a:xfrm>
+                  <a:off x="8431901" y="2038257"/>
+                  <a:ext cx="485522" cy="276999"/>
+                </a:xfrm>
+                <a:prstGeom prst="rect">
+                  <a:avLst/>
+                </a:prstGeom>
+                <a:noFill/>
+              </p:spPr>
+              <p:txBody>
+                <a:bodyPr wrap="square" rtlCol="0">
+                  <a:spAutoFit/>
+                </a:bodyPr>
+                <a:lstStyle/>
+                <a:p>
+                  <a:pPr algn="ctr"/>
+                  <a:r>
+                    <a:rPr kumimoji="1" lang="en-US" altLang="ja-JP" sz="1200" dirty="0"/>
+                    <a:t>11</a:t>
+                  </a:r>
+                  <a:endParaRPr kumimoji="1" lang="ja-JP" altLang="en-US" sz="1200" dirty="0"/>
+                </a:p>
+              </p:txBody>
+            </p:sp>
+          </p:grpSp>
+          <p:grpSp>
+            <p:nvGrpSpPr>
+              <p:cNvPr id="21" name="グループ化 20">
+                <a:extLst>
+                  <a:ext uri="{FF2B5EF4-FFF2-40B4-BE49-F238E27FC236}">
+                    <a16:creationId xmlns:a16="http://schemas.microsoft.com/office/drawing/2014/main" id="{861298A4-DB03-46D3-8AC2-4BD398C8D3A6}"/>
+                  </a:ext>
+                </a:extLst>
+              </p:cNvPr>
+              <p:cNvGrpSpPr/>
+              <p:nvPr/>
+            </p:nvGrpSpPr>
+            <p:grpSpPr>
+              <a:xfrm>
+                <a:off x="7889515" y="1546852"/>
+                <a:ext cx="485522" cy="307497"/>
+                <a:chOff x="8431901" y="2023009"/>
+                <a:chExt cx="485522" cy="307497"/>
+              </a:xfrm>
+            </p:grpSpPr>
+            <p:sp>
+              <p:nvSpPr>
+                <p:cNvPr id="22" name="楕円 21">
+                  <a:extLst>
+                    <a:ext uri="{FF2B5EF4-FFF2-40B4-BE49-F238E27FC236}">
+                      <a16:creationId xmlns:a16="http://schemas.microsoft.com/office/drawing/2014/main" id="{562E78BE-CB06-45CB-A0FE-031EED2B49C1}"/>
+                    </a:ext>
+                  </a:extLst>
+                </p:cNvPr>
+                <p:cNvSpPr/>
+                <p:nvPr/>
+              </p:nvSpPr>
+              <p:spPr>
+                <a:xfrm>
+                  <a:off x="8520913" y="2023009"/>
+                  <a:ext cx="307498" cy="307497"/>
+                </a:xfrm>
+                <a:prstGeom prst="ellipse">
+                  <a:avLst/>
+                </a:prstGeom>
+                <a:noFill/>
+                <a:ln>
+                  <a:solidFill>
+                    <a:schemeClr val="tx1"/>
+                  </a:solidFill>
+                </a:ln>
+              </p:spPr>
+              <p:style>
+                <a:lnRef idx="2">
+                  <a:schemeClr val="accent1">
+                    <a:shade val="50000"/>
+                  </a:schemeClr>
+                </a:lnRef>
+                <a:fillRef idx="1">
+                  <a:schemeClr val="accent1"/>
+                </a:fillRef>
+                <a:effectRef idx="0">
+                  <a:schemeClr val="accent1"/>
+                </a:effectRef>
+                <a:fontRef idx="minor">
+                  <a:schemeClr val="lt1"/>
+                </a:fontRef>
+              </p:style>
+              <p:txBody>
+                <a:bodyPr rtlCol="0" anchor="ctr"/>
+                <a:lstStyle/>
+                <a:p>
+                  <a:pPr algn="ctr"/>
+                  <a:endParaRPr kumimoji="1" lang="ja-JP" altLang="en-US"/>
+                </a:p>
+              </p:txBody>
+            </p:sp>
+            <p:sp>
+              <p:nvSpPr>
+                <p:cNvPr id="23" name="テキスト ボックス 22">
+                  <a:extLst>
+                    <a:ext uri="{FF2B5EF4-FFF2-40B4-BE49-F238E27FC236}">
+                      <a16:creationId xmlns:a16="http://schemas.microsoft.com/office/drawing/2014/main" id="{9B0085E0-83C2-43BE-A5F2-55C8847A4DC9}"/>
+                    </a:ext>
+                  </a:extLst>
+                </p:cNvPr>
+                <p:cNvSpPr txBox="1"/>
+                <p:nvPr/>
+              </p:nvSpPr>
+              <p:spPr>
+                <a:xfrm>
+                  <a:off x="8431901" y="2038257"/>
+                  <a:ext cx="485522" cy="276999"/>
+                </a:xfrm>
+                <a:prstGeom prst="rect">
+                  <a:avLst/>
+                </a:prstGeom>
+                <a:noFill/>
+              </p:spPr>
+              <p:txBody>
+                <a:bodyPr wrap="square" rtlCol="0">
+                  <a:spAutoFit/>
+                </a:bodyPr>
+                <a:lstStyle/>
+                <a:p>
+                  <a:pPr algn="ctr"/>
+                  <a:r>
+                    <a:rPr kumimoji="1" lang="en-US" altLang="ja-JP" sz="1200" dirty="0"/>
+                    <a:t>10</a:t>
+                  </a:r>
+                  <a:endParaRPr kumimoji="1" lang="ja-JP" altLang="en-US" sz="1200" dirty="0"/>
+                </a:p>
+              </p:txBody>
+            </p:sp>
+          </p:grpSp>
+          <p:grpSp>
+            <p:nvGrpSpPr>
+              <p:cNvPr id="24" name="グループ化 23">
+                <a:extLst>
+                  <a:ext uri="{FF2B5EF4-FFF2-40B4-BE49-F238E27FC236}">
+                    <a16:creationId xmlns:a16="http://schemas.microsoft.com/office/drawing/2014/main" id="{9CBF44B6-8D07-4EDE-9BF1-C30D415CA1B6}"/>
+                  </a:ext>
+                </a:extLst>
+              </p:cNvPr>
+              <p:cNvGrpSpPr/>
+              <p:nvPr/>
+            </p:nvGrpSpPr>
+            <p:grpSpPr>
+              <a:xfrm>
+                <a:off x="7891701" y="4445977"/>
+                <a:ext cx="485522" cy="307497"/>
+                <a:chOff x="8431901" y="2023009"/>
+                <a:chExt cx="485522" cy="307497"/>
+              </a:xfrm>
+            </p:grpSpPr>
+            <p:sp>
+              <p:nvSpPr>
+                <p:cNvPr id="25" name="楕円 24">
+                  <a:extLst>
+                    <a:ext uri="{FF2B5EF4-FFF2-40B4-BE49-F238E27FC236}">
+                      <a16:creationId xmlns:a16="http://schemas.microsoft.com/office/drawing/2014/main" id="{9E76E9EE-5C6B-4A78-9057-2466D4E4ADF4}"/>
+                    </a:ext>
+                  </a:extLst>
+                </p:cNvPr>
+                <p:cNvSpPr/>
+                <p:nvPr/>
+              </p:nvSpPr>
+              <p:spPr>
+                <a:xfrm>
+                  <a:off x="8520913" y="2023009"/>
+                  <a:ext cx="307498" cy="307497"/>
+                </a:xfrm>
+                <a:prstGeom prst="ellipse">
+                  <a:avLst/>
+                </a:prstGeom>
+                <a:noFill/>
+                <a:ln>
+                  <a:solidFill>
+                    <a:schemeClr val="tx1"/>
+                  </a:solidFill>
+                </a:ln>
+              </p:spPr>
+              <p:style>
+                <a:lnRef idx="2">
+                  <a:schemeClr val="accent1">
+                    <a:shade val="50000"/>
+                  </a:schemeClr>
+                </a:lnRef>
+                <a:fillRef idx="1">
+                  <a:schemeClr val="accent1"/>
+                </a:fillRef>
+                <a:effectRef idx="0">
+                  <a:schemeClr val="accent1"/>
+                </a:effectRef>
+                <a:fontRef idx="minor">
+                  <a:schemeClr val="lt1"/>
+                </a:fontRef>
+              </p:style>
+              <p:txBody>
+                <a:bodyPr rtlCol="0" anchor="ctr"/>
+                <a:lstStyle/>
+                <a:p>
+                  <a:pPr algn="ctr"/>
+                  <a:endParaRPr kumimoji="1" lang="ja-JP" altLang="en-US"/>
+                </a:p>
+              </p:txBody>
+            </p:sp>
+            <p:sp>
+              <p:nvSpPr>
+                <p:cNvPr id="26" name="テキスト ボックス 25">
+                  <a:extLst>
+                    <a:ext uri="{FF2B5EF4-FFF2-40B4-BE49-F238E27FC236}">
+                      <a16:creationId xmlns:a16="http://schemas.microsoft.com/office/drawing/2014/main" id="{13736AE2-951A-413E-B922-953CDB1F4F74}"/>
+                    </a:ext>
+                  </a:extLst>
+                </p:cNvPr>
+                <p:cNvSpPr txBox="1"/>
+                <p:nvPr/>
+              </p:nvSpPr>
+              <p:spPr>
+                <a:xfrm>
+                  <a:off x="8431901" y="2038257"/>
+                  <a:ext cx="485522" cy="276999"/>
+                </a:xfrm>
+                <a:prstGeom prst="rect">
+                  <a:avLst/>
+                </a:prstGeom>
+                <a:noFill/>
+              </p:spPr>
+              <p:txBody>
+                <a:bodyPr wrap="square" rtlCol="0">
+                  <a:spAutoFit/>
+                </a:bodyPr>
+                <a:lstStyle/>
+                <a:p>
+                  <a:pPr algn="ctr"/>
+                  <a:r>
+                    <a:rPr kumimoji="1" lang="en-US" altLang="ja-JP" sz="1200" dirty="0"/>
+                    <a:t>17</a:t>
+                  </a:r>
+                  <a:endParaRPr kumimoji="1" lang="ja-JP" altLang="en-US" sz="1200" dirty="0"/>
+                </a:p>
+              </p:txBody>
+            </p:sp>
+          </p:grpSp>
+          <p:grpSp>
+            <p:nvGrpSpPr>
+              <p:cNvPr id="27" name="グループ化 26">
+                <a:extLst>
+                  <a:ext uri="{FF2B5EF4-FFF2-40B4-BE49-F238E27FC236}">
+                    <a16:creationId xmlns:a16="http://schemas.microsoft.com/office/drawing/2014/main" id="{A58C28AE-0FCC-4564-8019-472D8A3E5237}"/>
+                  </a:ext>
+                </a:extLst>
+              </p:cNvPr>
+              <p:cNvGrpSpPr/>
+              <p:nvPr/>
+            </p:nvGrpSpPr>
+            <p:grpSpPr>
+              <a:xfrm>
+                <a:off x="7046990" y="2232980"/>
+                <a:ext cx="485522" cy="307497"/>
+                <a:chOff x="8431901" y="2023009"/>
+                <a:chExt cx="485522" cy="307497"/>
+              </a:xfrm>
+            </p:grpSpPr>
+            <p:sp>
+              <p:nvSpPr>
+                <p:cNvPr id="28" name="楕円 27">
+                  <a:extLst>
+                    <a:ext uri="{FF2B5EF4-FFF2-40B4-BE49-F238E27FC236}">
+                      <a16:creationId xmlns:a16="http://schemas.microsoft.com/office/drawing/2014/main" id="{37760292-5B95-4FB9-8C5C-7F5AF3CAB781}"/>
+                    </a:ext>
+                  </a:extLst>
+                </p:cNvPr>
+                <p:cNvSpPr/>
+                <p:nvPr/>
+              </p:nvSpPr>
+              <p:spPr>
+                <a:xfrm>
+                  <a:off x="8520913" y="2023009"/>
+                  <a:ext cx="307498" cy="307497"/>
+                </a:xfrm>
+                <a:prstGeom prst="ellipse">
+                  <a:avLst/>
+                </a:prstGeom>
+                <a:noFill/>
+                <a:ln>
+                  <a:solidFill>
+                    <a:schemeClr val="tx1"/>
+                  </a:solidFill>
+                </a:ln>
+              </p:spPr>
+              <p:style>
+                <a:lnRef idx="2">
+                  <a:schemeClr val="accent1">
+                    <a:shade val="50000"/>
+                  </a:schemeClr>
+                </a:lnRef>
+                <a:fillRef idx="1">
+                  <a:schemeClr val="accent1"/>
+                </a:fillRef>
+                <a:effectRef idx="0">
+                  <a:schemeClr val="accent1"/>
+                </a:effectRef>
+                <a:fontRef idx="minor">
+                  <a:schemeClr val="lt1"/>
+                </a:fontRef>
+              </p:style>
+              <p:txBody>
+                <a:bodyPr rtlCol="0" anchor="ctr"/>
+                <a:lstStyle/>
+                <a:p>
+                  <a:pPr algn="ctr"/>
+                  <a:endParaRPr kumimoji="1" lang="ja-JP" altLang="en-US"/>
+                </a:p>
+              </p:txBody>
+            </p:sp>
+            <p:sp>
+              <p:nvSpPr>
+                <p:cNvPr id="29" name="テキスト ボックス 28">
+                  <a:extLst>
+                    <a:ext uri="{FF2B5EF4-FFF2-40B4-BE49-F238E27FC236}">
+                      <a16:creationId xmlns:a16="http://schemas.microsoft.com/office/drawing/2014/main" id="{47F785AE-98A0-46A0-95CE-71B7ADCC4A84}"/>
+                    </a:ext>
+                  </a:extLst>
+                </p:cNvPr>
+                <p:cNvSpPr txBox="1"/>
+                <p:nvPr/>
+              </p:nvSpPr>
+              <p:spPr>
+                <a:xfrm>
+                  <a:off x="8431901" y="2038257"/>
+                  <a:ext cx="485522" cy="276999"/>
+                </a:xfrm>
+                <a:prstGeom prst="rect">
+                  <a:avLst/>
+                </a:prstGeom>
+                <a:noFill/>
+              </p:spPr>
+              <p:txBody>
+                <a:bodyPr wrap="square" rtlCol="0">
+                  <a:spAutoFit/>
+                </a:bodyPr>
+                <a:lstStyle/>
+                <a:p>
+                  <a:pPr algn="ctr"/>
+                  <a:r>
+                    <a:rPr lang="en-US" altLang="ja-JP" sz="1200" dirty="0"/>
+                    <a:t>12</a:t>
+                  </a:r>
+                  <a:endParaRPr kumimoji="1" lang="ja-JP" altLang="en-US" sz="1200" dirty="0"/>
+                </a:p>
+              </p:txBody>
+            </p:sp>
+          </p:grpSp>
+          <p:grpSp>
+            <p:nvGrpSpPr>
+              <p:cNvPr id="30" name="グループ化 29">
+                <a:extLst>
+                  <a:ext uri="{FF2B5EF4-FFF2-40B4-BE49-F238E27FC236}">
+                    <a16:creationId xmlns:a16="http://schemas.microsoft.com/office/drawing/2014/main" id="{3D8A5D89-DB5D-48A7-B13E-4DAA1694F914}"/>
+                  </a:ext>
+                </a:extLst>
+              </p:cNvPr>
+              <p:cNvGrpSpPr/>
+              <p:nvPr/>
+            </p:nvGrpSpPr>
+            <p:grpSpPr>
+              <a:xfrm>
+                <a:off x="9233668" y="2232980"/>
+                <a:ext cx="485522" cy="307497"/>
+                <a:chOff x="8431901" y="2023009"/>
+                <a:chExt cx="485522" cy="307497"/>
+              </a:xfrm>
+            </p:grpSpPr>
+            <p:sp>
+              <p:nvSpPr>
+                <p:cNvPr id="31" name="楕円 30">
+                  <a:extLst>
+                    <a:ext uri="{FF2B5EF4-FFF2-40B4-BE49-F238E27FC236}">
+                      <a16:creationId xmlns:a16="http://schemas.microsoft.com/office/drawing/2014/main" id="{D8868099-6EF5-4594-89A1-012D6023A55A}"/>
+                    </a:ext>
+                  </a:extLst>
+                </p:cNvPr>
+                <p:cNvSpPr/>
+                <p:nvPr/>
+              </p:nvSpPr>
+              <p:spPr>
+                <a:xfrm>
+                  <a:off x="8520913" y="2023009"/>
+                  <a:ext cx="307498" cy="307497"/>
+                </a:xfrm>
+                <a:prstGeom prst="ellipse">
+                  <a:avLst/>
+                </a:prstGeom>
+                <a:noFill/>
+                <a:ln>
+                  <a:solidFill>
+                    <a:schemeClr val="tx1"/>
+                  </a:solidFill>
+                </a:ln>
+              </p:spPr>
+              <p:style>
+                <a:lnRef idx="2">
+                  <a:schemeClr val="accent1">
+                    <a:shade val="50000"/>
+                  </a:schemeClr>
+                </a:lnRef>
+                <a:fillRef idx="1">
+                  <a:schemeClr val="accent1"/>
+                </a:fillRef>
+                <a:effectRef idx="0">
+                  <a:schemeClr val="accent1"/>
+                </a:effectRef>
+                <a:fontRef idx="minor">
+                  <a:schemeClr val="lt1"/>
+                </a:fontRef>
+              </p:style>
+              <p:txBody>
+                <a:bodyPr rtlCol="0" anchor="ctr"/>
+                <a:lstStyle/>
+                <a:p>
+                  <a:pPr algn="ctr"/>
+                  <a:endParaRPr kumimoji="1" lang="ja-JP" altLang="en-US"/>
+                </a:p>
+              </p:txBody>
+            </p:sp>
+            <p:sp>
+              <p:nvSpPr>
+                <p:cNvPr id="32" name="テキスト ボックス 31">
+                  <a:extLst>
+                    <a:ext uri="{FF2B5EF4-FFF2-40B4-BE49-F238E27FC236}">
+                      <a16:creationId xmlns:a16="http://schemas.microsoft.com/office/drawing/2014/main" id="{A280D402-7C6D-417F-9D65-5FB072D4372F}"/>
+                    </a:ext>
+                  </a:extLst>
+                </p:cNvPr>
+                <p:cNvSpPr txBox="1"/>
+                <p:nvPr/>
+              </p:nvSpPr>
+              <p:spPr>
+                <a:xfrm>
+                  <a:off x="8431901" y="2038257"/>
+                  <a:ext cx="485522" cy="276999"/>
+                </a:xfrm>
+                <a:prstGeom prst="rect">
+                  <a:avLst/>
+                </a:prstGeom>
+                <a:noFill/>
+              </p:spPr>
+              <p:txBody>
+                <a:bodyPr wrap="square" rtlCol="0">
+                  <a:spAutoFit/>
+                </a:bodyPr>
+                <a:lstStyle/>
+                <a:p>
+                  <a:pPr algn="ctr"/>
+                  <a:r>
+                    <a:rPr kumimoji="1" lang="en-US" altLang="ja-JP" sz="1200" dirty="0"/>
+                    <a:t>2</a:t>
+                  </a:r>
+                  <a:endParaRPr kumimoji="1" lang="ja-JP" altLang="en-US" sz="1200" dirty="0"/>
+                </a:p>
+              </p:txBody>
+            </p:sp>
+          </p:grpSp>
+          <p:grpSp>
+            <p:nvGrpSpPr>
+              <p:cNvPr id="33" name="グループ化 32">
+                <a:extLst>
+                  <a:ext uri="{FF2B5EF4-FFF2-40B4-BE49-F238E27FC236}">
+                    <a16:creationId xmlns:a16="http://schemas.microsoft.com/office/drawing/2014/main" id="{20930220-7D9A-4BC0-8F06-1AD7D355CD62}"/>
+                  </a:ext>
+                </a:extLst>
+              </p:cNvPr>
+              <p:cNvGrpSpPr/>
+              <p:nvPr/>
+            </p:nvGrpSpPr>
+            <p:grpSpPr>
+              <a:xfrm>
+                <a:off x="7046990" y="3776439"/>
+                <a:ext cx="485522" cy="307497"/>
+                <a:chOff x="8431901" y="2023009"/>
+                <a:chExt cx="485522" cy="307497"/>
+              </a:xfrm>
+            </p:grpSpPr>
+            <p:sp>
+              <p:nvSpPr>
+                <p:cNvPr id="34" name="楕円 33">
+                  <a:extLst>
+                    <a:ext uri="{FF2B5EF4-FFF2-40B4-BE49-F238E27FC236}">
+                      <a16:creationId xmlns:a16="http://schemas.microsoft.com/office/drawing/2014/main" id="{52A90CF8-E29B-498E-B124-1EF55FBB1074}"/>
+                    </a:ext>
+                  </a:extLst>
+                </p:cNvPr>
+                <p:cNvSpPr/>
+                <p:nvPr/>
+              </p:nvSpPr>
+              <p:spPr>
+                <a:xfrm>
+                  <a:off x="8520913" y="2023009"/>
+                  <a:ext cx="307498" cy="307497"/>
+                </a:xfrm>
+                <a:prstGeom prst="ellipse">
+                  <a:avLst/>
+                </a:prstGeom>
+                <a:noFill/>
+                <a:ln>
+                  <a:solidFill>
+                    <a:schemeClr val="tx1"/>
+                  </a:solidFill>
+                </a:ln>
+              </p:spPr>
+              <p:style>
+                <a:lnRef idx="2">
+                  <a:schemeClr val="accent1">
+                    <a:shade val="50000"/>
+                  </a:schemeClr>
+                </a:lnRef>
+                <a:fillRef idx="1">
+                  <a:schemeClr val="accent1"/>
+                </a:fillRef>
+                <a:effectRef idx="0">
+                  <a:schemeClr val="accent1"/>
+                </a:effectRef>
+                <a:fontRef idx="minor">
+                  <a:schemeClr val="lt1"/>
+                </a:fontRef>
+              </p:style>
+              <p:txBody>
+                <a:bodyPr rtlCol="0" anchor="ctr"/>
+                <a:lstStyle/>
+                <a:p>
+                  <a:pPr algn="ctr"/>
+                  <a:endParaRPr kumimoji="1" lang="ja-JP" altLang="en-US"/>
+                </a:p>
+              </p:txBody>
+            </p:sp>
+            <p:sp>
+              <p:nvSpPr>
+                <p:cNvPr id="35" name="テキスト ボックス 34">
+                  <a:extLst>
+                    <a:ext uri="{FF2B5EF4-FFF2-40B4-BE49-F238E27FC236}">
+                      <a16:creationId xmlns:a16="http://schemas.microsoft.com/office/drawing/2014/main" id="{223C2AF0-D4E6-4380-9D2D-00AE1F5ADBCF}"/>
+                    </a:ext>
+                  </a:extLst>
+                </p:cNvPr>
+                <p:cNvSpPr txBox="1"/>
+                <p:nvPr/>
+              </p:nvSpPr>
+              <p:spPr>
+                <a:xfrm>
+                  <a:off x="8431901" y="2038257"/>
+                  <a:ext cx="485522" cy="276999"/>
+                </a:xfrm>
+                <a:prstGeom prst="rect">
+                  <a:avLst/>
+                </a:prstGeom>
+                <a:noFill/>
+              </p:spPr>
+              <p:txBody>
+                <a:bodyPr wrap="square" rtlCol="0">
+                  <a:spAutoFit/>
+                </a:bodyPr>
+                <a:lstStyle/>
+                <a:p>
+                  <a:pPr algn="ctr"/>
+                  <a:r>
+                    <a:rPr kumimoji="1" lang="en-US" altLang="ja-JP" sz="1200" dirty="0"/>
+                    <a:t>15</a:t>
+                  </a:r>
+                  <a:endParaRPr kumimoji="1" lang="ja-JP" altLang="en-US" sz="1200" dirty="0"/>
+                </a:p>
+              </p:txBody>
+            </p:sp>
+          </p:grpSp>
+          <p:grpSp>
+            <p:nvGrpSpPr>
+              <p:cNvPr id="36" name="グループ化 35">
+                <a:extLst>
+                  <a:ext uri="{FF2B5EF4-FFF2-40B4-BE49-F238E27FC236}">
+                    <a16:creationId xmlns:a16="http://schemas.microsoft.com/office/drawing/2014/main" id="{F023E2D4-6FAB-45D2-AE14-E9B8EC16B197}"/>
+                  </a:ext>
+                </a:extLst>
+              </p:cNvPr>
+              <p:cNvGrpSpPr/>
+              <p:nvPr/>
+            </p:nvGrpSpPr>
+            <p:grpSpPr>
+              <a:xfrm>
+                <a:off x="9233668" y="3776437"/>
+                <a:ext cx="485522" cy="307497"/>
+                <a:chOff x="8431901" y="2023009"/>
+                <a:chExt cx="485522" cy="307497"/>
+              </a:xfrm>
+            </p:grpSpPr>
+            <p:sp>
+              <p:nvSpPr>
+                <p:cNvPr id="37" name="楕円 36">
+                  <a:extLst>
+                    <a:ext uri="{FF2B5EF4-FFF2-40B4-BE49-F238E27FC236}">
+                      <a16:creationId xmlns:a16="http://schemas.microsoft.com/office/drawing/2014/main" id="{F6D9253F-CE94-4F26-86CC-CBA434CB2D5A}"/>
+                    </a:ext>
+                  </a:extLst>
+                </p:cNvPr>
+                <p:cNvSpPr/>
+                <p:nvPr/>
+              </p:nvSpPr>
+              <p:spPr>
+                <a:xfrm>
+                  <a:off x="8520913" y="2023009"/>
+                  <a:ext cx="307498" cy="307497"/>
+                </a:xfrm>
+                <a:prstGeom prst="ellipse">
+                  <a:avLst/>
+                </a:prstGeom>
+                <a:noFill/>
+                <a:ln>
+                  <a:solidFill>
+                    <a:schemeClr val="tx1"/>
+                  </a:solidFill>
+                </a:ln>
+              </p:spPr>
+              <p:style>
+                <a:lnRef idx="2">
+                  <a:schemeClr val="accent1">
+                    <a:shade val="50000"/>
+                  </a:schemeClr>
+                </a:lnRef>
+                <a:fillRef idx="1">
+                  <a:schemeClr val="accent1"/>
+                </a:fillRef>
+                <a:effectRef idx="0">
+                  <a:schemeClr val="accent1"/>
+                </a:effectRef>
+                <a:fontRef idx="minor">
+                  <a:schemeClr val="lt1"/>
+                </a:fontRef>
+              </p:style>
+              <p:txBody>
+                <a:bodyPr rtlCol="0" anchor="ctr"/>
+                <a:lstStyle/>
+                <a:p>
+                  <a:pPr algn="ctr"/>
+                  <a:endParaRPr kumimoji="1" lang="ja-JP" altLang="en-US"/>
+                </a:p>
+              </p:txBody>
+            </p:sp>
+            <p:sp>
+              <p:nvSpPr>
+                <p:cNvPr id="38" name="テキスト ボックス 37">
+                  <a:extLst>
+                    <a:ext uri="{FF2B5EF4-FFF2-40B4-BE49-F238E27FC236}">
+                      <a16:creationId xmlns:a16="http://schemas.microsoft.com/office/drawing/2014/main" id="{3357D0BC-EFFD-487E-8F26-16A403B733C8}"/>
+                    </a:ext>
+                  </a:extLst>
+                </p:cNvPr>
+                <p:cNvSpPr txBox="1"/>
+                <p:nvPr/>
+              </p:nvSpPr>
+              <p:spPr>
+                <a:xfrm>
+                  <a:off x="8431901" y="2038257"/>
+                  <a:ext cx="485522" cy="276999"/>
+                </a:xfrm>
+                <a:prstGeom prst="rect">
+                  <a:avLst/>
+                </a:prstGeom>
+                <a:noFill/>
+              </p:spPr>
+              <p:txBody>
+                <a:bodyPr wrap="square" rtlCol="0">
+                  <a:spAutoFit/>
+                </a:bodyPr>
+                <a:lstStyle/>
+                <a:p>
+                  <a:pPr algn="ctr"/>
+                  <a:r>
+                    <a:rPr kumimoji="1" lang="en-US" altLang="ja-JP" sz="1200" dirty="0"/>
+                    <a:t>5</a:t>
+                  </a:r>
+                  <a:endParaRPr kumimoji="1" lang="ja-JP" altLang="en-US" sz="1200" dirty="0"/>
+                </a:p>
+              </p:txBody>
+            </p:sp>
+          </p:grpSp>
+          <p:grpSp>
+            <p:nvGrpSpPr>
+              <p:cNvPr id="39" name="グループ化 38">
+                <a:extLst>
+                  <a:ext uri="{FF2B5EF4-FFF2-40B4-BE49-F238E27FC236}">
+                    <a16:creationId xmlns:a16="http://schemas.microsoft.com/office/drawing/2014/main" id="{7FADF997-3153-48F4-BAC2-1352346E1B18}"/>
+                  </a:ext>
+                </a:extLst>
+              </p:cNvPr>
+              <p:cNvGrpSpPr/>
+              <p:nvPr/>
+            </p:nvGrpSpPr>
+            <p:grpSpPr>
+              <a:xfrm>
+                <a:off x="7395604" y="4169564"/>
+                <a:ext cx="485522" cy="307497"/>
+                <a:chOff x="8431901" y="2023009"/>
+                <a:chExt cx="485522" cy="307497"/>
+              </a:xfrm>
+            </p:grpSpPr>
+            <p:sp>
+              <p:nvSpPr>
+                <p:cNvPr id="40" name="楕円 39">
+                  <a:extLst>
+                    <a:ext uri="{FF2B5EF4-FFF2-40B4-BE49-F238E27FC236}">
+                      <a16:creationId xmlns:a16="http://schemas.microsoft.com/office/drawing/2014/main" id="{C7A91931-A6CC-4BD7-8908-1594AE54A47A}"/>
+                    </a:ext>
+                  </a:extLst>
+                </p:cNvPr>
+                <p:cNvSpPr/>
+                <p:nvPr/>
+              </p:nvSpPr>
+              <p:spPr>
+                <a:xfrm>
+                  <a:off x="8520913" y="2023009"/>
+                  <a:ext cx="307498" cy="307497"/>
+                </a:xfrm>
+                <a:prstGeom prst="ellipse">
+                  <a:avLst/>
+                </a:prstGeom>
+                <a:noFill/>
+                <a:ln>
+                  <a:solidFill>
+                    <a:schemeClr val="tx1"/>
+                  </a:solidFill>
+                </a:ln>
+              </p:spPr>
+              <p:style>
+                <a:lnRef idx="2">
+                  <a:schemeClr val="accent1">
+                    <a:shade val="50000"/>
+                  </a:schemeClr>
+                </a:lnRef>
+                <a:fillRef idx="1">
+                  <a:schemeClr val="accent1"/>
+                </a:fillRef>
+                <a:effectRef idx="0">
+                  <a:schemeClr val="accent1"/>
+                </a:effectRef>
+                <a:fontRef idx="minor">
+                  <a:schemeClr val="lt1"/>
+                </a:fontRef>
+              </p:style>
+              <p:txBody>
+                <a:bodyPr rtlCol="0" anchor="ctr"/>
+                <a:lstStyle/>
+                <a:p>
+                  <a:pPr algn="ctr"/>
+                  <a:endParaRPr kumimoji="1" lang="ja-JP" altLang="en-US"/>
+                </a:p>
+              </p:txBody>
+            </p:sp>
+            <p:sp>
+              <p:nvSpPr>
+                <p:cNvPr id="41" name="テキスト ボックス 40">
+                  <a:extLst>
+                    <a:ext uri="{FF2B5EF4-FFF2-40B4-BE49-F238E27FC236}">
+                      <a16:creationId xmlns:a16="http://schemas.microsoft.com/office/drawing/2014/main" id="{7558B073-EE7A-41FB-8526-AB455EEBF955}"/>
+                    </a:ext>
+                  </a:extLst>
+                </p:cNvPr>
+                <p:cNvSpPr txBox="1"/>
+                <p:nvPr/>
+              </p:nvSpPr>
+              <p:spPr>
+                <a:xfrm>
+                  <a:off x="8431901" y="2038257"/>
+                  <a:ext cx="485522" cy="276999"/>
+                </a:xfrm>
+                <a:prstGeom prst="rect">
+                  <a:avLst/>
+                </a:prstGeom>
+                <a:noFill/>
+              </p:spPr>
+              <p:txBody>
+                <a:bodyPr wrap="square" rtlCol="0">
+                  <a:spAutoFit/>
+                </a:bodyPr>
+                <a:lstStyle/>
+                <a:p>
+                  <a:pPr algn="ctr"/>
+                  <a:r>
+                    <a:rPr kumimoji="1" lang="en-US" altLang="ja-JP" sz="1200" dirty="0"/>
+                    <a:t>16</a:t>
+                  </a:r>
+                  <a:endParaRPr kumimoji="1" lang="ja-JP" altLang="en-US" sz="1200" dirty="0"/>
+                </a:p>
+              </p:txBody>
+            </p:sp>
+          </p:grpSp>
+          <p:grpSp>
+            <p:nvGrpSpPr>
+              <p:cNvPr id="42" name="グループ化 41">
+                <a:extLst>
+                  <a:ext uri="{FF2B5EF4-FFF2-40B4-BE49-F238E27FC236}">
+                    <a16:creationId xmlns:a16="http://schemas.microsoft.com/office/drawing/2014/main" id="{D3A2411F-258D-446A-B8E6-B86107B716EA}"/>
+                  </a:ext>
+                </a:extLst>
+              </p:cNvPr>
+              <p:cNvGrpSpPr/>
+              <p:nvPr/>
+            </p:nvGrpSpPr>
+            <p:grpSpPr>
+              <a:xfrm>
+                <a:off x="8896150" y="4169564"/>
+                <a:ext cx="485522" cy="307497"/>
+                <a:chOff x="8431901" y="2023009"/>
+                <a:chExt cx="485522" cy="307497"/>
+              </a:xfrm>
+            </p:grpSpPr>
+            <p:sp>
+              <p:nvSpPr>
+                <p:cNvPr id="43" name="楕円 42">
+                  <a:extLst>
+                    <a:ext uri="{FF2B5EF4-FFF2-40B4-BE49-F238E27FC236}">
+                      <a16:creationId xmlns:a16="http://schemas.microsoft.com/office/drawing/2014/main" id="{95779639-87C4-4AED-9360-1B5A6DA5FF16}"/>
+                    </a:ext>
+                  </a:extLst>
+                </p:cNvPr>
+                <p:cNvSpPr/>
+                <p:nvPr/>
+              </p:nvSpPr>
+              <p:spPr>
+                <a:xfrm>
+                  <a:off x="8520913" y="2023009"/>
+                  <a:ext cx="307498" cy="307497"/>
+                </a:xfrm>
+                <a:prstGeom prst="ellipse">
+                  <a:avLst/>
+                </a:prstGeom>
+                <a:noFill/>
+                <a:ln>
+                  <a:solidFill>
+                    <a:schemeClr val="tx1"/>
+                  </a:solidFill>
+                </a:ln>
+              </p:spPr>
+              <p:style>
+                <a:lnRef idx="2">
+                  <a:schemeClr val="accent1">
+                    <a:shade val="50000"/>
+                  </a:schemeClr>
+                </a:lnRef>
+                <a:fillRef idx="1">
+                  <a:schemeClr val="accent1"/>
+                </a:fillRef>
+                <a:effectRef idx="0">
+                  <a:schemeClr val="accent1"/>
+                </a:effectRef>
+                <a:fontRef idx="minor">
+                  <a:schemeClr val="lt1"/>
+                </a:fontRef>
+              </p:style>
+              <p:txBody>
+                <a:bodyPr rtlCol="0" anchor="ctr"/>
+                <a:lstStyle/>
+                <a:p>
+                  <a:pPr algn="ctr"/>
+                  <a:endParaRPr kumimoji="1" lang="ja-JP" altLang="en-US"/>
+                </a:p>
+              </p:txBody>
+            </p:sp>
+            <p:sp>
+              <p:nvSpPr>
+                <p:cNvPr id="44" name="テキスト ボックス 43">
+                  <a:extLst>
+                    <a:ext uri="{FF2B5EF4-FFF2-40B4-BE49-F238E27FC236}">
+                      <a16:creationId xmlns:a16="http://schemas.microsoft.com/office/drawing/2014/main" id="{6B88E809-A898-4C46-8BD5-B88B4D70EAF9}"/>
+                    </a:ext>
+                  </a:extLst>
+                </p:cNvPr>
+                <p:cNvSpPr txBox="1"/>
+                <p:nvPr/>
+              </p:nvSpPr>
+              <p:spPr>
+                <a:xfrm>
+                  <a:off x="8431901" y="2038257"/>
+                  <a:ext cx="485522" cy="276999"/>
+                </a:xfrm>
+                <a:prstGeom prst="rect">
+                  <a:avLst/>
+                </a:prstGeom>
+                <a:noFill/>
+              </p:spPr>
+              <p:txBody>
+                <a:bodyPr wrap="square" rtlCol="0">
+                  <a:spAutoFit/>
+                </a:bodyPr>
+                <a:lstStyle/>
+                <a:p>
+                  <a:pPr algn="ctr"/>
+                  <a:r>
+                    <a:rPr kumimoji="1" lang="en-US" altLang="ja-JP" sz="1200" dirty="0"/>
+                    <a:t>6</a:t>
+                  </a:r>
+                  <a:endParaRPr kumimoji="1" lang="ja-JP" altLang="en-US" sz="1200" dirty="0"/>
+                </a:p>
+              </p:txBody>
+            </p:sp>
+          </p:grpSp>
+          <p:grpSp>
+            <p:nvGrpSpPr>
+              <p:cNvPr id="45" name="グループ化 44">
+                <a:extLst>
+                  <a:ext uri="{FF2B5EF4-FFF2-40B4-BE49-F238E27FC236}">
+                    <a16:creationId xmlns:a16="http://schemas.microsoft.com/office/drawing/2014/main" id="{57F07872-068D-4B1E-8913-DEFD5A8EBFC7}"/>
+                  </a:ext>
+                </a:extLst>
+              </p:cNvPr>
+              <p:cNvGrpSpPr/>
+              <p:nvPr/>
+            </p:nvGrpSpPr>
+            <p:grpSpPr>
+              <a:xfrm>
+                <a:off x="7869265" y="2692288"/>
+                <a:ext cx="485522" cy="307497"/>
+                <a:chOff x="8431901" y="2023009"/>
+                <a:chExt cx="485522" cy="307497"/>
+              </a:xfrm>
+            </p:grpSpPr>
+            <p:sp>
+              <p:nvSpPr>
+                <p:cNvPr id="46" name="楕円 45">
+                  <a:extLst>
+                    <a:ext uri="{FF2B5EF4-FFF2-40B4-BE49-F238E27FC236}">
+                      <a16:creationId xmlns:a16="http://schemas.microsoft.com/office/drawing/2014/main" id="{64743396-8390-4746-8B1B-735270D7C133}"/>
+                    </a:ext>
+                  </a:extLst>
+                </p:cNvPr>
+                <p:cNvSpPr/>
+                <p:nvPr/>
+              </p:nvSpPr>
+              <p:spPr>
+                <a:xfrm>
+                  <a:off x="8520913" y="2023009"/>
+                  <a:ext cx="307498" cy="307497"/>
+                </a:xfrm>
+                <a:prstGeom prst="ellipse">
+                  <a:avLst/>
+                </a:prstGeom>
+                <a:noFill/>
+                <a:ln>
+                  <a:solidFill>
+                    <a:schemeClr val="tx1"/>
+                  </a:solidFill>
+                </a:ln>
+              </p:spPr>
+              <p:style>
+                <a:lnRef idx="2">
+                  <a:schemeClr val="accent1">
+                    <a:shade val="50000"/>
+                  </a:schemeClr>
+                </a:lnRef>
+                <a:fillRef idx="1">
+                  <a:schemeClr val="accent1"/>
+                </a:fillRef>
+                <a:effectRef idx="0">
+                  <a:schemeClr val="accent1"/>
+                </a:effectRef>
+                <a:fontRef idx="minor">
+                  <a:schemeClr val="lt1"/>
+                </a:fontRef>
+              </p:style>
+              <p:txBody>
+                <a:bodyPr rtlCol="0" anchor="ctr"/>
+                <a:lstStyle/>
+                <a:p>
+                  <a:pPr algn="ctr"/>
+                  <a:endParaRPr kumimoji="1" lang="ja-JP" altLang="en-US"/>
+                </a:p>
+              </p:txBody>
+            </p:sp>
+            <p:sp>
+              <p:nvSpPr>
+                <p:cNvPr id="47" name="テキスト ボックス 46">
+                  <a:extLst>
+                    <a:ext uri="{FF2B5EF4-FFF2-40B4-BE49-F238E27FC236}">
+                      <a16:creationId xmlns:a16="http://schemas.microsoft.com/office/drawing/2014/main" id="{BEF56942-E4B4-4F5D-95DC-A533AAE8E0DE}"/>
+                    </a:ext>
+                  </a:extLst>
+                </p:cNvPr>
+                <p:cNvSpPr txBox="1"/>
+                <p:nvPr/>
+              </p:nvSpPr>
+              <p:spPr>
+                <a:xfrm>
+                  <a:off x="8431901" y="2038257"/>
+                  <a:ext cx="485522" cy="276999"/>
+                </a:xfrm>
+                <a:prstGeom prst="rect">
+                  <a:avLst/>
+                </a:prstGeom>
+                <a:noFill/>
+              </p:spPr>
+              <p:txBody>
+                <a:bodyPr wrap="square" rtlCol="0">
+                  <a:spAutoFit/>
+                </a:bodyPr>
+                <a:lstStyle/>
+                <a:p>
+                  <a:pPr algn="ctr"/>
+                  <a:r>
+                    <a:rPr kumimoji="1" lang="en-US" altLang="ja-JP" sz="1200" dirty="0"/>
+                    <a:t>18</a:t>
+                  </a:r>
+                  <a:endParaRPr kumimoji="1" lang="ja-JP" altLang="en-US" sz="1200" dirty="0"/>
+                </a:p>
+              </p:txBody>
+            </p:sp>
+          </p:grpSp>
+          <p:grpSp>
+            <p:nvGrpSpPr>
+              <p:cNvPr id="48" name="グループ化 47">
+                <a:extLst>
+                  <a:ext uri="{FF2B5EF4-FFF2-40B4-BE49-F238E27FC236}">
+                    <a16:creationId xmlns:a16="http://schemas.microsoft.com/office/drawing/2014/main" id="{2FD9518D-E5C3-4C1F-97ED-8BF2FD01E15E}"/>
+                  </a:ext>
+                </a:extLst>
+              </p:cNvPr>
+              <p:cNvGrpSpPr/>
+              <p:nvPr/>
+            </p:nvGrpSpPr>
+            <p:grpSpPr>
+              <a:xfrm>
+                <a:off x="8405582" y="2692288"/>
+                <a:ext cx="485522" cy="307497"/>
+                <a:chOff x="8431901" y="2023009"/>
+                <a:chExt cx="485522" cy="307497"/>
+              </a:xfrm>
+            </p:grpSpPr>
+            <p:sp>
+              <p:nvSpPr>
+                <p:cNvPr id="49" name="楕円 48">
+                  <a:extLst>
+                    <a:ext uri="{FF2B5EF4-FFF2-40B4-BE49-F238E27FC236}">
+                      <a16:creationId xmlns:a16="http://schemas.microsoft.com/office/drawing/2014/main" id="{79B524A1-AE75-4464-BFB9-5EB1A8CB0F40}"/>
+                    </a:ext>
+                  </a:extLst>
+                </p:cNvPr>
+                <p:cNvSpPr/>
+                <p:nvPr/>
+              </p:nvSpPr>
+              <p:spPr>
+                <a:xfrm>
+                  <a:off x="8520913" y="2023009"/>
+                  <a:ext cx="307498" cy="307497"/>
+                </a:xfrm>
+                <a:prstGeom prst="ellipse">
+                  <a:avLst/>
+                </a:prstGeom>
+                <a:noFill/>
+                <a:ln>
+                  <a:solidFill>
+                    <a:schemeClr val="tx1"/>
+                  </a:solidFill>
+                </a:ln>
+              </p:spPr>
+              <p:style>
+                <a:lnRef idx="2">
+                  <a:schemeClr val="accent1">
+                    <a:shade val="50000"/>
+                  </a:schemeClr>
+                </a:lnRef>
+                <a:fillRef idx="1">
+                  <a:schemeClr val="accent1"/>
+                </a:fillRef>
+                <a:effectRef idx="0">
+                  <a:schemeClr val="accent1"/>
+                </a:effectRef>
+                <a:fontRef idx="minor">
+                  <a:schemeClr val="lt1"/>
+                </a:fontRef>
+              </p:style>
+              <p:txBody>
+                <a:bodyPr rtlCol="0" anchor="ctr"/>
+                <a:lstStyle/>
+                <a:p>
+                  <a:pPr algn="ctr"/>
+                  <a:endParaRPr kumimoji="1" lang="ja-JP" altLang="en-US"/>
+                </a:p>
+              </p:txBody>
+            </p:sp>
+            <p:sp>
+              <p:nvSpPr>
+                <p:cNvPr id="50" name="テキスト ボックス 49">
+                  <a:extLst>
+                    <a:ext uri="{FF2B5EF4-FFF2-40B4-BE49-F238E27FC236}">
+                      <a16:creationId xmlns:a16="http://schemas.microsoft.com/office/drawing/2014/main" id="{48C545B4-61E4-45E0-93A5-975984B9880A}"/>
+                    </a:ext>
+                  </a:extLst>
+                </p:cNvPr>
+                <p:cNvSpPr txBox="1"/>
+                <p:nvPr/>
+              </p:nvSpPr>
+              <p:spPr>
+                <a:xfrm>
+                  <a:off x="8431901" y="2038257"/>
+                  <a:ext cx="485522" cy="276999"/>
+                </a:xfrm>
+                <a:prstGeom prst="rect">
+                  <a:avLst/>
+                </a:prstGeom>
+                <a:noFill/>
+              </p:spPr>
+              <p:txBody>
+                <a:bodyPr wrap="square" rtlCol="0">
+                  <a:spAutoFit/>
+                </a:bodyPr>
+                <a:lstStyle/>
+                <a:p>
+                  <a:pPr algn="ctr"/>
+                  <a:r>
+                    <a:rPr kumimoji="1" lang="en-US" altLang="ja-JP" sz="1200" dirty="0"/>
+                    <a:t>8</a:t>
+                  </a:r>
+                  <a:endParaRPr kumimoji="1" lang="ja-JP" altLang="en-US" sz="1200" dirty="0"/>
+                </a:p>
+              </p:txBody>
+            </p:sp>
+          </p:grpSp>
+          <p:grpSp>
+            <p:nvGrpSpPr>
+              <p:cNvPr id="51" name="グループ化 50">
+                <a:extLst>
+                  <a:ext uri="{FF2B5EF4-FFF2-40B4-BE49-F238E27FC236}">
+                    <a16:creationId xmlns:a16="http://schemas.microsoft.com/office/drawing/2014/main" id="{0CFC1B1E-B62E-4FED-A26E-77FC2A1A7A76}"/>
+                  </a:ext>
+                </a:extLst>
+              </p:cNvPr>
+              <p:cNvGrpSpPr/>
+              <p:nvPr/>
+            </p:nvGrpSpPr>
+            <p:grpSpPr>
+              <a:xfrm>
+                <a:off x="7869265" y="3248327"/>
+                <a:ext cx="485522" cy="307497"/>
+                <a:chOff x="8431901" y="2023009"/>
+                <a:chExt cx="485522" cy="307497"/>
+              </a:xfrm>
+            </p:grpSpPr>
+            <p:sp>
+              <p:nvSpPr>
+                <p:cNvPr id="52" name="楕円 51">
+                  <a:extLst>
+                    <a:ext uri="{FF2B5EF4-FFF2-40B4-BE49-F238E27FC236}">
+                      <a16:creationId xmlns:a16="http://schemas.microsoft.com/office/drawing/2014/main" id="{4ECC12F9-31AA-4718-B535-493F31D53C32}"/>
+                    </a:ext>
+                  </a:extLst>
+                </p:cNvPr>
+                <p:cNvSpPr/>
+                <p:nvPr/>
+              </p:nvSpPr>
+              <p:spPr>
+                <a:xfrm>
+                  <a:off x="8520913" y="2023009"/>
+                  <a:ext cx="307498" cy="307497"/>
+                </a:xfrm>
+                <a:prstGeom prst="ellipse">
+                  <a:avLst/>
+                </a:prstGeom>
+                <a:noFill/>
+                <a:ln>
+                  <a:solidFill>
+                    <a:schemeClr val="tx1"/>
+                  </a:solidFill>
+                </a:ln>
+              </p:spPr>
+              <p:style>
+                <a:lnRef idx="2">
+                  <a:schemeClr val="accent1">
+                    <a:shade val="50000"/>
+                  </a:schemeClr>
+                </a:lnRef>
+                <a:fillRef idx="1">
+                  <a:schemeClr val="accent1"/>
+                </a:fillRef>
+                <a:effectRef idx="0">
+                  <a:schemeClr val="accent1"/>
+                </a:effectRef>
+                <a:fontRef idx="minor">
+                  <a:schemeClr val="lt1"/>
+                </a:fontRef>
+              </p:style>
+              <p:txBody>
+                <a:bodyPr rtlCol="0" anchor="ctr"/>
+                <a:lstStyle/>
+                <a:p>
+                  <a:pPr algn="ctr"/>
+                  <a:endParaRPr kumimoji="1" lang="ja-JP" altLang="en-US"/>
+                </a:p>
+              </p:txBody>
+            </p:sp>
+            <p:sp>
+              <p:nvSpPr>
+                <p:cNvPr id="53" name="テキスト ボックス 52">
+                  <a:extLst>
+                    <a:ext uri="{FF2B5EF4-FFF2-40B4-BE49-F238E27FC236}">
+                      <a16:creationId xmlns:a16="http://schemas.microsoft.com/office/drawing/2014/main" id="{E16632F2-1A62-4A37-9849-A405940B616B}"/>
+                    </a:ext>
+                  </a:extLst>
+                </p:cNvPr>
+                <p:cNvSpPr txBox="1"/>
+                <p:nvPr/>
+              </p:nvSpPr>
+              <p:spPr>
+                <a:xfrm>
+                  <a:off x="8431901" y="2038257"/>
+                  <a:ext cx="485522" cy="276999"/>
+                </a:xfrm>
+                <a:prstGeom prst="rect">
+                  <a:avLst/>
+                </a:prstGeom>
+                <a:noFill/>
+              </p:spPr>
+              <p:txBody>
+                <a:bodyPr wrap="square" rtlCol="0">
+                  <a:spAutoFit/>
+                </a:bodyPr>
+                <a:lstStyle/>
+                <a:p>
+                  <a:pPr algn="ctr"/>
+                  <a:r>
+                    <a:rPr kumimoji="1" lang="en-US" altLang="ja-JP" sz="1200" dirty="0"/>
+                    <a:t>19</a:t>
+                  </a:r>
+                  <a:endParaRPr kumimoji="1" lang="ja-JP" altLang="en-US" sz="1200" dirty="0"/>
+                </a:p>
+              </p:txBody>
+            </p:sp>
+          </p:grpSp>
+          <p:grpSp>
+            <p:nvGrpSpPr>
+              <p:cNvPr id="54" name="グループ化 53">
+                <a:extLst>
+                  <a:ext uri="{FF2B5EF4-FFF2-40B4-BE49-F238E27FC236}">
+                    <a16:creationId xmlns:a16="http://schemas.microsoft.com/office/drawing/2014/main" id="{372831E4-A1D0-48C5-94ED-9A1DBC32A3F0}"/>
+                  </a:ext>
+                </a:extLst>
+              </p:cNvPr>
+              <p:cNvGrpSpPr/>
+              <p:nvPr/>
+            </p:nvGrpSpPr>
+            <p:grpSpPr>
+              <a:xfrm>
+                <a:off x="8405582" y="3248327"/>
+                <a:ext cx="485522" cy="307497"/>
+                <a:chOff x="8431901" y="2023009"/>
+                <a:chExt cx="485522" cy="307497"/>
+              </a:xfrm>
+            </p:grpSpPr>
+            <p:sp>
+              <p:nvSpPr>
+                <p:cNvPr id="55" name="楕円 54">
+                  <a:extLst>
+                    <a:ext uri="{FF2B5EF4-FFF2-40B4-BE49-F238E27FC236}">
+                      <a16:creationId xmlns:a16="http://schemas.microsoft.com/office/drawing/2014/main" id="{F5455D31-1DD6-401A-BC47-9C0BD1A20DD9}"/>
+                    </a:ext>
+                  </a:extLst>
+                </p:cNvPr>
+                <p:cNvSpPr/>
+                <p:nvPr/>
+              </p:nvSpPr>
+              <p:spPr>
+                <a:xfrm>
+                  <a:off x="8520913" y="2023009"/>
+                  <a:ext cx="307498" cy="307497"/>
+                </a:xfrm>
+                <a:prstGeom prst="ellipse">
+                  <a:avLst/>
+                </a:prstGeom>
+                <a:noFill/>
+                <a:ln>
+                  <a:solidFill>
+                    <a:schemeClr val="tx1"/>
+                  </a:solidFill>
+                </a:ln>
+              </p:spPr>
+              <p:style>
+                <a:lnRef idx="2">
+                  <a:schemeClr val="accent1">
+                    <a:shade val="50000"/>
+                  </a:schemeClr>
+                </a:lnRef>
+                <a:fillRef idx="1">
+                  <a:schemeClr val="accent1"/>
+                </a:fillRef>
+                <a:effectRef idx="0">
+                  <a:schemeClr val="accent1"/>
+                </a:effectRef>
+                <a:fontRef idx="minor">
+                  <a:schemeClr val="lt1"/>
+                </a:fontRef>
+              </p:style>
+              <p:txBody>
+                <a:bodyPr rtlCol="0" anchor="ctr"/>
+                <a:lstStyle/>
+                <a:p>
+                  <a:pPr algn="ctr"/>
+                  <a:endParaRPr kumimoji="1" lang="ja-JP" altLang="en-US"/>
+                </a:p>
+              </p:txBody>
+            </p:sp>
+            <p:sp>
+              <p:nvSpPr>
+                <p:cNvPr id="56" name="テキスト ボックス 55">
+                  <a:extLst>
+                    <a:ext uri="{FF2B5EF4-FFF2-40B4-BE49-F238E27FC236}">
+                      <a16:creationId xmlns:a16="http://schemas.microsoft.com/office/drawing/2014/main" id="{99D1E56A-4F8E-468B-8D18-F57986A0CBD1}"/>
+                    </a:ext>
+                  </a:extLst>
+                </p:cNvPr>
+                <p:cNvSpPr txBox="1"/>
+                <p:nvPr/>
+              </p:nvSpPr>
+              <p:spPr>
+                <a:xfrm>
+                  <a:off x="8431901" y="2038257"/>
+                  <a:ext cx="485522" cy="276999"/>
+                </a:xfrm>
+                <a:prstGeom prst="rect">
+                  <a:avLst/>
+                </a:prstGeom>
+                <a:noFill/>
+              </p:spPr>
+              <p:txBody>
+                <a:bodyPr wrap="square" rtlCol="0">
+                  <a:spAutoFit/>
+                </a:bodyPr>
+                <a:lstStyle/>
+                <a:p>
+                  <a:pPr algn="ctr"/>
+                  <a:r>
+                    <a:rPr lang="en-US" altLang="ja-JP" sz="1200" dirty="0"/>
+                    <a:t>9</a:t>
+                  </a:r>
+                  <a:endParaRPr kumimoji="1" lang="ja-JP" altLang="en-US" sz="1200" dirty="0"/>
+                </a:p>
+              </p:txBody>
+            </p:sp>
+          </p:grpSp>
+          <p:grpSp>
+            <p:nvGrpSpPr>
+              <p:cNvPr id="58" name="グループ化 57">
+                <a:extLst>
+                  <a:ext uri="{FF2B5EF4-FFF2-40B4-BE49-F238E27FC236}">
+                    <a16:creationId xmlns:a16="http://schemas.microsoft.com/office/drawing/2014/main" id="{520FA61E-38E9-43CD-911B-C1F43D957FE3}"/>
+                  </a:ext>
+                </a:extLst>
+              </p:cNvPr>
+              <p:cNvGrpSpPr/>
+              <p:nvPr/>
+            </p:nvGrpSpPr>
+            <p:grpSpPr>
+              <a:xfrm>
+                <a:off x="6957978" y="2727410"/>
+                <a:ext cx="485522" cy="307497"/>
+                <a:chOff x="8431901" y="2023009"/>
+                <a:chExt cx="485522" cy="307497"/>
+              </a:xfrm>
+            </p:grpSpPr>
+            <p:sp>
+              <p:nvSpPr>
+                <p:cNvPr id="59" name="楕円 58">
+                  <a:extLst>
+                    <a:ext uri="{FF2B5EF4-FFF2-40B4-BE49-F238E27FC236}">
+                      <a16:creationId xmlns:a16="http://schemas.microsoft.com/office/drawing/2014/main" id="{D9D122C2-EA12-41C6-B02C-DF74E337EBBA}"/>
+                    </a:ext>
+                  </a:extLst>
+                </p:cNvPr>
+                <p:cNvSpPr/>
+                <p:nvPr/>
+              </p:nvSpPr>
+              <p:spPr>
+                <a:xfrm>
+                  <a:off x="8520913" y="2023009"/>
+                  <a:ext cx="307498" cy="307497"/>
+                </a:xfrm>
+                <a:prstGeom prst="ellipse">
+                  <a:avLst/>
+                </a:prstGeom>
+                <a:noFill/>
+                <a:ln>
+                  <a:solidFill>
+                    <a:schemeClr val="tx1"/>
+                  </a:solidFill>
+                </a:ln>
+              </p:spPr>
+              <p:style>
+                <a:lnRef idx="2">
+                  <a:schemeClr val="accent1">
+                    <a:shade val="50000"/>
+                  </a:schemeClr>
+                </a:lnRef>
+                <a:fillRef idx="1">
+                  <a:schemeClr val="accent1"/>
+                </a:fillRef>
+                <a:effectRef idx="0">
+                  <a:schemeClr val="accent1"/>
+                </a:effectRef>
+                <a:fontRef idx="minor">
+                  <a:schemeClr val="lt1"/>
+                </a:fontRef>
+              </p:style>
+              <p:txBody>
+                <a:bodyPr rtlCol="0" anchor="ctr"/>
+                <a:lstStyle/>
+                <a:p>
+                  <a:pPr algn="ctr"/>
+                  <a:endParaRPr kumimoji="1" lang="ja-JP" altLang="en-US"/>
+                </a:p>
+              </p:txBody>
+            </p:sp>
+            <p:sp>
+              <p:nvSpPr>
+                <p:cNvPr id="60" name="テキスト ボックス 59">
+                  <a:extLst>
+                    <a:ext uri="{FF2B5EF4-FFF2-40B4-BE49-F238E27FC236}">
+                      <a16:creationId xmlns:a16="http://schemas.microsoft.com/office/drawing/2014/main" id="{4B0A7134-4369-4536-BA0F-FFD821744B41}"/>
+                    </a:ext>
+                  </a:extLst>
+                </p:cNvPr>
+                <p:cNvSpPr txBox="1"/>
+                <p:nvPr/>
+              </p:nvSpPr>
+              <p:spPr>
+                <a:xfrm>
+                  <a:off x="8431901" y="2038257"/>
+                  <a:ext cx="485522" cy="276999"/>
+                </a:xfrm>
+                <a:prstGeom prst="rect">
+                  <a:avLst/>
+                </a:prstGeom>
+                <a:noFill/>
+              </p:spPr>
+              <p:txBody>
+                <a:bodyPr wrap="square" rtlCol="0">
+                  <a:spAutoFit/>
+                </a:bodyPr>
+                <a:lstStyle/>
+                <a:p>
+                  <a:pPr algn="ctr"/>
+                  <a:r>
+                    <a:rPr kumimoji="1" lang="en-US" altLang="ja-JP" sz="1200" dirty="0"/>
+                    <a:t>13</a:t>
+                  </a:r>
+                  <a:endParaRPr kumimoji="1" lang="ja-JP" altLang="en-US" sz="1200" dirty="0"/>
+                </a:p>
+              </p:txBody>
+            </p:sp>
+          </p:grpSp>
+          <p:grpSp>
+            <p:nvGrpSpPr>
+              <p:cNvPr id="61" name="グループ化 60">
+                <a:extLst>
+                  <a:ext uri="{FF2B5EF4-FFF2-40B4-BE49-F238E27FC236}">
+                    <a16:creationId xmlns:a16="http://schemas.microsoft.com/office/drawing/2014/main" id="{09733B94-F809-4A67-9CC3-A5B639B51EA3}"/>
+                  </a:ext>
+                </a:extLst>
+              </p:cNvPr>
+              <p:cNvGrpSpPr/>
+              <p:nvPr/>
+            </p:nvGrpSpPr>
+            <p:grpSpPr>
+              <a:xfrm>
+                <a:off x="9322680" y="2722389"/>
+                <a:ext cx="485522" cy="307497"/>
+                <a:chOff x="8431901" y="2023009"/>
+                <a:chExt cx="485522" cy="307497"/>
+              </a:xfrm>
+            </p:grpSpPr>
+            <p:sp>
+              <p:nvSpPr>
+                <p:cNvPr id="62" name="楕円 61">
+                  <a:extLst>
+                    <a:ext uri="{FF2B5EF4-FFF2-40B4-BE49-F238E27FC236}">
+                      <a16:creationId xmlns:a16="http://schemas.microsoft.com/office/drawing/2014/main" id="{FEA94586-5975-4AC3-A33C-2DC17098126D}"/>
+                    </a:ext>
+                  </a:extLst>
+                </p:cNvPr>
+                <p:cNvSpPr/>
+                <p:nvPr/>
+              </p:nvSpPr>
+              <p:spPr>
+                <a:xfrm>
+                  <a:off x="8520913" y="2023009"/>
+                  <a:ext cx="307498" cy="307497"/>
+                </a:xfrm>
+                <a:prstGeom prst="ellipse">
+                  <a:avLst/>
+                </a:prstGeom>
+                <a:noFill/>
+                <a:ln>
+                  <a:solidFill>
+                    <a:schemeClr val="tx1"/>
+                  </a:solidFill>
+                </a:ln>
+              </p:spPr>
+              <p:style>
+                <a:lnRef idx="2">
+                  <a:schemeClr val="accent1">
+                    <a:shade val="50000"/>
+                  </a:schemeClr>
+                </a:lnRef>
+                <a:fillRef idx="1">
+                  <a:schemeClr val="accent1"/>
+                </a:fillRef>
+                <a:effectRef idx="0">
+                  <a:schemeClr val="accent1"/>
+                </a:effectRef>
+                <a:fontRef idx="minor">
+                  <a:schemeClr val="lt1"/>
+                </a:fontRef>
+              </p:style>
+              <p:txBody>
+                <a:bodyPr rtlCol="0" anchor="ctr"/>
+                <a:lstStyle/>
+                <a:p>
+                  <a:pPr algn="ctr"/>
+                  <a:endParaRPr kumimoji="1" lang="ja-JP" altLang="en-US"/>
+                </a:p>
+              </p:txBody>
+            </p:sp>
+            <p:sp>
+              <p:nvSpPr>
+                <p:cNvPr id="63" name="テキスト ボックス 62">
+                  <a:extLst>
+                    <a:ext uri="{FF2B5EF4-FFF2-40B4-BE49-F238E27FC236}">
+                      <a16:creationId xmlns:a16="http://schemas.microsoft.com/office/drawing/2014/main" id="{C953DB91-BE87-4C4C-BC5F-9BD9E0D0D05F}"/>
+                    </a:ext>
+                  </a:extLst>
+                </p:cNvPr>
+                <p:cNvSpPr txBox="1"/>
+                <p:nvPr/>
+              </p:nvSpPr>
+              <p:spPr>
+                <a:xfrm>
+                  <a:off x="8431901" y="2038257"/>
+                  <a:ext cx="485522" cy="276999"/>
+                </a:xfrm>
+                <a:prstGeom prst="rect">
+                  <a:avLst/>
+                </a:prstGeom>
+                <a:noFill/>
+              </p:spPr>
+              <p:txBody>
+                <a:bodyPr wrap="square" rtlCol="0">
+                  <a:spAutoFit/>
+                </a:bodyPr>
+                <a:lstStyle/>
+                <a:p>
+                  <a:pPr algn="ctr"/>
+                  <a:r>
+                    <a:rPr kumimoji="1" lang="en-US" altLang="ja-JP" sz="1200" dirty="0"/>
+                    <a:t>3</a:t>
+                  </a:r>
+                  <a:endParaRPr kumimoji="1" lang="ja-JP" altLang="en-US" sz="1200" dirty="0"/>
+                </a:p>
+              </p:txBody>
+            </p:sp>
+          </p:grpSp>
+          <p:grpSp>
+            <p:nvGrpSpPr>
+              <p:cNvPr id="64" name="グループ化 63">
+                <a:extLst>
+                  <a:ext uri="{FF2B5EF4-FFF2-40B4-BE49-F238E27FC236}">
+                    <a16:creationId xmlns:a16="http://schemas.microsoft.com/office/drawing/2014/main" id="{8DE7B150-CD02-4B8C-90DA-3171ADE15BB5}"/>
+                  </a:ext>
+                </a:extLst>
+              </p:cNvPr>
+              <p:cNvGrpSpPr/>
+              <p:nvPr/>
+            </p:nvGrpSpPr>
+            <p:grpSpPr>
+              <a:xfrm>
+                <a:off x="6957978" y="3252174"/>
+                <a:ext cx="485522" cy="307497"/>
+                <a:chOff x="8431901" y="2023009"/>
+                <a:chExt cx="485522" cy="307497"/>
+              </a:xfrm>
+            </p:grpSpPr>
+            <p:sp>
+              <p:nvSpPr>
+                <p:cNvPr id="65" name="楕円 64">
+                  <a:extLst>
+                    <a:ext uri="{FF2B5EF4-FFF2-40B4-BE49-F238E27FC236}">
+                      <a16:creationId xmlns:a16="http://schemas.microsoft.com/office/drawing/2014/main" id="{674E5356-9A40-4780-8FDA-EBDE4DA70519}"/>
+                    </a:ext>
+                  </a:extLst>
+                </p:cNvPr>
+                <p:cNvSpPr/>
+                <p:nvPr/>
+              </p:nvSpPr>
+              <p:spPr>
+                <a:xfrm>
+                  <a:off x="8520913" y="2023009"/>
+                  <a:ext cx="307498" cy="307497"/>
+                </a:xfrm>
+                <a:prstGeom prst="ellipse">
+                  <a:avLst/>
+                </a:prstGeom>
+                <a:noFill/>
+                <a:ln>
+                  <a:solidFill>
+                    <a:schemeClr val="tx1"/>
+                  </a:solidFill>
+                </a:ln>
+              </p:spPr>
+              <p:style>
+                <a:lnRef idx="2">
+                  <a:schemeClr val="accent1">
+                    <a:shade val="50000"/>
+                  </a:schemeClr>
+                </a:lnRef>
+                <a:fillRef idx="1">
+                  <a:schemeClr val="accent1"/>
+                </a:fillRef>
+                <a:effectRef idx="0">
+                  <a:schemeClr val="accent1"/>
+                </a:effectRef>
+                <a:fontRef idx="minor">
+                  <a:schemeClr val="lt1"/>
+                </a:fontRef>
+              </p:style>
+              <p:txBody>
+                <a:bodyPr rtlCol="0" anchor="ctr"/>
+                <a:lstStyle/>
+                <a:p>
+                  <a:pPr algn="ctr"/>
+                  <a:endParaRPr kumimoji="1" lang="ja-JP" altLang="en-US"/>
+                </a:p>
+              </p:txBody>
+            </p:sp>
+            <p:sp>
+              <p:nvSpPr>
+                <p:cNvPr id="66" name="テキスト ボックス 65">
+                  <a:extLst>
+                    <a:ext uri="{FF2B5EF4-FFF2-40B4-BE49-F238E27FC236}">
+                      <a16:creationId xmlns:a16="http://schemas.microsoft.com/office/drawing/2014/main" id="{35EB5344-D0C1-4A08-806C-EC85A47C4072}"/>
+                    </a:ext>
+                  </a:extLst>
+                </p:cNvPr>
+                <p:cNvSpPr txBox="1"/>
+                <p:nvPr/>
+              </p:nvSpPr>
+              <p:spPr>
+                <a:xfrm>
+                  <a:off x="8431901" y="2038257"/>
+                  <a:ext cx="485522" cy="276999"/>
+                </a:xfrm>
+                <a:prstGeom prst="rect">
+                  <a:avLst/>
+                </a:prstGeom>
+                <a:noFill/>
+              </p:spPr>
+              <p:txBody>
+                <a:bodyPr wrap="square" rtlCol="0">
+                  <a:spAutoFit/>
+                </a:bodyPr>
+                <a:lstStyle/>
+                <a:p>
+                  <a:pPr algn="ctr"/>
+                  <a:r>
+                    <a:rPr kumimoji="1" lang="en-US" altLang="ja-JP" sz="1200" dirty="0"/>
+                    <a:t>14</a:t>
+                  </a:r>
+                  <a:endParaRPr kumimoji="1" lang="ja-JP" altLang="en-US" sz="1200" dirty="0"/>
+                </a:p>
+              </p:txBody>
+            </p:sp>
+          </p:grpSp>
+          <p:grpSp>
+            <p:nvGrpSpPr>
+              <p:cNvPr id="67" name="グループ化 66">
+                <a:extLst>
+                  <a:ext uri="{FF2B5EF4-FFF2-40B4-BE49-F238E27FC236}">
+                    <a16:creationId xmlns:a16="http://schemas.microsoft.com/office/drawing/2014/main" id="{E8A5E3A4-136B-49C2-B524-B9EBC575F2A4}"/>
+                  </a:ext>
+                </a:extLst>
+              </p:cNvPr>
+              <p:cNvGrpSpPr/>
+              <p:nvPr/>
+            </p:nvGrpSpPr>
+            <p:grpSpPr>
+              <a:xfrm>
+                <a:off x="9316869" y="3252174"/>
+                <a:ext cx="485522" cy="307497"/>
+                <a:chOff x="8431901" y="2023009"/>
+                <a:chExt cx="485522" cy="307497"/>
+              </a:xfrm>
+            </p:grpSpPr>
+            <p:sp>
+              <p:nvSpPr>
+                <p:cNvPr id="68" name="楕円 67">
+                  <a:extLst>
+                    <a:ext uri="{FF2B5EF4-FFF2-40B4-BE49-F238E27FC236}">
+                      <a16:creationId xmlns:a16="http://schemas.microsoft.com/office/drawing/2014/main" id="{32D53B72-D4A4-4AE6-8588-363FB35C6862}"/>
+                    </a:ext>
+                  </a:extLst>
+                </p:cNvPr>
+                <p:cNvSpPr/>
+                <p:nvPr/>
+              </p:nvSpPr>
+              <p:spPr>
+                <a:xfrm>
+                  <a:off x="8520913" y="2023009"/>
+                  <a:ext cx="307498" cy="307497"/>
+                </a:xfrm>
+                <a:prstGeom prst="ellipse">
+                  <a:avLst/>
+                </a:prstGeom>
+                <a:noFill/>
+                <a:ln>
+                  <a:solidFill>
+                    <a:schemeClr val="tx1"/>
+                  </a:solidFill>
+                </a:ln>
+              </p:spPr>
+              <p:style>
+                <a:lnRef idx="2">
+                  <a:schemeClr val="accent1">
+                    <a:shade val="50000"/>
+                  </a:schemeClr>
+                </a:lnRef>
+                <a:fillRef idx="1">
+                  <a:schemeClr val="accent1"/>
+                </a:fillRef>
+                <a:effectRef idx="0">
+                  <a:schemeClr val="accent1"/>
+                </a:effectRef>
+                <a:fontRef idx="minor">
+                  <a:schemeClr val="lt1"/>
+                </a:fontRef>
+              </p:style>
+              <p:txBody>
+                <a:bodyPr rtlCol="0" anchor="ctr"/>
+                <a:lstStyle/>
+                <a:p>
+                  <a:pPr algn="ctr"/>
+                  <a:endParaRPr kumimoji="1" lang="ja-JP" altLang="en-US"/>
+                </a:p>
+              </p:txBody>
+            </p:sp>
+            <p:sp>
+              <p:nvSpPr>
+                <p:cNvPr id="69" name="テキスト ボックス 68">
+                  <a:extLst>
+                    <a:ext uri="{FF2B5EF4-FFF2-40B4-BE49-F238E27FC236}">
+                      <a16:creationId xmlns:a16="http://schemas.microsoft.com/office/drawing/2014/main" id="{615E8047-E073-42A4-80E6-C713B09E8A8B}"/>
+                    </a:ext>
+                  </a:extLst>
+                </p:cNvPr>
+                <p:cNvSpPr txBox="1"/>
+                <p:nvPr/>
+              </p:nvSpPr>
+              <p:spPr>
+                <a:xfrm>
+                  <a:off x="8431901" y="2038257"/>
+                  <a:ext cx="485522" cy="276999"/>
+                </a:xfrm>
+                <a:prstGeom prst="rect">
+                  <a:avLst/>
+                </a:prstGeom>
+                <a:noFill/>
+              </p:spPr>
+              <p:txBody>
+                <a:bodyPr wrap="square" rtlCol="0">
+                  <a:spAutoFit/>
+                </a:bodyPr>
+                <a:lstStyle/>
+                <a:p>
+                  <a:pPr algn="ctr"/>
+                  <a:r>
+                    <a:rPr kumimoji="1" lang="en-US" altLang="ja-JP" sz="1200" dirty="0"/>
+                    <a:t>4</a:t>
+                  </a:r>
+                  <a:endParaRPr kumimoji="1" lang="ja-JP" altLang="en-US" sz="1200" dirty="0"/>
+                </a:p>
+              </p:txBody>
+            </p:sp>
+          </p:grpSp>
+        </p:grpSp>
+        <p:grpSp>
+          <p:nvGrpSpPr>
+            <p:cNvPr id="86" name="グループ化 85">
+              <a:extLst>
+                <a:ext uri="{FF2B5EF4-FFF2-40B4-BE49-F238E27FC236}">
+                  <a16:creationId xmlns:a16="http://schemas.microsoft.com/office/drawing/2014/main" id="{D85FE3EA-AD42-4693-A72B-E4608A9B5F78}"/>
+                </a:ext>
+              </a:extLst>
+            </p:cNvPr>
+            <p:cNvGrpSpPr/>
+            <p:nvPr/>
+          </p:nvGrpSpPr>
+          <p:grpSpPr>
+            <a:xfrm>
+              <a:off x="7071975" y="4663953"/>
+              <a:ext cx="485522" cy="307497"/>
+              <a:chOff x="8431901" y="2023009"/>
+              <a:chExt cx="485522" cy="307497"/>
+            </a:xfrm>
+          </p:grpSpPr>
+          <p:sp>
+            <p:nvSpPr>
+              <p:cNvPr id="87" name="楕円 86">
+                <a:extLst>
+                  <a:ext uri="{FF2B5EF4-FFF2-40B4-BE49-F238E27FC236}">
+                    <a16:creationId xmlns:a16="http://schemas.microsoft.com/office/drawing/2014/main" id="{F1289562-B001-4F81-9ABD-398E2053EB98}"/>
+                  </a:ext>
+                </a:extLst>
+              </p:cNvPr>
+              <p:cNvSpPr/>
+              <p:nvPr/>
+            </p:nvSpPr>
+            <p:spPr>
+              <a:xfrm>
+                <a:off x="8520913" y="2023009"/>
+                <a:ext cx="307498" cy="307497"/>
+              </a:xfrm>
+              <a:prstGeom prst="ellipse">
+                <a:avLst/>
+              </a:prstGeom>
+              <a:noFill/>
+              <a:ln>
+                <a:solidFill>
+                  <a:schemeClr val="tx1"/>
+                </a:solidFill>
+              </a:ln>
+            </p:spPr>
+            <p:style>
+              <a:lnRef idx="2">
+                <a:schemeClr val="accent1">
+                  <a:shade val="50000"/>
+                </a:schemeClr>
+              </a:lnRef>
+              <a:fillRef idx="1">
+                <a:schemeClr val="accent1"/>
+              </a:fillRef>
+              <a:effectRef idx="0">
+                <a:schemeClr val="accent1"/>
+              </a:effectRef>
+              <a:fontRef idx="minor">
+                <a:schemeClr val="lt1"/>
+              </a:fontRef>
+            </p:style>
+            <p:txBody>
+              <a:bodyPr rtlCol="0" anchor="ctr"/>
+              <a:lstStyle/>
+              <a:p>
+                <a:pPr algn="ctr"/>
+                <a:endParaRPr kumimoji="1" lang="ja-JP" altLang="en-US"/>
+              </a:p>
+            </p:txBody>
+          </p:sp>
+          <p:sp>
+            <p:nvSpPr>
+              <p:cNvPr id="88" name="テキスト ボックス 87">
+                <a:extLst>
+                  <a:ext uri="{FF2B5EF4-FFF2-40B4-BE49-F238E27FC236}">
+                    <a16:creationId xmlns:a16="http://schemas.microsoft.com/office/drawing/2014/main" id="{E6566594-F501-457E-9197-6BCFEBA3F78A}"/>
+                  </a:ext>
+                </a:extLst>
+              </p:cNvPr>
+              <p:cNvSpPr txBox="1"/>
+              <p:nvPr/>
+            </p:nvSpPr>
+            <p:spPr>
+              <a:xfrm>
+                <a:off x="8431901" y="2038257"/>
+                <a:ext cx="485522" cy="276999"/>
+              </a:xfrm>
+              <a:prstGeom prst="rect">
+                <a:avLst/>
+              </a:prstGeom>
+              <a:noFill/>
+            </p:spPr>
+            <p:txBody>
+              <a:bodyPr wrap="square" rtlCol="0">
+                <a:spAutoFit/>
+              </a:bodyPr>
+              <a:lstStyle/>
+              <a:p>
+                <a:pPr algn="ctr"/>
+                <a:r>
+                  <a:rPr kumimoji="1" lang="en-US" altLang="ja-JP" sz="1200" dirty="0"/>
+                  <a:t>23</a:t>
+                </a:r>
+                <a:endParaRPr kumimoji="1" lang="ja-JP" altLang="en-US" sz="1200" dirty="0"/>
+              </a:p>
+            </p:txBody>
+          </p:sp>
+        </p:grpSp>
+        <p:grpSp>
+          <p:nvGrpSpPr>
+            <p:cNvPr id="89" name="グループ化 88">
+              <a:extLst>
+                <a:ext uri="{FF2B5EF4-FFF2-40B4-BE49-F238E27FC236}">
+                  <a16:creationId xmlns:a16="http://schemas.microsoft.com/office/drawing/2014/main" id="{59CB2A78-6A17-4706-B89A-89574D8B5DDD}"/>
+                </a:ext>
+              </a:extLst>
+            </p:cNvPr>
+            <p:cNvGrpSpPr/>
+            <p:nvPr/>
+          </p:nvGrpSpPr>
+          <p:grpSpPr>
+            <a:xfrm>
+              <a:off x="9233668" y="4660569"/>
+              <a:ext cx="485522" cy="307497"/>
+              <a:chOff x="8431901" y="2023009"/>
+              <a:chExt cx="485522" cy="307497"/>
+            </a:xfrm>
+          </p:grpSpPr>
+          <p:sp>
+            <p:nvSpPr>
+              <p:cNvPr id="90" name="楕円 89">
+                <a:extLst>
+                  <a:ext uri="{FF2B5EF4-FFF2-40B4-BE49-F238E27FC236}">
+                    <a16:creationId xmlns:a16="http://schemas.microsoft.com/office/drawing/2014/main" id="{320EB0E8-FB24-4200-B4A1-83A0F868F7A2}"/>
+                  </a:ext>
+                </a:extLst>
+              </p:cNvPr>
+              <p:cNvSpPr/>
+              <p:nvPr/>
+            </p:nvSpPr>
+            <p:spPr>
+              <a:xfrm>
+                <a:off x="8520913" y="2023009"/>
+                <a:ext cx="307498" cy="307497"/>
+              </a:xfrm>
+              <a:prstGeom prst="ellipse">
+                <a:avLst/>
+              </a:prstGeom>
+              <a:noFill/>
+              <a:ln>
+                <a:solidFill>
+                  <a:schemeClr val="tx1"/>
+                </a:solidFill>
+              </a:ln>
+            </p:spPr>
+            <p:style>
+              <a:lnRef idx="2">
+                <a:schemeClr val="accent1">
+                  <a:shade val="50000"/>
+                </a:schemeClr>
+              </a:lnRef>
+              <a:fillRef idx="1">
+                <a:schemeClr val="accent1"/>
+              </a:fillRef>
+              <a:effectRef idx="0">
+                <a:schemeClr val="accent1"/>
+              </a:effectRef>
+              <a:fontRef idx="minor">
+                <a:schemeClr val="lt1"/>
+              </a:fontRef>
+            </p:style>
+            <p:txBody>
+              <a:bodyPr rtlCol="0" anchor="ctr"/>
+              <a:lstStyle/>
+              <a:p>
+                <a:pPr algn="ctr"/>
+                <a:endParaRPr kumimoji="1" lang="ja-JP" altLang="en-US"/>
+              </a:p>
+            </p:txBody>
+          </p:sp>
+          <p:sp>
+            <p:nvSpPr>
+              <p:cNvPr id="91" name="テキスト ボックス 90">
+                <a:extLst>
+                  <a:ext uri="{FF2B5EF4-FFF2-40B4-BE49-F238E27FC236}">
+                    <a16:creationId xmlns:a16="http://schemas.microsoft.com/office/drawing/2014/main" id="{3AAAD02B-4826-4F08-AF75-969B6EE56DB3}"/>
+                  </a:ext>
+                </a:extLst>
+              </p:cNvPr>
+              <p:cNvSpPr txBox="1"/>
+              <p:nvPr/>
+            </p:nvSpPr>
+            <p:spPr>
+              <a:xfrm>
+                <a:off x="8431901" y="2038257"/>
+                <a:ext cx="485522" cy="276999"/>
+              </a:xfrm>
+              <a:prstGeom prst="rect">
+                <a:avLst/>
+              </a:prstGeom>
+              <a:noFill/>
+            </p:spPr>
+            <p:txBody>
+              <a:bodyPr wrap="square" rtlCol="0">
+                <a:spAutoFit/>
+              </a:bodyPr>
+              <a:lstStyle/>
+              <a:p>
+                <a:pPr algn="ctr"/>
+                <a:r>
+                  <a:rPr kumimoji="1" lang="en-US" altLang="ja-JP" sz="1200" dirty="0"/>
+                  <a:t>20</a:t>
+                </a:r>
+                <a:endParaRPr kumimoji="1" lang="ja-JP" altLang="en-US" sz="1200" dirty="0"/>
+              </a:p>
+            </p:txBody>
+          </p:sp>
+        </p:grpSp>
+        <p:grpSp>
+          <p:nvGrpSpPr>
+            <p:cNvPr id="92" name="グループ化 91">
+              <a:extLst>
+                <a:ext uri="{FF2B5EF4-FFF2-40B4-BE49-F238E27FC236}">
+                  <a16:creationId xmlns:a16="http://schemas.microsoft.com/office/drawing/2014/main" id="{F40A2776-06B6-4D45-9855-A73CFB0B1B19}"/>
+                </a:ext>
+              </a:extLst>
+            </p:cNvPr>
+            <p:cNvGrpSpPr/>
+            <p:nvPr/>
+          </p:nvGrpSpPr>
+          <p:grpSpPr>
+            <a:xfrm>
+              <a:off x="7476562" y="4903181"/>
+              <a:ext cx="485522" cy="307497"/>
+              <a:chOff x="8431901" y="2023009"/>
+              <a:chExt cx="485522" cy="307497"/>
+            </a:xfrm>
+          </p:grpSpPr>
+          <p:sp>
+            <p:nvSpPr>
+              <p:cNvPr id="93" name="楕円 92">
+                <a:extLst>
+                  <a:ext uri="{FF2B5EF4-FFF2-40B4-BE49-F238E27FC236}">
+                    <a16:creationId xmlns:a16="http://schemas.microsoft.com/office/drawing/2014/main" id="{8C708CD6-39A7-4B51-8775-04171CC40355}"/>
+                  </a:ext>
+                </a:extLst>
+              </p:cNvPr>
+              <p:cNvSpPr/>
+              <p:nvPr/>
+            </p:nvSpPr>
+            <p:spPr>
+              <a:xfrm>
+                <a:off x="8520913" y="2023009"/>
+                <a:ext cx="307498" cy="307497"/>
+              </a:xfrm>
+              <a:prstGeom prst="ellipse">
+                <a:avLst/>
+              </a:prstGeom>
+              <a:noFill/>
+              <a:ln>
+                <a:solidFill>
+                  <a:schemeClr val="tx1"/>
+                </a:solidFill>
+              </a:ln>
+            </p:spPr>
+            <p:style>
+              <a:lnRef idx="2">
+                <a:schemeClr val="accent1">
+                  <a:shade val="50000"/>
+                </a:schemeClr>
+              </a:lnRef>
+              <a:fillRef idx="1">
+                <a:schemeClr val="accent1"/>
+              </a:fillRef>
+              <a:effectRef idx="0">
+                <a:schemeClr val="accent1"/>
+              </a:effectRef>
+              <a:fontRef idx="minor">
+                <a:schemeClr val="lt1"/>
+              </a:fontRef>
+            </p:style>
+            <p:txBody>
+              <a:bodyPr rtlCol="0" anchor="ctr"/>
+              <a:lstStyle/>
+              <a:p>
+                <a:pPr algn="ctr"/>
+                <a:endParaRPr kumimoji="1" lang="ja-JP" altLang="en-US"/>
+              </a:p>
+            </p:txBody>
+          </p:sp>
+          <p:sp>
+            <p:nvSpPr>
+              <p:cNvPr id="94" name="テキスト ボックス 93">
+                <a:extLst>
+                  <a:ext uri="{FF2B5EF4-FFF2-40B4-BE49-F238E27FC236}">
+                    <a16:creationId xmlns:a16="http://schemas.microsoft.com/office/drawing/2014/main" id="{F193A51F-A89A-40B6-ADC3-E41E4BE6B430}"/>
+                  </a:ext>
+                </a:extLst>
+              </p:cNvPr>
+              <p:cNvSpPr txBox="1"/>
+              <p:nvPr/>
+            </p:nvSpPr>
+            <p:spPr>
+              <a:xfrm>
+                <a:off x="8431901" y="2038257"/>
+                <a:ext cx="485522" cy="276999"/>
+              </a:xfrm>
+              <a:prstGeom prst="rect">
+                <a:avLst/>
+              </a:prstGeom>
+              <a:noFill/>
+            </p:spPr>
+            <p:txBody>
+              <a:bodyPr wrap="square" rtlCol="0">
+                <a:spAutoFit/>
+              </a:bodyPr>
+              <a:lstStyle/>
+              <a:p>
+                <a:pPr algn="ctr"/>
+                <a:r>
+                  <a:rPr kumimoji="1" lang="en-US" altLang="ja-JP" sz="1200" dirty="0"/>
+                  <a:t>24</a:t>
+                </a:r>
+                <a:endParaRPr kumimoji="1" lang="ja-JP" altLang="en-US" sz="1200" dirty="0"/>
+              </a:p>
+            </p:txBody>
+          </p:sp>
+        </p:grpSp>
+        <p:grpSp>
+          <p:nvGrpSpPr>
+            <p:cNvPr id="95" name="グループ化 94">
+              <a:extLst>
+                <a:ext uri="{FF2B5EF4-FFF2-40B4-BE49-F238E27FC236}">
+                  <a16:creationId xmlns:a16="http://schemas.microsoft.com/office/drawing/2014/main" id="{24A115AC-4994-4D3D-9F6E-1879BA11BFB5}"/>
+                </a:ext>
+              </a:extLst>
+            </p:cNvPr>
+            <p:cNvGrpSpPr/>
+            <p:nvPr/>
+          </p:nvGrpSpPr>
+          <p:grpSpPr>
+            <a:xfrm>
+              <a:off x="8804183" y="4903544"/>
+              <a:ext cx="485522" cy="307497"/>
+              <a:chOff x="8431901" y="2023009"/>
+              <a:chExt cx="485522" cy="307497"/>
+            </a:xfrm>
+          </p:grpSpPr>
+          <p:sp>
+            <p:nvSpPr>
+              <p:cNvPr id="96" name="楕円 95">
+                <a:extLst>
+                  <a:ext uri="{FF2B5EF4-FFF2-40B4-BE49-F238E27FC236}">
+                    <a16:creationId xmlns:a16="http://schemas.microsoft.com/office/drawing/2014/main" id="{CFC5760C-3DD5-4E5B-8950-016AF8DE7668}"/>
+                  </a:ext>
+                </a:extLst>
+              </p:cNvPr>
+              <p:cNvSpPr/>
+              <p:nvPr/>
+            </p:nvSpPr>
+            <p:spPr>
+              <a:xfrm>
+                <a:off x="8520913" y="2023009"/>
+                <a:ext cx="307498" cy="307497"/>
+              </a:xfrm>
+              <a:prstGeom prst="ellipse">
+                <a:avLst/>
+              </a:prstGeom>
+              <a:noFill/>
+              <a:ln>
+                <a:solidFill>
+                  <a:schemeClr val="tx1"/>
+                </a:solidFill>
+              </a:ln>
+            </p:spPr>
+            <p:style>
+              <a:lnRef idx="2">
+                <a:schemeClr val="accent1">
+                  <a:shade val="50000"/>
+                </a:schemeClr>
+              </a:lnRef>
+              <a:fillRef idx="1">
+                <a:schemeClr val="accent1"/>
+              </a:fillRef>
+              <a:effectRef idx="0">
+                <a:schemeClr val="accent1"/>
+              </a:effectRef>
+              <a:fontRef idx="minor">
+                <a:schemeClr val="lt1"/>
+              </a:fontRef>
+            </p:style>
+            <p:txBody>
+              <a:bodyPr rtlCol="0" anchor="ctr"/>
+              <a:lstStyle/>
+              <a:p>
+                <a:pPr algn="ctr"/>
+                <a:endParaRPr kumimoji="1" lang="ja-JP" altLang="en-US"/>
+              </a:p>
+            </p:txBody>
+          </p:sp>
+          <p:sp>
+            <p:nvSpPr>
+              <p:cNvPr id="97" name="テキスト ボックス 96">
+                <a:extLst>
+                  <a:ext uri="{FF2B5EF4-FFF2-40B4-BE49-F238E27FC236}">
+                    <a16:creationId xmlns:a16="http://schemas.microsoft.com/office/drawing/2014/main" id="{1010BDFD-77AA-49B4-8781-D286DD19E5EB}"/>
+                  </a:ext>
+                </a:extLst>
+              </p:cNvPr>
+              <p:cNvSpPr txBox="1"/>
+              <p:nvPr/>
+            </p:nvSpPr>
+            <p:spPr>
+              <a:xfrm>
+                <a:off x="8431901" y="2038257"/>
+                <a:ext cx="485522" cy="276999"/>
+              </a:xfrm>
+              <a:prstGeom prst="rect">
+                <a:avLst/>
+              </a:prstGeom>
+              <a:noFill/>
+            </p:spPr>
+            <p:txBody>
+              <a:bodyPr wrap="square" rtlCol="0">
+                <a:spAutoFit/>
+              </a:bodyPr>
+              <a:lstStyle/>
+              <a:p>
+                <a:pPr algn="ctr"/>
+                <a:r>
+                  <a:rPr kumimoji="1" lang="en-US" altLang="ja-JP" sz="1200" dirty="0"/>
+                  <a:t>21</a:t>
+                </a:r>
+                <a:endParaRPr kumimoji="1" lang="ja-JP" altLang="en-US" sz="1200" dirty="0"/>
+              </a:p>
+            </p:txBody>
+          </p:sp>
+        </p:grpSp>
+        <p:grpSp>
+          <p:nvGrpSpPr>
+            <p:cNvPr id="98" name="グループ化 97">
+              <a:extLst>
+                <a:ext uri="{FF2B5EF4-FFF2-40B4-BE49-F238E27FC236}">
+                  <a16:creationId xmlns:a16="http://schemas.microsoft.com/office/drawing/2014/main" id="{ABD50205-85E3-4B34-8F64-C1C70FB56C3E}"/>
+                </a:ext>
+              </a:extLst>
+            </p:cNvPr>
+            <p:cNvGrpSpPr/>
+            <p:nvPr/>
+          </p:nvGrpSpPr>
+          <p:grpSpPr>
+            <a:xfrm>
+              <a:off x="7920060" y="4999741"/>
+              <a:ext cx="485522" cy="307497"/>
+              <a:chOff x="8431901" y="2023009"/>
+              <a:chExt cx="485522" cy="307497"/>
+            </a:xfrm>
+          </p:grpSpPr>
+          <p:sp>
+            <p:nvSpPr>
+              <p:cNvPr id="99" name="楕円 98">
+                <a:extLst>
+                  <a:ext uri="{FF2B5EF4-FFF2-40B4-BE49-F238E27FC236}">
+                    <a16:creationId xmlns:a16="http://schemas.microsoft.com/office/drawing/2014/main" id="{F7311698-EB63-4DE0-8B3F-B5E0127B51B0}"/>
+                  </a:ext>
+                </a:extLst>
+              </p:cNvPr>
+              <p:cNvSpPr/>
+              <p:nvPr/>
+            </p:nvSpPr>
+            <p:spPr>
+              <a:xfrm>
+                <a:off x="8520913" y="2023009"/>
+                <a:ext cx="307498" cy="307497"/>
+              </a:xfrm>
+              <a:prstGeom prst="ellipse">
+                <a:avLst/>
+              </a:prstGeom>
+              <a:noFill/>
+              <a:ln>
+                <a:solidFill>
+                  <a:schemeClr val="tx1"/>
+                </a:solidFill>
+              </a:ln>
+            </p:spPr>
+            <p:style>
+              <a:lnRef idx="2">
+                <a:schemeClr val="accent1">
+                  <a:shade val="50000"/>
+                </a:schemeClr>
+              </a:lnRef>
+              <a:fillRef idx="1">
+                <a:schemeClr val="accent1"/>
+              </a:fillRef>
+              <a:effectRef idx="0">
+                <a:schemeClr val="accent1"/>
+              </a:effectRef>
+              <a:fontRef idx="minor">
+                <a:schemeClr val="lt1"/>
+              </a:fontRef>
+            </p:style>
+            <p:txBody>
+              <a:bodyPr rtlCol="0" anchor="ctr"/>
+              <a:lstStyle/>
+              <a:p>
+                <a:pPr algn="ctr"/>
+                <a:endParaRPr kumimoji="1" lang="ja-JP" altLang="en-US"/>
+              </a:p>
+            </p:txBody>
+          </p:sp>
+          <p:sp>
+            <p:nvSpPr>
+              <p:cNvPr id="100" name="テキスト ボックス 99">
+                <a:extLst>
+                  <a:ext uri="{FF2B5EF4-FFF2-40B4-BE49-F238E27FC236}">
+                    <a16:creationId xmlns:a16="http://schemas.microsoft.com/office/drawing/2014/main" id="{96F5678B-3618-4D77-BBDF-56EEC253C28A}"/>
+                  </a:ext>
+                </a:extLst>
+              </p:cNvPr>
+              <p:cNvSpPr txBox="1"/>
+              <p:nvPr/>
+            </p:nvSpPr>
+            <p:spPr>
+              <a:xfrm>
+                <a:off x="8431901" y="2038257"/>
+                <a:ext cx="485522" cy="276999"/>
+              </a:xfrm>
+              <a:prstGeom prst="rect">
+                <a:avLst/>
+              </a:prstGeom>
+              <a:noFill/>
+            </p:spPr>
+            <p:txBody>
+              <a:bodyPr wrap="square" rtlCol="0">
+                <a:spAutoFit/>
+              </a:bodyPr>
+              <a:lstStyle/>
+              <a:p>
+                <a:pPr algn="ctr"/>
+                <a:r>
+                  <a:rPr kumimoji="1" lang="en-US" altLang="ja-JP" sz="1200" dirty="0"/>
+                  <a:t>25</a:t>
+                </a:r>
+                <a:endParaRPr kumimoji="1" lang="ja-JP" altLang="en-US" sz="1200" dirty="0"/>
+              </a:p>
+            </p:txBody>
+          </p:sp>
+        </p:grpSp>
+        <p:grpSp>
+          <p:nvGrpSpPr>
+            <p:cNvPr id="101" name="グループ化 100">
+              <a:extLst>
+                <a:ext uri="{FF2B5EF4-FFF2-40B4-BE49-F238E27FC236}">
+                  <a16:creationId xmlns:a16="http://schemas.microsoft.com/office/drawing/2014/main" id="{CFDC91B5-CB89-4C80-86CE-7E44C62DAF20}"/>
+                </a:ext>
+              </a:extLst>
+            </p:cNvPr>
+            <p:cNvGrpSpPr/>
+            <p:nvPr/>
+          </p:nvGrpSpPr>
+          <p:grpSpPr>
+            <a:xfrm>
+              <a:off x="8361076" y="4999741"/>
+              <a:ext cx="485522" cy="307497"/>
+              <a:chOff x="8431901" y="2023009"/>
+              <a:chExt cx="485522" cy="307497"/>
+            </a:xfrm>
+          </p:grpSpPr>
+          <p:sp>
+            <p:nvSpPr>
+              <p:cNvPr id="102" name="楕円 101">
+                <a:extLst>
+                  <a:ext uri="{FF2B5EF4-FFF2-40B4-BE49-F238E27FC236}">
+                    <a16:creationId xmlns:a16="http://schemas.microsoft.com/office/drawing/2014/main" id="{01C3BEBA-7E34-4D63-B470-CE165A5EBD7A}"/>
+                  </a:ext>
+                </a:extLst>
+              </p:cNvPr>
+              <p:cNvSpPr/>
+              <p:nvPr/>
+            </p:nvSpPr>
+            <p:spPr>
+              <a:xfrm>
+                <a:off x="8520913" y="2023009"/>
+                <a:ext cx="307498" cy="307497"/>
+              </a:xfrm>
+              <a:prstGeom prst="ellipse">
+                <a:avLst/>
+              </a:prstGeom>
+              <a:noFill/>
+              <a:ln>
+                <a:solidFill>
+                  <a:schemeClr val="tx1"/>
+                </a:solidFill>
+              </a:ln>
+            </p:spPr>
+            <p:style>
+              <a:lnRef idx="2">
+                <a:schemeClr val="accent1">
+                  <a:shade val="50000"/>
+                </a:schemeClr>
+              </a:lnRef>
+              <a:fillRef idx="1">
+                <a:schemeClr val="accent1"/>
+              </a:fillRef>
+              <a:effectRef idx="0">
+                <a:schemeClr val="accent1"/>
+              </a:effectRef>
+              <a:fontRef idx="minor">
+                <a:schemeClr val="lt1"/>
+              </a:fontRef>
+            </p:style>
+            <p:txBody>
+              <a:bodyPr rtlCol="0" anchor="ctr"/>
+              <a:lstStyle/>
+              <a:p>
+                <a:pPr algn="ctr"/>
+                <a:endParaRPr kumimoji="1" lang="ja-JP" altLang="en-US"/>
+              </a:p>
+            </p:txBody>
+          </p:sp>
+          <p:sp>
+            <p:nvSpPr>
+              <p:cNvPr id="103" name="テキスト ボックス 102">
+                <a:extLst>
+                  <a:ext uri="{FF2B5EF4-FFF2-40B4-BE49-F238E27FC236}">
+                    <a16:creationId xmlns:a16="http://schemas.microsoft.com/office/drawing/2014/main" id="{DB6FC91F-B00F-4E39-B213-194F17CEC7E5}"/>
+                  </a:ext>
+                </a:extLst>
+              </p:cNvPr>
+              <p:cNvSpPr txBox="1"/>
+              <p:nvPr/>
+            </p:nvSpPr>
+            <p:spPr>
+              <a:xfrm>
+                <a:off x="8431901" y="2038257"/>
+                <a:ext cx="485522" cy="276999"/>
+              </a:xfrm>
+              <a:prstGeom prst="rect">
+                <a:avLst/>
+              </a:prstGeom>
+              <a:noFill/>
+            </p:spPr>
+            <p:txBody>
+              <a:bodyPr wrap="square" rtlCol="0">
+                <a:spAutoFit/>
+              </a:bodyPr>
+              <a:lstStyle/>
+              <a:p>
+                <a:pPr algn="ctr"/>
+                <a:r>
+                  <a:rPr kumimoji="1" lang="en-US" altLang="ja-JP" sz="1200" dirty="0"/>
+                  <a:t>22</a:t>
+                </a:r>
+                <a:endParaRPr kumimoji="1" lang="ja-JP" altLang="en-US" sz="1200" dirty="0"/>
+              </a:p>
+            </p:txBody>
+          </p:sp>
+        </p:grpSp>
+      </p:grpSp>
+    </p:spTree>
+    <p:extLst>
+      <p:ext uri="{BB962C8B-B14F-4D97-AF65-F5344CB8AC3E}">
+        <p14:creationId xmlns:p14="http://schemas.microsoft.com/office/powerpoint/2010/main" val="1672691499"/>
+      </p:ext>
+    </p:extLst>
+  </p:cSld>
+  <p:clrMapOvr>
+    <a:masterClrMapping/>
+  </p:clrMapOvr>
+</p:sld>
+</file>
+
+<file path=ppt/slides/slide7.xml><?xml version="1.0" encoding="utf-8"?>
+<p:sld xmlns:a="http://schemas.openxmlformats.org/drawingml/2006/main" xmlns:r="http://schemas.openxmlformats.org/officeDocument/2006/relationships" xmlns:p="http://schemas.openxmlformats.org/presentationml/2006/main">
+  <p:cSld>
+    <p:spTree>
+      <p:nvGrpSpPr>
+        <p:cNvPr id="1" name=""/>
+        <p:cNvGrpSpPr/>
+        <p:nvPr/>
+      </p:nvGrpSpPr>
+      <p:grpSpPr>
+        <a:xfrm>
+          <a:off x="0" y="0"/>
+          <a:ext cx="0" cy="0"/>
+          <a:chOff x="0" y="0"/>
+          <a:chExt cx="0" cy="0"/>
+        </a:xfrm>
+      </p:grpSpPr>
+      <p:sp>
+        <p:nvSpPr>
+          <p:cNvPr id="4" name="スライド番号プレースホルダー 3">
+            <a:extLst>
+              <a:ext uri="{FF2B5EF4-FFF2-40B4-BE49-F238E27FC236}">
+                <a16:creationId xmlns:a16="http://schemas.microsoft.com/office/drawing/2014/main" id="{E52C8FFE-C647-4E94-B195-DA4C4BECA130}"/>
+              </a:ext>
+            </a:extLst>
+          </p:cNvPr>
+          <p:cNvSpPr>
+            <a:spLocks noGrp="1"/>
+          </p:cNvSpPr>
+          <p:nvPr>
+            <p:ph type="sldNum" sz="quarter" idx="12"/>
+          </p:nvPr>
+        </p:nvSpPr>
+        <p:spPr/>
+        <p:txBody>
+          <a:bodyPr/>
+          <a:lstStyle/>
+          <a:p>
+            <a:fld id="{92084505-5355-43A2-B929-FD06D0DABC31}" type="slidenum">
+              <a:rPr lang="ja-JP" altLang="en-US" smtClean="0"/>
+              <a:pPr/>
+              <a:t>7</a:t>
+            </a:fld>
+            <a:endParaRPr lang="ja-JP" altLang="en-US" dirty="0"/>
+          </a:p>
+        </p:txBody>
+      </p:sp>
+      <p:grpSp>
+        <p:nvGrpSpPr>
+          <p:cNvPr id="16" name="グループ化 15">
+            <a:extLst>
+              <a:ext uri="{FF2B5EF4-FFF2-40B4-BE49-F238E27FC236}">
+                <a16:creationId xmlns:a16="http://schemas.microsoft.com/office/drawing/2014/main" id="{4330232E-17B5-4CFC-B0EE-AF87BCFB98C5}"/>
+              </a:ext>
+            </a:extLst>
+          </p:cNvPr>
+          <p:cNvGrpSpPr/>
+          <p:nvPr/>
+        </p:nvGrpSpPr>
+        <p:grpSpPr>
+          <a:xfrm>
+            <a:off x="7143157" y="773618"/>
+            <a:ext cx="3324431" cy="4024311"/>
+            <a:chOff x="747018" y="863980"/>
+            <a:chExt cx="3324431" cy="4024311"/>
+          </a:xfrm>
+        </p:grpSpPr>
+        <p:pic>
+          <p:nvPicPr>
+            <p:cNvPr id="5" name="図 4" descr="ランプ, ミラー, ネックレス が含まれている画像&#10;&#10;自動的に生成された説明">
+              <a:extLst>
+                <a:ext uri="{FF2B5EF4-FFF2-40B4-BE49-F238E27FC236}">
+                  <a16:creationId xmlns:a16="http://schemas.microsoft.com/office/drawing/2014/main" id="{C929F2FC-9DE6-4072-B287-0C49C8CBB38C}"/>
+                </a:ext>
+              </a:extLst>
+            </p:cNvPr>
+            <p:cNvPicPr>
+              <a:picLocks noChangeAspect="1"/>
+            </p:cNvPicPr>
+            <p:nvPr/>
+          </p:nvPicPr>
+          <p:blipFill>
+            <a:blip r:embed="rId2">
+              <a:extLst>
+                <a:ext uri="{28A0092B-C50C-407E-A947-70E740481C1C}">
+                  <a14:useLocalDpi xmlns:a14="http://schemas.microsoft.com/office/drawing/2010/main" val="0"/>
+                </a:ext>
+              </a:extLst>
+            </a:blip>
+            <a:stretch>
+              <a:fillRect/>
+            </a:stretch>
+          </p:blipFill>
+          <p:spPr>
+            <a:xfrm>
+              <a:off x="747018" y="863980"/>
+              <a:ext cx="3324431" cy="4024311"/>
+            </a:xfrm>
+            <a:prstGeom prst="rect">
+              <a:avLst/>
+            </a:prstGeom>
+          </p:spPr>
+        </p:pic>
+        <p:grpSp>
+          <p:nvGrpSpPr>
+            <p:cNvPr id="6" name="グループ化 5">
+              <a:extLst>
+                <a:ext uri="{FF2B5EF4-FFF2-40B4-BE49-F238E27FC236}">
+                  <a16:creationId xmlns:a16="http://schemas.microsoft.com/office/drawing/2014/main" id="{6A2D56BE-1C52-425A-BA6D-A6BCF76ADD2D}"/>
+                </a:ext>
+              </a:extLst>
+            </p:cNvPr>
+            <p:cNvGrpSpPr/>
+            <p:nvPr/>
+          </p:nvGrpSpPr>
+          <p:grpSpPr>
+            <a:xfrm>
+              <a:off x="3202878" y="2830786"/>
+              <a:ext cx="485522" cy="307497"/>
+              <a:chOff x="8431901" y="2023009"/>
+              <a:chExt cx="485522" cy="307497"/>
+            </a:xfrm>
+          </p:grpSpPr>
+          <p:sp>
+            <p:nvSpPr>
+              <p:cNvPr id="7" name="楕円 6">
+                <a:extLst>
+                  <a:ext uri="{FF2B5EF4-FFF2-40B4-BE49-F238E27FC236}">
+                    <a16:creationId xmlns:a16="http://schemas.microsoft.com/office/drawing/2014/main" id="{4B57B03E-79AF-4456-BFBE-F20B1FEADC6D}"/>
+                  </a:ext>
+                </a:extLst>
+              </p:cNvPr>
+              <p:cNvSpPr/>
+              <p:nvPr/>
+            </p:nvSpPr>
+            <p:spPr>
+              <a:xfrm>
+                <a:off x="8520913" y="2023009"/>
+                <a:ext cx="307498" cy="307497"/>
+              </a:xfrm>
+              <a:prstGeom prst="ellipse">
+                <a:avLst/>
+              </a:prstGeom>
+              <a:noFill/>
+              <a:ln>
+                <a:solidFill>
+                  <a:schemeClr val="tx1"/>
+                </a:solidFill>
+              </a:ln>
+            </p:spPr>
+            <p:style>
+              <a:lnRef idx="2">
+                <a:schemeClr val="accent1">
+                  <a:shade val="50000"/>
+                </a:schemeClr>
+              </a:lnRef>
+              <a:fillRef idx="1">
+                <a:schemeClr val="accent1"/>
+              </a:fillRef>
+              <a:effectRef idx="0">
+                <a:schemeClr val="accent1"/>
+              </a:effectRef>
+              <a:fontRef idx="minor">
+                <a:schemeClr val="lt1"/>
+              </a:fontRef>
+            </p:style>
+            <p:txBody>
+              <a:bodyPr rtlCol="0" anchor="ctr"/>
+              <a:lstStyle/>
+              <a:p>
+                <a:pPr algn="ctr"/>
+                <a:endParaRPr kumimoji="1" lang="ja-JP" altLang="en-US"/>
+              </a:p>
+            </p:txBody>
+          </p:sp>
+          <p:sp>
+            <p:nvSpPr>
+              <p:cNvPr id="8" name="テキスト ボックス 7">
+                <a:extLst>
+                  <a:ext uri="{FF2B5EF4-FFF2-40B4-BE49-F238E27FC236}">
+                    <a16:creationId xmlns:a16="http://schemas.microsoft.com/office/drawing/2014/main" id="{55FB3046-6AE0-4751-BA7D-81CF88A6C4DA}"/>
+                  </a:ext>
+                </a:extLst>
+              </p:cNvPr>
+              <p:cNvSpPr txBox="1"/>
+              <p:nvPr/>
+            </p:nvSpPr>
+            <p:spPr>
+              <a:xfrm>
+                <a:off x="8431901" y="2038257"/>
+                <a:ext cx="485522" cy="276999"/>
+              </a:xfrm>
+              <a:prstGeom prst="rect">
+                <a:avLst/>
+              </a:prstGeom>
+              <a:noFill/>
+            </p:spPr>
+            <p:txBody>
+              <a:bodyPr wrap="square" rtlCol="0">
+                <a:spAutoFit/>
+              </a:bodyPr>
+              <a:lstStyle/>
+              <a:p>
+                <a:pPr algn="ctr"/>
+                <a:r>
+                  <a:rPr kumimoji="1" lang="en-US" altLang="ja-JP" sz="1200" dirty="0"/>
+                  <a:t>29</a:t>
+                </a:r>
+                <a:endParaRPr kumimoji="1" lang="ja-JP" altLang="en-US" sz="1200" dirty="0"/>
+              </a:p>
+            </p:txBody>
+          </p:sp>
+        </p:grpSp>
+        <p:grpSp>
+          <p:nvGrpSpPr>
+            <p:cNvPr id="9" name="グループ化 8">
+              <a:extLst>
+                <a:ext uri="{FF2B5EF4-FFF2-40B4-BE49-F238E27FC236}">
+                  <a16:creationId xmlns:a16="http://schemas.microsoft.com/office/drawing/2014/main" id="{C2A2D1F1-A878-4A3E-93B1-0400FB47E2A2}"/>
+                </a:ext>
+              </a:extLst>
+            </p:cNvPr>
+            <p:cNvGrpSpPr/>
+            <p:nvPr/>
+          </p:nvGrpSpPr>
+          <p:grpSpPr>
+            <a:xfrm>
+              <a:off x="2900749" y="3402075"/>
+              <a:ext cx="485522" cy="307497"/>
+              <a:chOff x="8431901" y="2023009"/>
+              <a:chExt cx="485522" cy="307497"/>
+            </a:xfrm>
+          </p:grpSpPr>
+          <p:sp>
+            <p:nvSpPr>
+              <p:cNvPr id="10" name="楕円 9">
+                <a:extLst>
+                  <a:ext uri="{FF2B5EF4-FFF2-40B4-BE49-F238E27FC236}">
+                    <a16:creationId xmlns:a16="http://schemas.microsoft.com/office/drawing/2014/main" id="{2FEC1E2A-6978-464E-8FA9-21A3CAF0626A}"/>
+                  </a:ext>
+                </a:extLst>
+              </p:cNvPr>
+              <p:cNvSpPr/>
+              <p:nvPr/>
+            </p:nvSpPr>
+            <p:spPr>
+              <a:xfrm>
+                <a:off x="8520913" y="2023009"/>
+                <a:ext cx="307498" cy="307497"/>
+              </a:xfrm>
+              <a:prstGeom prst="ellipse">
+                <a:avLst/>
+              </a:prstGeom>
+              <a:noFill/>
+              <a:ln>
+                <a:solidFill>
+                  <a:schemeClr val="tx1"/>
+                </a:solidFill>
+              </a:ln>
+            </p:spPr>
+            <p:style>
+              <a:lnRef idx="2">
+                <a:schemeClr val="accent1">
+                  <a:shade val="50000"/>
+                </a:schemeClr>
+              </a:lnRef>
+              <a:fillRef idx="1">
+                <a:schemeClr val="accent1"/>
+              </a:fillRef>
+              <a:effectRef idx="0">
+                <a:schemeClr val="accent1"/>
+              </a:effectRef>
+              <a:fontRef idx="minor">
+                <a:schemeClr val="lt1"/>
+              </a:fontRef>
+            </p:style>
+            <p:txBody>
+              <a:bodyPr rtlCol="0" anchor="ctr"/>
+              <a:lstStyle/>
+              <a:p>
+                <a:pPr algn="ctr"/>
+                <a:endParaRPr kumimoji="1" lang="ja-JP" altLang="en-US"/>
+              </a:p>
+            </p:txBody>
+          </p:sp>
+          <p:sp>
+            <p:nvSpPr>
+              <p:cNvPr id="11" name="テキスト ボックス 10">
+                <a:extLst>
+                  <a:ext uri="{FF2B5EF4-FFF2-40B4-BE49-F238E27FC236}">
+                    <a16:creationId xmlns:a16="http://schemas.microsoft.com/office/drawing/2014/main" id="{343B0282-9D8C-448C-9877-19FDCF0E55E2}"/>
+                  </a:ext>
+                </a:extLst>
+              </p:cNvPr>
+              <p:cNvSpPr txBox="1"/>
+              <p:nvPr/>
+            </p:nvSpPr>
+            <p:spPr>
+              <a:xfrm>
+                <a:off x="8431901" y="2038257"/>
+                <a:ext cx="485522" cy="276999"/>
+              </a:xfrm>
+              <a:prstGeom prst="rect">
+                <a:avLst/>
+              </a:prstGeom>
+              <a:noFill/>
+            </p:spPr>
+            <p:txBody>
+              <a:bodyPr wrap="square" rtlCol="0">
+                <a:spAutoFit/>
+              </a:bodyPr>
+              <a:lstStyle/>
+              <a:p>
+                <a:pPr algn="ctr"/>
+                <a:r>
+                  <a:rPr kumimoji="1" lang="en-US" altLang="ja-JP" sz="1200" dirty="0"/>
+                  <a:t>30</a:t>
+                </a:r>
+                <a:endParaRPr kumimoji="1" lang="ja-JP" altLang="en-US" sz="1200" dirty="0"/>
+              </a:p>
+            </p:txBody>
+          </p:sp>
+        </p:grpSp>
+        <p:grpSp>
+          <p:nvGrpSpPr>
+            <p:cNvPr id="12" name="グループ化 11">
+              <a:extLst>
+                <a:ext uri="{FF2B5EF4-FFF2-40B4-BE49-F238E27FC236}">
+                  <a16:creationId xmlns:a16="http://schemas.microsoft.com/office/drawing/2014/main" id="{8078E1AD-5D3C-4E42-8B2A-57297B74A778}"/>
+                </a:ext>
+              </a:extLst>
+            </p:cNvPr>
+            <p:cNvGrpSpPr/>
+            <p:nvPr/>
+          </p:nvGrpSpPr>
+          <p:grpSpPr>
+            <a:xfrm>
+              <a:off x="2326215" y="3555824"/>
+              <a:ext cx="485522" cy="307497"/>
+              <a:chOff x="8431901" y="2023009"/>
+              <a:chExt cx="485522" cy="307497"/>
+            </a:xfrm>
+          </p:grpSpPr>
+          <p:sp>
+            <p:nvSpPr>
+              <p:cNvPr id="13" name="楕円 12">
+                <a:extLst>
+                  <a:ext uri="{FF2B5EF4-FFF2-40B4-BE49-F238E27FC236}">
+                    <a16:creationId xmlns:a16="http://schemas.microsoft.com/office/drawing/2014/main" id="{32BE65EB-AA64-4E0E-A647-858B9428FC06}"/>
+                  </a:ext>
+                </a:extLst>
+              </p:cNvPr>
+              <p:cNvSpPr/>
+              <p:nvPr/>
+            </p:nvSpPr>
+            <p:spPr>
+              <a:xfrm>
+                <a:off x="8520913" y="2023009"/>
+                <a:ext cx="307498" cy="307497"/>
+              </a:xfrm>
+              <a:prstGeom prst="ellipse">
+                <a:avLst/>
+              </a:prstGeom>
+              <a:noFill/>
+              <a:ln>
+                <a:solidFill>
+                  <a:schemeClr val="tx1"/>
+                </a:solidFill>
+              </a:ln>
+            </p:spPr>
+            <p:style>
+              <a:lnRef idx="2">
+                <a:schemeClr val="accent1">
+                  <a:shade val="50000"/>
+                </a:schemeClr>
+              </a:lnRef>
+              <a:fillRef idx="1">
+                <a:schemeClr val="accent1"/>
+              </a:fillRef>
+              <a:effectRef idx="0">
+                <a:schemeClr val="accent1"/>
+              </a:effectRef>
+              <a:fontRef idx="minor">
+                <a:schemeClr val="lt1"/>
+              </a:fontRef>
+            </p:style>
+            <p:txBody>
+              <a:bodyPr rtlCol="0" anchor="ctr"/>
+              <a:lstStyle/>
+              <a:p>
+                <a:pPr algn="ctr"/>
+                <a:endParaRPr kumimoji="1" lang="ja-JP" altLang="en-US"/>
+              </a:p>
+            </p:txBody>
+          </p:sp>
+          <p:sp>
+            <p:nvSpPr>
+              <p:cNvPr id="14" name="テキスト ボックス 13">
+                <a:extLst>
+                  <a:ext uri="{FF2B5EF4-FFF2-40B4-BE49-F238E27FC236}">
+                    <a16:creationId xmlns:a16="http://schemas.microsoft.com/office/drawing/2014/main" id="{A8869915-F55B-4ABA-BAC5-E2BE3BC4E9B8}"/>
+                  </a:ext>
+                </a:extLst>
+              </p:cNvPr>
+              <p:cNvSpPr txBox="1"/>
+              <p:nvPr/>
+            </p:nvSpPr>
+            <p:spPr>
+              <a:xfrm>
+                <a:off x="8431901" y="2038257"/>
+                <a:ext cx="485522" cy="276999"/>
+              </a:xfrm>
+              <a:prstGeom prst="rect">
+                <a:avLst/>
+              </a:prstGeom>
+              <a:noFill/>
+            </p:spPr>
+            <p:txBody>
+              <a:bodyPr wrap="square" rtlCol="0">
+                <a:spAutoFit/>
+              </a:bodyPr>
+              <a:lstStyle/>
+              <a:p>
+                <a:pPr algn="ctr"/>
+                <a:r>
+                  <a:rPr kumimoji="1" lang="en-US" altLang="ja-JP" sz="1200" dirty="0"/>
+                  <a:t>31</a:t>
+                </a:r>
+                <a:endParaRPr kumimoji="1" lang="ja-JP" altLang="en-US" sz="1200" dirty="0"/>
+              </a:p>
+            </p:txBody>
+          </p:sp>
+        </p:grpSp>
+      </p:grpSp>
+      <p:grpSp>
+        <p:nvGrpSpPr>
+          <p:cNvPr id="17" name="グループ化 16">
+            <a:extLst>
+              <a:ext uri="{FF2B5EF4-FFF2-40B4-BE49-F238E27FC236}">
+                <a16:creationId xmlns:a16="http://schemas.microsoft.com/office/drawing/2014/main" id="{8BE433ED-F05B-4373-B14E-3D34E939F539}"/>
+              </a:ext>
+            </a:extLst>
+          </p:cNvPr>
+          <p:cNvGrpSpPr/>
+          <p:nvPr/>
+        </p:nvGrpSpPr>
+        <p:grpSpPr>
+          <a:xfrm flipH="1">
+            <a:off x="1162516" y="773618"/>
+            <a:ext cx="3324431" cy="4024311"/>
+            <a:chOff x="747018" y="863980"/>
+            <a:chExt cx="3324431" cy="4024311"/>
+          </a:xfrm>
+        </p:grpSpPr>
+        <p:pic>
+          <p:nvPicPr>
+            <p:cNvPr id="18" name="図 17" descr="ランプ, ミラー, ネックレス が含まれている画像&#10;&#10;自動的に生成された説明">
+              <a:extLst>
+                <a:ext uri="{FF2B5EF4-FFF2-40B4-BE49-F238E27FC236}">
+                  <a16:creationId xmlns:a16="http://schemas.microsoft.com/office/drawing/2014/main" id="{3959AD11-E930-429C-8F0C-7A3F08A72233}"/>
+                </a:ext>
+              </a:extLst>
+            </p:cNvPr>
+            <p:cNvPicPr>
+              <a:picLocks noChangeAspect="1"/>
+            </p:cNvPicPr>
+            <p:nvPr/>
+          </p:nvPicPr>
+          <p:blipFill>
+            <a:blip r:embed="rId2">
+              <a:extLst>
+                <a:ext uri="{28A0092B-C50C-407E-A947-70E740481C1C}">
+                  <a14:useLocalDpi xmlns:a14="http://schemas.microsoft.com/office/drawing/2010/main" val="0"/>
+                </a:ext>
+              </a:extLst>
+            </a:blip>
+            <a:stretch>
+              <a:fillRect/>
+            </a:stretch>
+          </p:blipFill>
+          <p:spPr>
+            <a:xfrm>
+              <a:off x="747018" y="863980"/>
+              <a:ext cx="3324431" cy="4024311"/>
+            </a:xfrm>
+            <a:prstGeom prst="rect">
+              <a:avLst/>
+            </a:prstGeom>
+          </p:spPr>
+        </p:pic>
+        <p:grpSp>
+          <p:nvGrpSpPr>
+            <p:cNvPr id="19" name="グループ化 18">
+              <a:extLst>
+                <a:ext uri="{FF2B5EF4-FFF2-40B4-BE49-F238E27FC236}">
+                  <a16:creationId xmlns:a16="http://schemas.microsoft.com/office/drawing/2014/main" id="{117C1113-A0E8-4EFA-96C4-94BA2AFE3D8C}"/>
+                </a:ext>
+              </a:extLst>
+            </p:cNvPr>
+            <p:cNvGrpSpPr/>
+            <p:nvPr/>
+          </p:nvGrpSpPr>
+          <p:grpSpPr>
+            <a:xfrm>
+              <a:off x="3202878" y="2830786"/>
+              <a:ext cx="485522" cy="307497"/>
+              <a:chOff x="8431901" y="2023009"/>
+              <a:chExt cx="485522" cy="307497"/>
+            </a:xfrm>
+          </p:grpSpPr>
+          <p:sp>
+            <p:nvSpPr>
+              <p:cNvPr id="26" name="楕円 25">
+                <a:extLst>
+                  <a:ext uri="{FF2B5EF4-FFF2-40B4-BE49-F238E27FC236}">
+                    <a16:creationId xmlns:a16="http://schemas.microsoft.com/office/drawing/2014/main" id="{137997F3-0757-4CAE-9D61-B39EE6C93AFE}"/>
+                  </a:ext>
+                </a:extLst>
+              </p:cNvPr>
+              <p:cNvSpPr/>
+              <p:nvPr/>
+            </p:nvSpPr>
+            <p:spPr>
+              <a:xfrm>
+                <a:off x="8520913" y="2023009"/>
+                <a:ext cx="307498" cy="307497"/>
+              </a:xfrm>
+              <a:prstGeom prst="ellipse">
+                <a:avLst/>
+              </a:prstGeom>
+              <a:noFill/>
+              <a:ln>
+                <a:solidFill>
+                  <a:schemeClr val="tx1"/>
+                </a:solidFill>
+              </a:ln>
+            </p:spPr>
+            <p:style>
+              <a:lnRef idx="2">
+                <a:schemeClr val="accent1">
+                  <a:shade val="50000"/>
+                </a:schemeClr>
+              </a:lnRef>
+              <a:fillRef idx="1">
+                <a:schemeClr val="accent1"/>
+              </a:fillRef>
+              <a:effectRef idx="0">
+                <a:schemeClr val="accent1"/>
+              </a:effectRef>
+              <a:fontRef idx="minor">
+                <a:schemeClr val="lt1"/>
+              </a:fontRef>
+            </p:style>
+            <p:txBody>
+              <a:bodyPr rtlCol="0" anchor="ctr"/>
+              <a:lstStyle/>
+              <a:p>
+                <a:pPr algn="ctr"/>
+                <a:endParaRPr kumimoji="1" lang="ja-JP" altLang="en-US"/>
+              </a:p>
+            </p:txBody>
+          </p:sp>
+          <p:sp>
+            <p:nvSpPr>
+              <p:cNvPr id="27" name="テキスト ボックス 26">
+                <a:extLst>
+                  <a:ext uri="{FF2B5EF4-FFF2-40B4-BE49-F238E27FC236}">
+                    <a16:creationId xmlns:a16="http://schemas.microsoft.com/office/drawing/2014/main" id="{8BCB3B91-E89B-467E-9550-5CF27355E928}"/>
+                  </a:ext>
+                </a:extLst>
+              </p:cNvPr>
+              <p:cNvSpPr txBox="1"/>
+              <p:nvPr/>
+            </p:nvSpPr>
+            <p:spPr>
+              <a:xfrm>
+                <a:off x="8431901" y="2038257"/>
+                <a:ext cx="485522" cy="276999"/>
+              </a:xfrm>
+              <a:prstGeom prst="rect">
+                <a:avLst/>
+              </a:prstGeom>
+              <a:noFill/>
+            </p:spPr>
+            <p:txBody>
+              <a:bodyPr wrap="square" rtlCol="0">
+                <a:spAutoFit/>
+              </a:bodyPr>
+              <a:lstStyle/>
+              <a:p>
+                <a:pPr algn="ctr"/>
+                <a:r>
+                  <a:rPr lang="en-US" altLang="ja-JP" sz="1200" dirty="0"/>
+                  <a:t>26</a:t>
+                </a:r>
+                <a:endParaRPr kumimoji="1" lang="ja-JP" altLang="en-US" sz="1200" dirty="0"/>
+              </a:p>
+            </p:txBody>
+          </p:sp>
+        </p:grpSp>
+        <p:grpSp>
+          <p:nvGrpSpPr>
+            <p:cNvPr id="20" name="グループ化 19">
+              <a:extLst>
+                <a:ext uri="{FF2B5EF4-FFF2-40B4-BE49-F238E27FC236}">
+                  <a16:creationId xmlns:a16="http://schemas.microsoft.com/office/drawing/2014/main" id="{4BB34CDA-A0FE-4BC8-88E2-A51608F06345}"/>
+                </a:ext>
+              </a:extLst>
+            </p:cNvPr>
+            <p:cNvGrpSpPr/>
+            <p:nvPr/>
+          </p:nvGrpSpPr>
+          <p:grpSpPr>
+            <a:xfrm>
+              <a:off x="2900749" y="3402075"/>
+              <a:ext cx="485522" cy="307497"/>
+              <a:chOff x="8431901" y="2023009"/>
+              <a:chExt cx="485522" cy="307497"/>
+            </a:xfrm>
+          </p:grpSpPr>
+          <p:sp>
+            <p:nvSpPr>
+              <p:cNvPr id="24" name="楕円 23">
+                <a:extLst>
+                  <a:ext uri="{FF2B5EF4-FFF2-40B4-BE49-F238E27FC236}">
+                    <a16:creationId xmlns:a16="http://schemas.microsoft.com/office/drawing/2014/main" id="{DB2A5D2F-C6B0-499D-B293-817AAED16FD3}"/>
+                  </a:ext>
+                </a:extLst>
+              </p:cNvPr>
+              <p:cNvSpPr/>
+              <p:nvPr/>
+            </p:nvSpPr>
+            <p:spPr>
+              <a:xfrm>
+                <a:off x="8520913" y="2023009"/>
+                <a:ext cx="307498" cy="307497"/>
+              </a:xfrm>
+              <a:prstGeom prst="ellipse">
+                <a:avLst/>
+              </a:prstGeom>
+              <a:noFill/>
+              <a:ln>
+                <a:solidFill>
+                  <a:schemeClr val="tx1"/>
+                </a:solidFill>
+              </a:ln>
+            </p:spPr>
+            <p:style>
+              <a:lnRef idx="2">
+                <a:schemeClr val="accent1">
+                  <a:shade val="50000"/>
+                </a:schemeClr>
+              </a:lnRef>
+              <a:fillRef idx="1">
+                <a:schemeClr val="accent1"/>
+              </a:fillRef>
+              <a:effectRef idx="0">
+                <a:schemeClr val="accent1"/>
+              </a:effectRef>
+              <a:fontRef idx="minor">
+                <a:schemeClr val="lt1"/>
+              </a:fontRef>
+            </p:style>
+            <p:txBody>
+              <a:bodyPr rtlCol="0" anchor="ctr"/>
+              <a:lstStyle/>
+              <a:p>
+                <a:pPr algn="ctr"/>
+                <a:endParaRPr kumimoji="1" lang="ja-JP" altLang="en-US"/>
+              </a:p>
+            </p:txBody>
+          </p:sp>
+          <p:sp>
+            <p:nvSpPr>
+              <p:cNvPr id="25" name="テキスト ボックス 24">
+                <a:extLst>
+                  <a:ext uri="{FF2B5EF4-FFF2-40B4-BE49-F238E27FC236}">
+                    <a16:creationId xmlns:a16="http://schemas.microsoft.com/office/drawing/2014/main" id="{295CC79F-F889-44E9-97A9-D685AD769967}"/>
+                  </a:ext>
+                </a:extLst>
+              </p:cNvPr>
+              <p:cNvSpPr txBox="1"/>
+              <p:nvPr/>
+            </p:nvSpPr>
+            <p:spPr>
+              <a:xfrm>
+                <a:off x="8431901" y="2038257"/>
+                <a:ext cx="485522" cy="276999"/>
+              </a:xfrm>
+              <a:prstGeom prst="rect">
+                <a:avLst/>
+              </a:prstGeom>
+              <a:noFill/>
+            </p:spPr>
+            <p:txBody>
+              <a:bodyPr wrap="square" rtlCol="0">
+                <a:spAutoFit/>
+              </a:bodyPr>
+              <a:lstStyle/>
+              <a:p>
+                <a:pPr algn="ctr"/>
+                <a:r>
+                  <a:rPr kumimoji="1" lang="en-US" altLang="ja-JP" sz="1200" dirty="0"/>
+                  <a:t>27</a:t>
+                </a:r>
+                <a:endParaRPr kumimoji="1" lang="ja-JP" altLang="en-US" sz="1200" dirty="0"/>
+              </a:p>
+            </p:txBody>
+          </p:sp>
+        </p:grpSp>
+        <p:grpSp>
+          <p:nvGrpSpPr>
+            <p:cNvPr id="21" name="グループ化 20">
+              <a:extLst>
+                <a:ext uri="{FF2B5EF4-FFF2-40B4-BE49-F238E27FC236}">
+                  <a16:creationId xmlns:a16="http://schemas.microsoft.com/office/drawing/2014/main" id="{6F7E9B05-A721-4586-8663-D85A898BD660}"/>
+                </a:ext>
+              </a:extLst>
+            </p:cNvPr>
+            <p:cNvGrpSpPr/>
+            <p:nvPr/>
+          </p:nvGrpSpPr>
+          <p:grpSpPr>
+            <a:xfrm>
+              <a:off x="2326215" y="3555824"/>
+              <a:ext cx="485522" cy="307497"/>
+              <a:chOff x="8431901" y="2023009"/>
+              <a:chExt cx="485522" cy="307497"/>
+            </a:xfrm>
+          </p:grpSpPr>
+          <p:sp>
+            <p:nvSpPr>
+              <p:cNvPr id="22" name="楕円 21">
+                <a:extLst>
+                  <a:ext uri="{FF2B5EF4-FFF2-40B4-BE49-F238E27FC236}">
+                    <a16:creationId xmlns:a16="http://schemas.microsoft.com/office/drawing/2014/main" id="{74E5FFE8-8653-41D3-8C82-14C8CE95F70D}"/>
+                  </a:ext>
+                </a:extLst>
+              </p:cNvPr>
+              <p:cNvSpPr/>
+              <p:nvPr/>
+            </p:nvSpPr>
+            <p:spPr>
+              <a:xfrm>
+                <a:off x="8520913" y="2023009"/>
+                <a:ext cx="307498" cy="307497"/>
+              </a:xfrm>
+              <a:prstGeom prst="ellipse">
+                <a:avLst/>
+              </a:prstGeom>
+              <a:noFill/>
+              <a:ln>
+                <a:solidFill>
+                  <a:schemeClr val="tx1"/>
+                </a:solidFill>
+              </a:ln>
+            </p:spPr>
+            <p:style>
+              <a:lnRef idx="2">
+                <a:schemeClr val="accent1">
+                  <a:shade val="50000"/>
+                </a:schemeClr>
+              </a:lnRef>
+              <a:fillRef idx="1">
+                <a:schemeClr val="accent1"/>
+              </a:fillRef>
+              <a:effectRef idx="0">
+                <a:schemeClr val="accent1"/>
+              </a:effectRef>
+              <a:fontRef idx="minor">
+                <a:schemeClr val="lt1"/>
+              </a:fontRef>
+            </p:style>
+            <p:txBody>
+              <a:bodyPr rtlCol="0" anchor="ctr"/>
+              <a:lstStyle/>
+              <a:p>
+                <a:pPr algn="ctr"/>
+                <a:endParaRPr kumimoji="1" lang="ja-JP" altLang="en-US"/>
+              </a:p>
+            </p:txBody>
+          </p:sp>
+          <p:sp>
+            <p:nvSpPr>
+              <p:cNvPr id="23" name="テキスト ボックス 22">
+                <a:extLst>
+                  <a:ext uri="{FF2B5EF4-FFF2-40B4-BE49-F238E27FC236}">
+                    <a16:creationId xmlns:a16="http://schemas.microsoft.com/office/drawing/2014/main" id="{DE5DE43F-917C-4F48-9DE6-48CD85AB2CE0}"/>
+                  </a:ext>
+                </a:extLst>
+              </p:cNvPr>
+              <p:cNvSpPr txBox="1"/>
+              <p:nvPr/>
+            </p:nvSpPr>
+            <p:spPr>
+              <a:xfrm>
+                <a:off x="8431901" y="2038257"/>
+                <a:ext cx="485522" cy="276999"/>
+              </a:xfrm>
+              <a:prstGeom prst="rect">
+                <a:avLst/>
+              </a:prstGeom>
+              <a:noFill/>
+            </p:spPr>
+            <p:txBody>
+              <a:bodyPr wrap="square" rtlCol="0">
+                <a:spAutoFit/>
+              </a:bodyPr>
+              <a:lstStyle/>
+              <a:p>
+                <a:pPr algn="ctr"/>
+                <a:r>
+                  <a:rPr kumimoji="1" lang="en-US" altLang="ja-JP" sz="1200" dirty="0"/>
+                  <a:t>28</a:t>
+                </a:r>
+                <a:endParaRPr kumimoji="1" lang="ja-JP" altLang="en-US" sz="1200" dirty="0"/>
+              </a:p>
+            </p:txBody>
+          </p:sp>
+        </p:grpSp>
+      </p:grpSp>
+    </p:spTree>
+    <p:extLst>
+      <p:ext uri="{BB962C8B-B14F-4D97-AF65-F5344CB8AC3E}">
+        <p14:creationId xmlns:p14="http://schemas.microsoft.com/office/powerpoint/2010/main" val="1771477081"/>
+      </p:ext>
+    </p:extLst>
+  </p:cSld>
+  <p:clrMapOvr>
+    <a:masterClrMapping/>
+  </p:clrMapOvr>
+</p:sld>
+</file>
+
 <file path=ppt/theme/theme1.xml><?xml version="1.0" encoding="utf-8"?>
 <a:theme xmlns:a="http://schemas.openxmlformats.org/drawingml/2006/main" name="1_Office テーマ">
   <a:themeElements>

--- a/paper/helmet/ISWC2020/figure/source/fig_data.pptx
+++ b/paper/helmet/ISWC2020/figure/source/fig_data.pptx
@@ -215,7 +215,7 @@
           <a:p>
             <a:fld id="{FE7EBC21-68F0-43CA-8DF5-D6844F9F3C2E}" type="datetimeFigureOut">
               <a:rPr kumimoji="1" lang="ja-JP" altLang="en-US" smtClean="0"/>
-              <a:t>2020/6/28</a:t>
+              <a:t>2020/6/29</a:t>
             </a:fld>
             <a:endParaRPr kumimoji="1" lang="ja-JP" altLang="en-US"/>
           </a:p>
@@ -827,7 +827,7 @@
           <a:p>
             <a:fld id="{28B1BEA1-2738-4C19-B133-02ABBF3E6E0C}" type="datetime1">
               <a:rPr kumimoji="1" lang="ja-JP" altLang="en-US" smtClean="0"/>
-              <a:t>2020/6/28</a:t>
+              <a:t>2020/6/29</a:t>
             </a:fld>
             <a:endParaRPr kumimoji="1" lang="ja-JP" altLang="en-US"/>
           </a:p>
@@ -1201,7 +1201,7 @@
           <a:p>
             <a:fld id="{321A0775-4641-4FD1-8F30-8577C8E45459}" type="datetime1">
               <a:rPr kumimoji="1" lang="ja-JP" altLang="en-US" smtClean="0"/>
-              <a:t>2020/6/28</a:t>
+              <a:t>2020/6/29</a:t>
             </a:fld>
             <a:endParaRPr kumimoji="1" lang="ja-JP" altLang="en-US"/>
           </a:p>
@@ -1411,7 +1411,7 @@
           <a:p>
             <a:fld id="{1A958096-B04A-44A1-BF3F-4EF7C63AEE7F}" type="datetime1">
               <a:rPr kumimoji="1" lang="ja-JP" altLang="en-US" smtClean="0"/>
-              <a:t>2020/6/28</a:t>
+              <a:t>2020/6/29</a:t>
             </a:fld>
             <a:endParaRPr kumimoji="1" lang="ja-JP" altLang="en-US"/>
           </a:p>
@@ -1611,7 +1611,7 @@
           <a:p>
             <a:fld id="{7E4BC299-9A2B-46B3-A868-72E6088D753F}" type="datetime1">
               <a:rPr kumimoji="1" lang="ja-JP" altLang="en-US" smtClean="0"/>
-              <a:t>2020/6/28</a:t>
+              <a:t>2020/6/29</a:t>
             </a:fld>
             <a:endParaRPr kumimoji="1" lang="ja-JP" altLang="en-US"/>
           </a:p>
@@ -2045,7 +2045,7 @@
           <a:p>
             <a:fld id="{5730D93F-C6A8-45DB-973B-2E9B74BB5747}" type="datetime1">
               <a:rPr kumimoji="1" lang="ja-JP" altLang="en-US" smtClean="0"/>
-              <a:t>2020/6/28</a:t>
+              <a:t>2020/6/29</a:t>
             </a:fld>
             <a:endParaRPr kumimoji="1" lang="ja-JP" altLang="en-US"/>
           </a:p>
@@ -2338,7 +2338,7 @@
           <a:p>
             <a:fld id="{8C8FBA03-08C5-445A-9675-5DD0E048D580}" type="datetime1">
               <a:rPr kumimoji="1" lang="ja-JP" altLang="en-US" smtClean="0"/>
-              <a:t>2020/6/28</a:t>
+              <a:t>2020/6/29</a:t>
             </a:fld>
             <a:endParaRPr kumimoji="1" lang="ja-JP" altLang="en-US"/>
           </a:p>
@@ -2766,7 +2766,7 @@
           <a:p>
             <a:fld id="{F22B3BE6-F63B-45DF-9657-6FEF2EDB1F30}" type="datetime1">
               <a:rPr kumimoji="1" lang="ja-JP" altLang="en-US" smtClean="0"/>
-              <a:t>2020/6/28</a:t>
+              <a:t>2020/6/29</a:t>
             </a:fld>
             <a:endParaRPr kumimoji="1" lang="ja-JP" altLang="en-US"/>
           </a:p>
@@ -2883,7 +2883,7 @@
           <a:p>
             <a:fld id="{C1D6E599-F080-45CC-8481-C833508C9D12}" type="datetime1">
               <a:rPr kumimoji="1" lang="ja-JP" altLang="en-US" smtClean="0"/>
-              <a:t>2020/6/28</a:t>
+              <a:t>2020/6/29</a:t>
             </a:fld>
             <a:endParaRPr kumimoji="1" lang="ja-JP" altLang="en-US"/>
           </a:p>
@@ -2978,7 +2978,7 @@
           <a:p>
             <a:fld id="{7D9B8A7E-64BC-4577-982E-7EC7218FD10F}" type="datetime1">
               <a:rPr kumimoji="1" lang="ja-JP" altLang="en-US" smtClean="0"/>
-              <a:t>2020/6/28</a:t>
+              <a:t>2020/6/29</a:t>
             </a:fld>
             <a:endParaRPr kumimoji="1" lang="ja-JP" altLang="en-US"/>
           </a:p>
@@ -3285,7 +3285,7 @@
           <a:p>
             <a:fld id="{8373066C-4ED1-4359-AD45-A7DE722C8BF8}" type="datetime1">
               <a:rPr kumimoji="1" lang="ja-JP" altLang="en-US" smtClean="0"/>
-              <a:t>2020/6/28</a:t>
+              <a:t>2020/6/29</a:t>
             </a:fld>
             <a:endParaRPr kumimoji="1" lang="ja-JP" altLang="en-US"/>
           </a:p>
@@ -3537,7 +3537,7 @@
           <a:p>
             <a:fld id="{BC0FD902-686B-4A0D-9EB1-37C4F06B03EF}" type="datetime1">
               <a:rPr kumimoji="1" lang="ja-JP" altLang="en-US" smtClean="0"/>
-              <a:t>2020/6/28</a:t>
+              <a:t>2020/6/29</a:t>
             </a:fld>
             <a:endParaRPr kumimoji="1" lang="ja-JP" altLang="en-US"/>
           </a:p>
@@ -3780,7 +3780,7 @@
           <a:p>
             <a:fld id="{E90FD2C9-6400-40CA-9626-E4ED2CBDBD1C}" type="datetime1">
               <a:rPr kumimoji="1" lang="ja-JP" altLang="en-US" smtClean="0"/>
-              <a:t>2020/6/28</a:t>
+              <a:t>2020/6/29</a:t>
             </a:fld>
             <a:endParaRPr kumimoji="1" lang="ja-JP" altLang="en-US"/>
           </a:p>
@@ -10079,7 +10079,7 @@
         </p:nvGrpSpPr>
         <p:grpSpPr>
           <a:xfrm>
-            <a:off x="6628748" y="999796"/>
+            <a:off x="429785" y="946157"/>
             <a:ext cx="3509200" cy="4307442"/>
             <a:chOff x="6628748" y="999796"/>
             <a:chExt cx="3509200" cy="4307442"/>
@@ -13003,6 +13003,871 @@
           </p:sp>
         </p:grpSp>
       </p:grpSp>
+      <p:grpSp>
+        <p:nvGrpSpPr>
+          <p:cNvPr id="84" name="グループ化 83">
+            <a:extLst>
+              <a:ext uri="{FF2B5EF4-FFF2-40B4-BE49-F238E27FC236}">
+                <a16:creationId xmlns:a16="http://schemas.microsoft.com/office/drawing/2014/main" id="{BFB14851-634F-425C-B516-F84EE516A390}"/>
+              </a:ext>
+            </a:extLst>
+          </p:cNvPr>
+          <p:cNvGrpSpPr/>
+          <p:nvPr/>
+        </p:nvGrpSpPr>
+        <p:grpSpPr>
+          <a:xfrm>
+            <a:off x="8486149" y="1117478"/>
+            <a:ext cx="3324431" cy="4024311"/>
+            <a:chOff x="747018" y="863980"/>
+            <a:chExt cx="3324431" cy="4024311"/>
+          </a:xfrm>
+        </p:grpSpPr>
+        <p:pic>
+          <p:nvPicPr>
+            <p:cNvPr id="85" name="図 84" descr="ランプ, ミラー, ネックレス が含まれている画像&#10;&#10;自動的に生成された説明">
+              <a:extLst>
+                <a:ext uri="{FF2B5EF4-FFF2-40B4-BE49-F238E27FC236}">
+                  <a16:creationId xmlns:a16="http://schemas.microsoft.com/office/drawing/2014/main" id="{05E4A5C9-C88B-4E92-8B3A-D0413C630972}"/>
+                </a:ext>
+              </a:extLst>
+            </p:cNvPr>
+            <p:cNvPicPr>
+              <a:picLocks noChangeAspect="1"/>
+            </p:cNvPicPr>
+            <p:nvPr/>
+          </p:nvPicPr>
+          <p:blipFill>
+            <a:blip r:embed="rId3">
+              <a:extLst>
+                <a:ext uri="{28A0092B-C50C-407E-A947-70E740481C1C}">
+                  <a14:useLocalDpi xmlns:a14="http://schemas.microsoft.com/office/drawing/2010/main" val="0"/>
+                </a:ext>
+              </a:extLst>
+            </a:blip>
+            <a:stretch>
+              <a:fillRect/>
+            </a:stretch>
+          </p:blipFill>
+          <p:spPr>
+            <a:xfrm>
+              <a:off x="747018" y="863980"/>
+              <a:ext cx="3324431" cy="4024311"/>
+            </a:xfrm>
+            <a:prstGeom prst="rect">
+              <a:avLst/>
+            </a:prstGeom>
+          </p:spPr>
+        </p:pic>
+        <p:grpSp>
+          <p:nvGrpSpPr>
+            <p:cNvPr id="104" name="グループ化 103">
+              <a:extLst>
+                <a:ext uri="{FF2B5EF4-FFF2-40B4-BE49-F238E27FC236}">
+                  <a16:creationId xmlns:a16="http://schemas.microsoft.com/office/drawing/2014/main" id="{D2A0285A-49AE-47A9-8754-A7D8E365CADF}"/>
+                </a:ext>
+              </a:extLst>
+            </p:cNvPr>
+            <p:cNvGrpSpPr/>
+            <p:nvPr/>
+          </p:nvGrpSpPr>
+          <p:grpSpPr>
+            <a:xfrm>
+              <a:off x="3202878" y="2830786"/>
+              <a:ext cx="485522" cy="307497"/>
+              <a:chOff x="8431901" y="2023009"/>
+              <a:chExt cx="485522" cy="307497"/>
+            </a:xfrm>
+          </p:grpSpPr>
+          <p:sp>
+            <p:nvSpPr>
+              <p:cNvPr id="112" name="楕円 111">
+                <a:extLst>
+                  <a:ext uri="{FF2B5EF4-FFF2-40B4-BE49-F238E27FC236}">
+                    <a16:creationId xmlns:a16="http://schemas.microsoft.com/office/drawing/2014/main" id="{28133948-CD3B-4703-8A99-94FCEC392DA3}"/>
+                  </a:ext>
+                </a:extLst>
+              </p:cNvPr>
+              <p:cNvSpPr/>
+              <p:nvPr/>
+            </p:nvSpPr>
+            <p:spPr>
+              <a:xfrm>
+                <a:off x="8520913" y="2023009"/>
+                <a:ext cx="307498" cy="307497"/>
+              </a:xfrm>
+              <a:prstGeom prst="ellipse">
+                <a:avLst/>
+              </a:prstGeom>
+              <a:noFill/>
+              <a:ln>
+                <a:solidFill>
+                  <a:schemeClr val="tx1"/>
+                </a:solidFill>
+              </a:ln>
+            </p:spPr>
+            <p:style>
+              <a:lnRef idx="2">
+                <a:schemeClr val="accent1">
+                  <a:shade val="50000"/>
+                </a:schemeClr>
+              </a:lnRef>
+              <a:fillRef idx="1">
+                <a:schemeClr val="accent1"/>
+              </a:fillRef>
+              <a:effectRef idx="0">
+                <a:schemeClr val="accent1"/>
+              </a:effectRef>
+              <a:fontRef idx="minor">
+                <a:schemeClr val="lt1"/>
+              </a:fontRef>
+            </p:style>
+            <p:txBody>
+              <a:bodyPr rtlCol="0" anchor="ctr"/>
+              <a:lstStyle/>
+              <a:p>
+                <a:pPr algn="ctr"/>
+                <a:endParaRPr kumimoji="1" lang="ja-JP" altLang="en-US"/>
+              </a:p>
+            </p:txBody>
+          </p:sp>
+          <p:sp>
+            <p:nvSpPr>
+              <p:cNvPr id="113" name="テキスト ボックス 112">
+                <a:extLst>
+                  <a:ext uri="{FF2B5EF4-FFF2-40B4-BE49-F238E27FC236}">
+                    <a16:creationId xmlns:a16="http://schemas.microsoft.com/office/drawing/2014/main" id="{305EED6D-0530-4A5F-A27E-E75DD152CB06}"/>
+                  </a:ext>
+                </a:extLst>
+              </p:cNvPr>
+              <p:cNvSpPr txBox="1"/>
+              <p:nvPr/>
+            </p:nvSpPr>
+            <p:spPr>
+              <a:xfrm>
+                <a:off x="8431901" y="2038257"/>
+                <a:ext cx="485522" cy="276999"/>
+              </a:xfrm>
+              <a:prstGeom prst="rect">
+                <a:avLst/>
+              </a:prstGeom>
+              <a:noFill/>
+            </p:spPr>
+            <p:txBody>
+              <a:bodyPr wrap="square" rtlCol="0">
+                <a:spAutoFit/>
+              </a:bodyPr>
+              <a:lstStyle/>
+              <a:p>
+                <a:pPr algn="ctr"/>
+                <a:r>
+                  <a:rPr kumimoji="1" lang="en-US" altLang="ja-JP" sz="1200" dirty="0"/>
+                  <a:t>29</a:t>
+                </a:r>
+                <a:endParaRPr kumimoji="1" lang="ja-JP" altLang="en-US" sz="1200" dirty="0"/>
+              </a:p>
+            </p:txBody>
+          </p:sp>
+        </p:grpSp>
+        <p:grpSp>
+          <p:nvGrpSpPr>
+            <p:cNvPr id="106" name="グループ化 105">
+              <a:extLst>
+                <a:ext uri="{FF2B5EF4-FFF2-40B4-BE49-F238E27FC236}">
+                  <a16:creationId xmlns:a16="http://schemas.microsoft.com/office/drawing/2014/main" id="{787C3CAD-6D21-450E-A9D2-856D41A2AABE}"/>
+                </a:ext>
+              </a:extLst>
+            </p:cNvPr>
+            <p:cNvGrpSpPr/>
+            <p:nvPr/>
+          </p:nvGrpSpPr>
+          <p:grpSpPr>
+            <a:xfrm>
+              <a:off x="2900749" y="3402075"/>
+              <a:ext cx="485522" cy="307497"/>
+              <a:chOff x="8431901" y="2023009"/>
+              <a:chExt cx="485522" cy="307497"/>
+            </a:xfrm>
+          </p:grpSpPr>
+          <p:sp>
+            <p:nvSpPr>
+              <p:cNvPr id="110" name="楕円 109">
+                <a:extLst>
+                  <a:ext uri="{FF2B5EF4-FFF2-40B4-BE49-F238E27FC236}">
+                    <a16:creationId xmlns:a16="http://schemas.microsoft.com/office/drawing/2014/main" id="{9EC27A72-D92F-4271-9212-7FAFF10EF96A}"/>
+                  </a:ext>
+                </a:extLst>
+              </p:cNvPr>
+              <p:cNvSpPr/>
+              <p:nvPr/>
+            </p:nvSpPr>
+            <p:spPr>
+              <a:xfrm>
+                <a:off x="8520913" y="2023009"/>
+                <a:ext cx="307498" cy="307497"/>
+              </a:xfrm>
+              <a:prstGeom prst="ellipse">
+                <a:avLst/>
+              </a:prstGeom>
+              <a:noFill/>
+              <a:ln>
+                <a:solidFill>
+                  <a:schemeClr val="tx1"/>
+                </a:solidFill>
+              </a:ln>
+            </p:spPr>
+            <p:style>
+              <a:lnRef idx="2">
+                <a:schemeClr val="accent1">
+                  <a:shade val="50000"/>
+                </a:schemeClr>
+              </a:lnRef>
+              <a:fillRef idx="1">
+                <a:schemeClr val="accent1"/>
+              </a:fillRef>
+              <a:effectRef idx="0">
+                <a:schemeClr val="accent1"/>
+              </a:effectRef>
+              <a:fontRef idx="minor">
+                <a:schemeClr val="lt1"/>
+              </a:fontRef>
+            </p:style>
+            <p:txBody>
+              <a:bodyPr rtlCol="0" anchor="ctr"/>
+              <a:lstStyle/>
+              <a:p>
+                <a:pPr algn="ctr"/>
+                <a:endParaRPr kumimoji="1" lang="ja-JP" altLang="en-US"/>
+              </a:p>
+            </p:txBody>
+          </p:sp>
+          <p:sp>
+            <p:nvSpPr>
+              <p:cNvPr id="111" name="テキスト ボックス 110">
+                <a:extLst>
+                  <a:ext uri="{FF2B5EF4-FFF2-40B4-BE49-F238E27FC236}">
+                    <a16:creationId xmlns:a16="http://schemas.microsoft.com/office/drawing/2014/main" id="{A5FA1CB0-8195-41AF-8331-7A32AC71AB43}"/>
+                  </a:ext>
+                </a:extLst>
+              </p:cNvPr>
+              <p:cNvSpPr txBox="1"/>
+              <p:nvPr/>
+            </p:nvSpPr>
+            <p:spPr>
+              <a:xfrm>
+                <a:off x="8431901" y="2038257"/>
+                <a:ext cx="485522" cy="276999"/>
+              </a:xfrm>
+              <a:prstGeom prst="rect">
+                <a:avLst/>
+              </a:prstGeom>
+              <a:noFill/>
+            </p:spPr>
+            <p:txBody>
+              <a:bodyPr wrap="square" rtlCol="0">
+                <a:spAutoFit/>
+              </a:bodyPr>
+              <a:lstStyle/>
+              <a:p>
+                <a:pPr algn="ctr"/>
+                <a:r>
+                  <a:rPr kumimoji="1" lang="en-US" altLang="ja-JP" sz="1200" dirty="0"/>
+                  <a:t>30</a:t>
+                </a:r>
+                <a:endParaRPr kumimoji="1" lang="ja-JP" altLang="en-US" sz="1200" dirty="0"/>
+              </a:p>
+            </p:txBody>
+          </p:sp>
+        </p:grpSp>
+        <p:grpSp>
+          <p:nvGrpSpPr>
+            <p:cNvPr id="107" name="グループ化 106">
+              <a:extLst>
+                <a:ext uri="{FF2B5EF4-FFF2-40B4-BE49-F238E27FC236}">
+                  <a16:creationId xmlns:a16="http://schemas.microsoft.com/office/drawing/2014/main" id="{E7CFB272-B1E3-4527-94BD-F5EAFF581F77}"/>
+                </a:ext>
+              </a:extLst>
+            </p:cNvPr>
+            <p:cNvGrpSpPr/>
+            <p:nvPr/>
+          </p:nvGrpSpPr>
+          <p:grpSpPr>
+            <a:xfrm>
+              <a:off x="2326215" y="3555824"/>
+              <a:ext cx="485522" cy="307497"/>
+              <a:chOff x="8431901" y="2023009"/>
+              <a:chExt cx="485522" cy="307497"/>
+            </a:xfrm>
+          </p:grpSpPr>
+          <p:sp>
+            <p:nvSpPr>
+              <p:cNvPr id="108" name="楕円 107">
+                <a:extLst>
+                  <a:ext uri="{FF2B5EF4-FFF2-40B4-BE49-F238E27FC236}">
+                    <a16:creationId xmlns:a16="http://schemas.microsoft.com/office/drawing/2014/main" id="{0B04059E-9EF0-4CAF-87A5-A321A5071A95}"/>
+                  </a:ext>
+                </a:extLst>
+              </p:cNvPr>
+              <p:cNvSpPr/>
+              <p:nvPr/>
+            </p:nvSpPr>
+            <p:spPr>
+              <a:xfrm>
+                <a:off x="8520913" y="2023009"/>
+                <a:ext cx="307498" cy="307497"/>
+              </a:xfrm>
+              <a:prstGeom prst="ellipse">
+                <a:avLst/>
+              </a:prstGeom>
+              <a:noFill/>
+              <a:ln>
+                <a:solidFill>
+                  <a:schemeClr val="tx1"/>
+                </a:solidFill>
+              </a:ln>
+            </p:spPr>
+            <p:style>
+              <a:lnRef idx="2">
+                <a:schemeClr val="accent1">
+                  <a:shade val="50000"/>
+                </a:schemeClr>
+              </a:lnRef>
+              <a:fillRef idx="1">
+                <a:schemeClr val="accent1"/>
+              </a:fillRef>
+              <a:effectRef idx="0">
+                <a:schemeClr val="accent1"/>
+              </a:effectRef>
+              <a:fontRef idx="minor">
+                <a:schemeClr val="lt1"/>
+              </a:fontRef>
+            </p:style>
+            <p:txBody>
+              <a:bodyPr rtlCol="0" anchor="ctr"/>
+              <a:lstStyle/>
+              <a:p>
+                <a:pPr algn="ctr"/>
+                <a:endParaRPr kumimoji="1" lang="ja-JP" altLang="en-US"/>
+              </a:p>
+            </p:txBody>
+          </p:sp>
+          <p:sp>
+            <p:nvSpPr>
+              <p:cNvPr id="109" name="テキスト ボックス 108">
+                <a:extLst>
+                  <a:ext uri="{FF2B5EF4-FFF2-40B4-BE49-F238E27FC236}">
+                    <a16:creationId xmlns:a16="http://schemas.microsoft.com/office/drawing/2014/main" id="{B976ABEC-7B1E-4CDD-BBD9-C63DC53306C5}"/>
+                  </a:ext>
+                </a:extLst>
+              </p:cNvPr>
+              <p:cNvSpPr txBox="1"/>
+              <p:nvPr/>
+            </p:nvSpPr>
+            <p:spPr>
+              <a:xfrm>
+                <a:off x="8431901" y="2038257"/>
+                <a:ext cx="485522" cy="276999"/>
+              </a:xfrm>
+              <a:prstGeom prst="rect">
+                <a:avLst/>
+              </a:prstGeom>
+              <a:noFill/>
+            </p:spPr>
+            <p:txBody>
+              <a:bodyPr wrap="square" rtlCol="0">
+                <a:spAutoFit/>
+              </a:bodyPr>
+              <a:lstStyle/>
+              <a:p>
+                <a:pPr algn="ctr"/>
+                <a:r>
+                  <a:rPr kumimoji="1" lang="en-US" altLang="ja-JP" sz="1200" dirty="0"/>
+                  <a:t>31</a:t>
+                </a:r>
+                <a:endParaRPr kumimoji="1" lang="ja-JP" altLang="en-US" sz="1200" dirty="0"/>
+              </a:p>
+            </p:txBody>
+          </p:sp>
+        </p:grpSp>
+      </p:grpSp>
+      <p:grpSp>
+        <p:nvGrpSpPr>
+          <p:cNvPr id="114" name="グループ化 113">
+            <a:extLst>
+              <a:ext uri="{FF2B5EF4-FFF2-40B4-BE49-F238E27FC236}">
+                <a16:creationId xmlns:a16="http://schemas.microsoft.com/office/drawing/2014/main" id="{5E31D77D-14F4-44D0-BDE3-CF30848FEEFC}"/>
+              </a:ext>
+            </a:extLst>
+          </p:cNvPr>
+          <p:cNvGrpSpPr/>
+          <p:nvPr/>
+        </p:nvGrpSpPr>
+        <p:grpSpPr>
+          <a:xfrm flipH="1">
+            <a:off x="4550125" y="1111959"/>
+            <a:ext cx="3324431" cy="4024311"/>
+            <a:chOff x="747018" y="863980"/>
+            <a:chExt cx="3324431" cy="4024311"/>
+          </a:xfrm>
+        </p:grpSpPr>
+        <p:pic>
+          <p:nvPicPr>
+            <p:cNvPr id="115" name="図 114" descr="ランプ, ミラー, ネックレス が含まれている画像&#10;&#10;自動的に生成された説明">
+              <a:extLst>
+                <a:ext uri="{FF2B5EF4-FFF2-40B4-BE49-F238E27FC236}">
+                  <a16:creationId xmlns:a16="http://schemas.microsoft.com/office/drawing/2014/main" id="{49068C82-5220-4860-8374-95A7B6D98926}"/>
+                </a:ext>
+              </a:extLst>
+            </p:cNvPr>
+            <p:cNvPicPr>
+              <a:picLocks noChangeAspect="1"/>
+            </p:cNvPicPr>
+            <p:nvPr/>
+          </p:nvPicPr>
+          <p:blipFill>
+            <a:blip r:embed="rId3">
+              <a:extLst>
+                <a:ext uri="{28A0092B-C50C-407E-A947-70E740481C1C}">
+                  <a14:useLocalDpi xmlns:a14="http://schemas.microsoft.com/office/drawing/2010/main" val="0"/>
+                </a:ext>
+              </a:extLst>
+            </a:blip>
+            <a:stretch>
+              <a:fillRect/>
+            </a:stretch>
+          </p:blipFill>
+          <p:spPr>
+            <a:xfrm>
+              <a:off x="747018" y="863980"/>
+              <a:ext cx="3324431" cy="4024311"/>
+            </a:xfrm>
+            <a:prstGeom prst="rect">
+              <a:avLst/>
+            </a:prstGeom>
+          </p:spPr>
+        </p:pic>
+        <p:grpSp>
+          <p:nvGrpSpPr>
+            <p:cNvPr id="116" name="グループ化 115">
+              <a:extLst>
+                <a:ext uri="{FF2B5EF4-FFF2-40B4-BE49-F238E27FC236}">
+                  <a16:creationId xmlns:a16="http://schemas.microsoft.com/office/drawing/2014/main" id="{120327A9-D31F-4F1E-935F-C0187C5C8343}"/>
+                </a:ext>
+              </a:extLst>
+            </p:cNvPr>
+            <p:cNvGrpSpPr/>
+            <p:nvPr/>
+          </p:nvGrpSpPr>
+          <p:grpSpPr>
+            <a:xfrm>
+              <a:off x="3202878" y="2830786"/>
+              <a:ext cx="485522" cy="307497"/>
+              <a:chOff x="8431901" y="2023009"/>
+              <a:chExt cx="485522" cy="307497"/>
+            </a:xfrm>
+          </p:grpSpPr>
+          <p:sp>
+            <p:nvSpPr>
+              <p:cNvPr id="123" name="楕円 122">
+                <a:extLst>
+                  <a:ext uri="{FF2B5EF4-FFF2-40B4-BE49-F238E27FC236}">
+                    <a16:creationId xmlns:a16="http://schemas.microsoft.com/office/drawing/2014/main" id="{0A199916-3BAC-4334-9482-CC93A48D9EA6}"/>
+                  </a:ext>
+                </a:extLst>
+              </p:cNvPr>
+              <p:cNvSpPr/>
+              <p:nvPr/>
+            </p:nvSpPr>
+            <p:spPr>
+              <a:xfrm>
+                <a:off x="8520913" y="2023009"/>
+                <a:ext cx="307498" cy="307497"/>
+              </a:xfrm>
+              <a:prstGeom prst="ellipse">
+                <a:avLst/>
+              </a:prstGeom>
+              <a:noFill/>
+              <a:ln>
+                <a:solidFill>
+                  <a:schemeClr val="tx1"/>
+                </a:solidFill>
+              </a:ln>
+            </p:spPr>
+            <p:style>
+              <a:lnRef idx="2">
+                <a:schemeClr val="accent1">
+                  <a:shade val="50000"/>
+                </a:schemeClr>
+              </a:lnRef>
+              <a:fillRef idx="1">
+                <a:schemeClr val="accent1"/>
+              </a:fillRef>
+              <a:effectRef idx="0">
+                <a:schemeClr val="accent1"/>
+              </a:effectRef>
+              <a:fontRef idx="minor">
+                <a:schemeClr val="lt1"/>
+              </a:fontRef>
+            </p:style>
+            <p:txBody>
+              <a:bodyPr rtlCol="0" anchor="ctr"/>
+              <a:lstStyle/>
+              <a:p>
+                <a:pPr algn="ctr"/>
+                <a:endParaRPr kumimoji="1" lang="ja-JP" altLang="en-US"/>
+              </a:p>
+            </p:txBody>
+          </p:sp>
+          <p:sp>
+            <p:nvSpPr>
+              <p:cNvPr id="124" name="テキスト ボックス 123">
+                <a:extLst>
+                  <a:ext uri="{FF2B5EF4-FFF2-40B4-BE49-F238E27FC236}">
+                    <a16:creationId xmlns:a16="http://schemas.microsoft.com/office/drawing/2014/main" id="{26B9005C-034D-41CF-91DA-0D2540B5FCB2}"/>
+                  </a:ext>
+                </a:extLst>
+              </p:cNvPr>
+              <p:cNvSpPr txBox="1"/>
+              <p:nvPr/>
+            </p:nvSpPr>
+            <p:spPr>
+              <a:xfrm>
+                <a:off x="8431901" y="2038257"/>
+                <a:ext cx="485522" cy="276999"/>
+              </a:xfrm>
+              <a:prstGeom prst="rect">
+                <a:avLst/>
+              </a:prstGeom>
+              <a:noFill/>
+            </p:spPr>
+            <p:txBody>
+              <a:bodyPr wrap="square" rtlCol="0">
+                <a:spAutoFit/>
+              </a:bodyPr>
+              <a:lstStyle/>
+              <a:p>
+                <a:pPr algn="ctr"/>
+                <a:r>
+                  <a:rPr lang="en-US" altLang="ja-JP" sz="1200" dirty="0"/>
+                  <a:t>26</a:t>
+                </a:r>
+                <a:endParaRPr kumimoji="1" lang="ja-JP" altLang="en-US" sz="1200" dirty="0"/>
+              </a:p>
+            </p:txBody>
+          </p:sp>
+        </p:grpSp>
+        <p:grpSp>
+          <p:nvGrpSpPr>
+            <p:cNvPr id="117" name="グループ化 116">
+              <a:extLst>
+                <a:ext uri="{FF2B5EF4-FFF2-40B4-BE49-F238E27FC236}">
+                  <a16:creationId xmlns:a16="http://schemas.microsoft.com/office/drawing/2014/main" id="{DD8D2557-3D45-4308-85A3-2911801B37F3}"/>
+                </a:ext>
+              </a:extLst>
+            </p:cNvPr>
+            <p:cNvGrpSpPr/>
+            <p:nvPr/>
+          </p:nvGrpSpPr>
+          <p:grpSpPr>
+            <a:xfrm>
+              <a:off x="2900749" y="3402075"/>
+              <a:ext cx="485522" cy="307497"/>
+              <a:chOff x="8431901" y="2023009"/>
+              <a:chExt cx="485522" cy="307497"/>
+            </a:xfrm>
+          </p:grpSpPr>
+          <p:sp>
+            <p:nvSpPr>
+              <p:cNvPr id="121" name="楕円 120">
+                <a:extLst>
+                  <a:ext uri="{FF2B5EF4-FFF2-40B4-BE49-F238E27FC236}">
+                    <a16:creationId xmlns:a16="http://schemas.microsoft.com/office/drawing/2014/main" id="{8028F588-7832-4B15-AB01-7AE36D53C3E3}"/>
+                  </a:ext>
+                </a:extLst>
+              </p:cNvPr>
+              <p:cNvSpPr/>
+              <p:nvPr/>
+            </p:nvSpPr>
+            <p:spPr>
+              <a:xfrm>
+                <a:off x="8520913" y="2023009"/>
+                <a:ext cx="307498" cy="307497"/>
+              </a:xfrm>
+              <a:prstGeom prst="ellipse">
+                <a:avLst/>
+              </a:prstGeom>
+              <a:noFill/>
+              <a:ln>
+                <a:solidFill>
+                  <a:schemeClr val="tx1"/>
+                </a:solidFill>
+              </a:ln>
+            </p:spPr>
+            <p:style>
+              <a:lnRef idx="2">
+                <a:schemeClr val="accent1">
+                  <a:shade val="50000"/>
+                </a:schemeClr>
+              </a:lnRef>
+              <a:fillRef idx="1">
+                <a:schemeClr val="accent1"/>
+              </a:fillRef>
+              <a:effectRef idx="0">
+                <a:schemeClr val="accent1"/>
+              </a:effectRef>
+              <a:fontRef idx="minor">
+                <a:schemeClr val="lt1"/>
+              </a:fontRef>
+            </p:style>
+            <p:txBody>
+              <a:bodyPr rtlCol="0" anchor="ctr"/>
+              <a:lstStyle/>
+              <a:p>
+                <a:pPr algn="ctr"/>
+                <a:endParaRPr kumimoji="1" lang="ja-JP" altLang="en-US"/>
+              </a:p>
+            </p:txBody>
+          </p:sp>
+          <p:sp>
+            <p:nvSpPr>
+              <p:cNvPr id="122" name="テキスト ボックス 121">
+                <a:extLst>
+                  <a:ext uri="{FF2B5EF4-FFF2-40B4-BE49-F238E27FC236}">
+                    <a16:creationId xmlns:a16="http://schemas.microsoft.com/office/drawing/2014/main" id="{1DD8B0B7-DB29-4D12-80A7-CFDEBAF38B38}"/>
+                  </a:ext>
+                </a:extLst>
+              </p:cNvPr>
+              <p:cNvSpPr txBox="1"/>
+              <p:nvPr/>
+            </p:nvSpPr>
+            <p:spPr>
+              <a:xfrm>
+                <a:off x="8431901" y="2038257"/>
+                <a:ext cx="485522" cy="276999"/>
+              </a:xfrm>
+              <a:prstGeom prst="rect">
+                <a:avLst/>
+              </a:prstGeom>
+              <a:noFill/>
+            </p:spPr>
+            <p:txBody>
+              <a:bodyPr wrap="square" rtlCol="0">
+                <a:spAutoFit/>
+              </a:bodyPr>
+              <a:lstStyle/>
+              <a:p>
+                <a:pPr algn="ctr"/>
+                <a:r>
+                  <a:rPr kumimoji="1" lang="en-US" altLang="ja-JP" sz="1200" dirty="0"/>
+                  <a:t>27</a:t>
+                </a:r>
+                <a:endParaRPr kumimoji="1" lang="ja-JP" altLang="en-US" sz="1200" dirty="0"/>
+              </a:p>
+            </p:txBody>
+          </p:sp>
+        </p:grpSp>
+        <p:grpSp>
+          <p:nvGrpSpPr>
+            <p:cNvPr id="118" name="グループ化 117">
+              <a:extLst>
+                <a:ext uri="{FF2B5EF4-FFF2-40B4-BE49-F238E27FC236}">
+                  <a16:creationId xmlns:a16="http://schemas.microsoft.com/office/drawing/2014/main" id="{FB20E371-760E-459F-806F-2D0C0F0DBD9E}"/>
+                </a:ext>
+              </a:extLst>
+            </p:cNvPr>
+            <p:cNvGrpSpPr/>
+            <p:nvPr/>
+          </p:nvGrpSpPr>
+          <p:grpSpPr>
+            <a:xfrm>
+              <a:off x="2326215" y="3555824"/>
+              <a:ext cx="485522" cy="307497"/>
+              <a:chOff x="8431901" y="2023009"/>
+              <a:chExt cx="485522" cy="307497"/>
+            </a:xfrm>
+          </p:grpSpPr>
+          <p:sp>
+            <p:nvSpPr>
+              <p:cNvPr id="119" name="楕円 118">
+                <a:extLst>
+                  <a:ext uri="{FF2B5EF4-FFF2-40B4-BE49-F238E27FC236}">
+                    <a16:creationId xmlns:a16="http://schemas.microsoft.com/office/drawing/2014/main" id="{3E8A3CB2-435D-4E9D-8B28-367E3DC2CB0C}"/>
+                  </a:ext>
+                </a:extLst>
+              </p:cNvPr>
+              <p:cNvSpPr/>
+              <p:nvPr/>
+            </p:nvSpPr>
+            <p:spPr>
+              <a:xfrm>
+                <a:off x="8520913" y="2023009"/>
+                <a:ext cx="307498" cy="307497"/>
+              </a:xfrm>
+              <a:prstGeom prst="ellipse">
+                <a:avLst/>
+              </a:prstGeom>
+              <a:noFill/>
+              <a:ln>
+                <a:solidFill>
+                  <a:schemeClr val="tx1"/>
+                </a:solidFill>
+              </a:ln>
+            </p:spPr>
+            <p:style>
+              <a:lnRef idx="2">
+                <a:schemeClr val="accent1">
+                  <a:shade val="50000"/>
+                </a:schemeClr>
+              </a:lnRef>
+              <a:fillRef idx="1">
+                <a:schemeClr val="accent1"/>
+              </a:fillRef>
+              <a:effectRef idx="0">
+                <a:schemeClr val="accent1"/>
+              </a:effectRef>
+              <a:fontRef idx="minor">
+                <a:schemeClr val="lt1"/>
+              </a:fontRef>
+            </p:style>
+            <p:txBody>
+              <a:bodyPr rtlCol="0" anchor="ctr"/>
+              <a:lstStyle/>
+              <a:p>
+                <a:pPr algn="ctr"/>
+                <a:endParaRPr kumimoji="1" lang="ja-JP" altLang="en-US"/>
+              </a:p>
+            </p:txBody>
+          </p:sp>
+          <p:sp>
+            <p:nvSpPr>
+              <p:cNvPr id="120" name="テキスト ボックス 119">
+                <a:extLst>
+                  <a:ext uri="{FF2B5EF4-FFF2-40B4-BE49-F238E27FC236}">
+                    <a16:creationId xmlns:a16="http://schemas.microsoft.com/office/drawing/2014/main" id="{88ACB90B-098A-4CD4-AC0E-67BFC9D83C3A}"/>
+                  </a:ext>
+                </a:extLst>
+              </p:cNvPr>
+              <p:cNvSpPr txBox="1"/>
+              <p:nvPr/>
+            </p:nvSpPr>
+            <p:spPr>
+              <a:xfrm>
+                <a:off x="8431901" y="2038257"/>
+                <a:ext cx="485522" cy="276999"/>
+              </a:xfrm>
+              <a:prstGeom prst="rect">
+                <a:avLst/>
+              </a:prstGeom>
+              <a:noFill/>
+            </p:spPr>
+            <p:txBody>
+              <a:bodyPr wrap="square" rtlCol="0">
+                <a:spAutoFit/>
+              </a:bodyPr>
+              <a:lstStyle/>
+              <a:p>
+                <a:pPr algn="ctr"/>
+                <a:r>
+                  <a:rPr kumimoji="1" lang="en-US" altLang="ja-JP" sz="1200" dirty="0"/>
+                  <a:t>28</a:t>
+                </a:r>
+                <a:endParaRPr kumimoji="1" lang="ja-JP" altLang="en-US" sz="1200" dirty="0"/>
+              </a:p>
+            </p:txBody>
+          </p:sp>
+        </p:grpSp>
+      </p:grpSp>
+      <p:sp>
+        <p:nvSpPr>
+          <p:cNvPr id="3" name="吹き出し: 四角形 2">
+            <a:extLst>
+              <a:ext uri="{FF2B5EF4-FFF2-40B4-BE49-F238E27FC236}">
+                <a16:creationId xmlns:a16="http://schemas.microsoft.com/office/drawing/2014/main" id="{E462B84F-D43C-4B9B-BB91-56DC50B2FB21}"/>
+              </a:ext>
+            </a:extLst>
+          </p:cNvPr>
+          <p:cNvSpPr/>
+          <p:nvPr/>
+        </p:nvSpPr>
+        <p:spPr>
+          <a:xfrm rot="10800000">
+            <a:off x="3034704" y="5390905"/>
+            <a:ext cx="2063277" cy="533449"/>
+          </a:xfrm>
+          <a:prstGeom prst="wedgeRectCallout">
+            <a:avLst>
+              <a:gd name="adj1" fmla="val 34656"/>
+              <a:gd name="adj2" fmla="val 120144"/>
+            </a:avLst>
+          </a:prstGeom>
+          <a:noFill/>
+          <a:ln>
+            <a:solidFill>
+              <a:schemeClr val="tx1"/>
+            </a:solidFill>
+          </a:ln>
+        </p:spPr>
+        <p:style>
+          <a:lnRef idx="2">
+            <a:schemeClr val="accent1">
+              <a:shade val="50000"/>
+            </a:schemeClr>
+          </a:lnRef>
+          <a:fillRef idx="1">
+            <a:schemeClr val="accent1"/>
+          </a:fillRef>
+          <a:effectRef idx="0">
+            <a:schemeClr val="accent1"/>
+          </a:effectRef>
+          <a:fontRef idx="minor">
+            <a:schemeClr val="lt1"/>
+          </a:fontRef>
+        </p:style>
+        <p:txBody>
+          <a:bodyPr rtlCol="0" anchor="ctr"/>
+          <a:lstStyle/>
+          <a:p>
+            <a:pPr algn="ctr"/>
+            <a:endParaRPr kumimoji="1" lang="ja-JP" altLang="en-US"/>
+          </a:p>
+        </p:txBody>
+      </p:sp>
+      <p:sp>
+        <p:nvSpPr>
+          <p:cNvPr id="6" name="テキスト ボックス 5">
+            <a:extLst>
+              <a:ext uri="{FF2B5EF4-FFF2-40B4-BE49-F238E27FC236}">
+                <a16:creationId xmlns:a16="http://schemas.microsoft.com/office/drawing/2014/main" id="{7435A209-F43E-49BA-ADE9-209EDB16F078}"/>
+              </a:ext>
+            </a:extLst>
+          </p:cNvPr>
+          <p:cNvSpPr txBox="1"/>
+          <p:nvPr/>
+        </p:nvSpPr>
+        <p:spPr>
+          <a:xfrm>
+            <a:off x="3034704" y="5471841"/>
+            <a:ext cx="2063278" cy="369332"/>
+          </a:xfrm>
+          <a:prstGeom prst="rect">
+            <a:avLst/>
+          </a:prstGeom>
+          <a:noFill/>
+        </p:spPr>
+        <p:txBody>
+          <a:bodyPr wrap="square" rtlCol="0">
+            <a:spAutoFit/>
+          </a:bodyPr>
+          <a:lstStyle/>
+          <a:p>
+            <a:r>
+              <a:rPr lang="en-US" altLang="ja-JP" dirty="0"/>
+              <a:t>Pressure sensors</a:t>
+            </a:r>
+            <a:endParaRPr kumimoji="1" lang="ja-JP" altLang="en-US" dirty="0"/>
+          </a:p>
+        </p:txBody>
+      </p:sp>
     </p:spTree>
     <p:extLst>
       <p:ext uri="{BB962C8B-B14F-4D97-AF65-F5344CB8AC3E}">

--- a/paper/helmet/ISWC2020/figure/source/fig_data.pptx
+++ b/paper/helmet/ISWC2020/figure/source/fig_data.pptx
@@ -5,7 +5,7 @@
     <p:sldMasterId id="2147483660" r:id="rId1"/>
   </p:sldMasterIdLst>
   <p:notesMasterIdLst>
-    <p:notesMasterId r:id="rId9"/>
+    <p:notesMasterId r:id="rId10"/>
   </p:notesMasterIdLst>
   <p:sldIdLst>
     <p:sldId id="278" r:id="rId2"/>
@@ -15,6 +15,7 @@
     <p:sldId id="276" r:id="rId6"/>
     <p:sldId id="280" r:id="rId7"/>
     <p:sldId id="281" r:id="rId8"/>
+    <p:sldId id="282" r:id="rId9"/>
   </p:sldIdLst>
   <p:sldSz cx="12192000" cy="6858000"/>
   <p:notesSz cx="6858000" cy="9144000"/>
@@ -215,7 +216,7 @@
           <a:p>
             <a:fld id="{FE7EBC21-68F0-43CA-8DF5-D6844F9F3C2E}" type="datetimeFigureOut">
               <a:rPr kumimoji="1" lang="ja-JP" altLang="en-US" smtClean="0"/>
-              <a:t>2020/7/5</a:t>
+              <a:t>2020/7/27</a:t>
             </a:fld>
             <a:endParaRPr kumimoji="1" lang="ja-JP" altLang="en-US"/>
           </a:p>
@@ -827,7 +828,7 @@
           <a:p>
             <a:fld id="{28B1BEA1-2738-4C19-B133-02ABBF3E6E0C}" type="datetime1">
               <a:rPr kumimoji="1" lang="ja-JP" altLang="en-US" smtClean="0"/>
-              <a:t>2020/7/5</a:t>
+              <a:t>2020/7/27</a:t>
             </a:fld>
             <a:endParaRPr kumimoji="1" lang="ja-JP" altLang="en-US"/>
           </a:p>
@@ -1201,7 +1202,7 @@
           <a:p>
             <a:fld id="{321A0775-4641-4FD1-8F30-8577C8E45459}" type="datetime1">
               <a:rPr kumimoji="1" lang="ja-JP" altLang="en-US" smtClean="0"/>
-              <a:t>2020/7/5</a:t>
+              <a:t>2020/7/27</a:t>
             </a:fld>
             <a:endParaRPr kumimoji="1" lang="ja-JP" altLang="en-US"/>
           </a:p>
@@ -1411,7 +1412,7 @@
           <a:p>
             <a:fld id="{1A958096-B04A-44A1-BF3F-4EF7C63AEE7F}" type="datetime1">
               <a:rPr kumimoji="1" lang="ja-JP" altLang="en-US" smtClean="0"/>
-              <a:t>2020/7/5</a:t>
+              <a:t>2020/7/27</a:t>
             </a:fld>
             <a:endParaRPr kumimoji="1" lang="ja-JP" altLang="en-US"/>
           </a:p>
@@ -1611,7 +1612,7 @@
           <a:p>
             <a:fld id="{7E4BC299-9A2B-46B3-A868-72E6088D753F}" type="datetime1">
               <a:rPr kumimoji="1" lang="ja-JP" altLang="en-US" smtClean="0"/>
-              <a:t>2020/7/5</a:t>
+              <a:t>2020/7/27</a:t>
             </a:fld>
             <a:endParaRPr kumimoji="1" lang="ja-JP" altLang="en-US"/>
           </a:p>
@@ -2045,7 +2046,7 @@
           <a:p>
             <a:fld id="{5730D93F-C6A8-45DB-973B-2E9B74BB5747}" type="datetime1">
               <a:rPr kumimoji="1" lang="ja-JP" altLang="en-US" smtClean="0"/>
-              <a:t>2020/7/5</a:t>
+              <a:t>2020/7/27</a:t>
             </a:fld>
             <a:endParaRPr kumimoji="1" lang="ja-JP" altLang="en-US"/>
           </a:p>
@@ -2338,7 +2339,7 @@
           <a:p>
             <a:fld id="{8C8FBA03-08C5-445A-9675-5DD0E048D580}" type="datetime1">
               <a:rPr kumimoji="1" lang="ja-JP" altLang="en-US" smtClean="0"/>
-              <a:t>2020/7/5</a:t>
+              <a:t>2020/7/27</a:t>
             </a:fld>
             <a:endParaRPr kumimoji="1" lang="ja-JP" altLang="en-US"/>
           </a:p>
@@ -2766,7 +2767,7 @@
           <a:p>
             <a:fld id="{F22B3BE6-F63B-45DF-9657-6FEF2EDB1F30}" type="datetime1">
               <a:rPr kumimoji="1" lang="ja-JP" altLang="en-US" smtClean="0"/>
-              <a:t>2020/7/5</a:t>
+              <a:t>2020/7/27</a:t>
             </a:fld>
             <a:endParaRPr kumimoji="1" lang="ja-JP" altLang="en-US"/>
           </a:p>
@@ -2883,7 +2884,7 @@
           <a:p>
             <a:fld id="{C1D6E599-F080-45CC-8481-C833508C9D12}" type="datetime1">
               <a:rPr kumimoji="1" lang="ja-JP" altLang="en-US" smtClean="0"/>
-              <a:t>2020/7/5</a:t>
+              <a:t>2020/7/27</a:t>
             </a:fld>
             <a:endParaRPr kumimoji="1" lang="ja-JP" altLang="en-US"/>
           </a:p>
@@ -2978,7 +2979,7 @@
           <a:p>
             <a:fld id="{7D9B8A7E-64BC-4577-982E-7EC7218FD10F}" type="datetime1">
               <a:rPr kumimoji="1" lang="ja-JP" altLang="en-US" smtClean="0"/>
-              <a:t>2020/7/5</a:t>
+              <a:t>2020/7/27</a:t>
             </a:fld>
             <a:endParaRPr kumimoji="1" lang="ja-JP" altLang="en-US"/>
           </a:p>
@@ -3285,7 +3286,7 @@
           <a:p>
             <a:fld id="{8373066C-4ED1-4359-AD45-A7DE722C8BF8}" type="datetime1">
               <a:rPr kumimoji="1" lang="ja-JP" altLang="en-US" smtClean="0"/>
-              <a:t>2020/7/5</a:t>
+              <a:t>2020/7/27</a:t>
             </a:fld>
             <a:endParaRPr kumimoji="1" lang="ja-JP" altLang="en-US"/>
           </a:p>
@@ -3537,7 +3538,7 @@
           <a:p>
             <a:fld id="{BC0FD902-686B-4A0D-9EB1-37C4F06B03EF}" type="datetime1">
               <a:rPr kumimoji="1" lang="ja-JP" altLang="en-US" smtClean="0"/>
-              <a:t>2020/7/5</a:t>
+              <a:t>2020/7/27</a:t>
             </a:fld>
             <a:endParaRPr kumimoji="1" lang="ja-JP" altLang="en-US"/>
           </a:p>
@@ -3780,7 +3781,7 @@
           <a:p>
             <a:fld id="{E90FD2C9-6400-40CA-9626-E4ED2CBDBD1C}" type="datetime1">
               <a:rPr kumimoji="1" lang="ja-JP" altLang="en-US" smtClean="0"/>
-              <a:t>2020/7/5</a:t>
+              <a:t>2020/7/27</a:t>
             </a:fld>
             <a:endParaRPr kumimoji="1" lang="ja-JP" altLang="en-US"/>
           </a:p>
@@ -14242,6 +14243,262 @@
 </p:sld>
 </file>
 
+<file path=ppt/slides/slide8.xml><?xml version="1.0" encoding="utf-8"?>
+<p:sld xmlns:a="http://schemas.openxmlformats.org/drawingml/2006/main" xmlns:r="http://schemas.openxmlformats.org/officeDocument/2006/relationships" xmlns:p="http://schemas.openxmlformats.org/presentationml/2006/main">
+  <p:cSld>
+    <p:spTree>
+      <p:nvGrpSpPr>
+        <p:cNvPr id="1" name=""/>
+        <p:cNvGrpSpPr/>
+        <p:nvPr/>
+      </p:nvGrpSpPr>
+      <p:grpSpPr>
+        <a:xfrm>
+          <a:off x="0" y="0"/>
+          <a:ext cx="0" cy="0"/>
+          <a:chOff x="0" y="0"/>
+          <a:chExt cx="0" cy="0"/>
+        </a:xfrm>
+      </p:grpSpPr>
+      <p:sp>
+        <p:nvSpPr>
+          <p:cNvPr id="4" name="スライド番号プレースホルダー 3">
+            <a:extLst>
+              <a:ext uri="{FF2B5EF4-FFF2-40B4-BE49-F238E27FC236}">
+                <a16:creationId xmlns:a16="http://schemas.microsoft.com/office/drawing/2014/main" id="{B76D25E0-B020-40FC-9230-6DEA71433580}"/>
+              </a:ext>
+            </a:extLst>
+          </p:cNvPr>
+          <p:cNvSpPr>
+            <a:spLocks noGrp="1"/>
+          </p:cNvSpPr>
+          <p:nvPr>
+            <p:ph type="sldNum" sz="quarter" idx="12"/>
+          </p:nvPr>
+        </p:nvSpPr>
+        <p:spPr/>
+        <p:txBody>
+          <a:bodyPr/>
+          <a:lstStyle/>
+          <a:p>
+            <a:fld id="{92084505-5355-43A2-B929-FD06D0DABC31}" type="slidenum">
+              <a:rPr lang="ja-JP" altLang="en-US" smtClean="0"/>
+              <a:pPr/>
+              <a:t>8</a:t>
+            </a:fld>
+            <a:endParaRPr lang="ja-JP" altLang="en-US" dirty="0"/>
+          </a:p>
+        </p:txBody>
+      </p:sp>
+      <p:pic>
+        <p:nvPicPr>
+          <p:cNvPr id="5" name="図 4" descr="頭飾り, 草, ヘルメット, 車 が含まれている画像&#10;&#10;自動的に生成された説明">
+            <a:extLst>
+              <a:ext uri="{FF2B5EF4-FFF2-40B4-BE49-F238E27FC236}">
+                <a16:creationId xmlns:a16="http://schemas.microsoft.com/office/drawing/2014/main" id="{45B30DC7-ABF3-4FA8-A16C-A4A769066A7E}"/>
+              </a:ext>
+            </a:extLst>
+          </p:cNvPr>
+          <p:cNvPicPr>
+            <a:picLocks noChangeAspect="1"/>
+          </p:cNvPicPr>
+          <p:nvPr/>
+        </p:nvPicPr>
+        <p:blipFill>
+          <a:blip r:embed="rId2">
+            <a:extLst>
+              <a:ext uri="{28A0092B-C50C-407E-A947-70E740481C1C}">
+                <a14:useLocalDpi xmlns:a14="http://schemas.microsoft.com/office/drawing/2010/main" val="0"/>
+              </a:ext>
+            </a:extLst>
+          </a:blip>
+          <a:stretch>
+            <a:fillRect/>
+          </a:stretch>
+        </p:blipFill>
+        <p:spPr>
+          <a:xfrm>
+            <a:off x="2988436" y="105015"/>
+            <a:ext cx="6215128" cy="6212658"/>
+          </a:xfrm>
+          <a:prstGeom prst="rect">
+            <a:avLst/>
+          </a:prstGeom>
+        </p:spPr>
+      </p:pic>
+      <p:grpSp>
+        <p:nvGrpSpPr>
+          <p:cNvPr id="6" name="グループ化 5">
+            <a:extLst>
+              <a:ext uri="{FF2B5EF4-FFF2-40B4-BE49-F238E27FC236}">
+                <a16:creationId xmlns:a16="http://schemas.microsoft.com/office/drawing/2014/main" id="{FCC3C270-D713-4427-B9C8-E2DD638000D9}"/>
+              </a:ext>
+            </a:extLst>
+          </p:cNvPr>
+          <p:cNvGrpSpPr/>
+          <p:nvPr/>
+        </p:nvGrpSpPr>
+        <p:grpSpPr>
+          <a:xfrm>
+            <a:off x="3893127" y="2575479"/>
+            <a:ext cx="1489485" cy="497659"/>
+            <a:chOff x="4588184" y="2423201"/>
+            <a:chExt cx="2341294" cy="497659"/>
+          </a:xfrm>
+        </p:grpSpPr>
+        <p:sp>
+          <p:nvSpPr>
+            <p:cNvPr id="7" name="吹き出し: 四角形 6">
+              <a:extLst>
+                <a:ext uri="{FF2B5EF4-FFF2-40B4-BE49-F238E27FC236}">
+                  <a16:creationId xmlns:a16="http://schemas.microsoft.com/office/drawing/2014/main" id="{FF42D6A6-4906-4D96-ACAA-B3D5305BBB7F}"/>
+                </a:ext>
+              </a:extLst>
+            </p:cNvPr>
+            <p:cNvSpPr/>
+            <p:nvPr/>
+          </p:nvSpPr>
+          <p:spPr>
+            <a:xfrm>
+              <a:off x="4588184" y="2423201"/>
+              <a:ext cx="2341294" cy="497659"/>
+            </a:xfrm>
+            <a:prstGeom prst="wedgeRectCallout">
+              <a:avLst>
+                <a:gd name="adj1" fmla="val 21666"/>
+                <a:gd name="adj2" fmla="val 94236"/>
+              </a:avLst>
+            </a:prstGeom>
+            <a:ln/>
+          </p:spPr>
+          <p:style>
+            <a:lnRef idx="2">
+              <a:schemeClr val="dk1"/>
+            </a:lnRef>
+            <a:fillRef idx="1">
+              <a:schemeClr val="lt1"/>
+            </a:fillRef>
+            <a:effectRef idx="0">
+              <a:schemeClr val="dk1"/>
+            </a:effectRef>
+            <a:fontRef idx="minor">
+              <a:schemeClr val="dk1"/>
+            </a:fontRef>
+          </p:style>
+          <p:txBody>
+            <a:bodyPr rtlCol="0" anchor="ctr"/>
+            <a:lstStyle/>
+            <a:p>
+              <a:pPr algn="ctr"/>
+              <a:endParaRPr lang="ja-JP" altLang="en-US" dirty="0"/>
+            </a:p>
+          </p:txBody>
+        </p:sp>
+        <p:sp>
+          <p:nvSpPr>
+            <p:cNvPr id="8" name="テキスト ボックス 7">
+              <a:extLst>
+                <a:ext uri="{FF2B5EF4-FFF2-40B4-BE49-F238E27FC236}">
+                  <a16:creationId xmlns:a16="http://schemas.microsoft.com/office/drawing/2014/main" id="{5E1CA93B-54FB-4827-A43D-2D2451A76E0C}"/>
+                </a:ext>
+              </a:extLst>
+            </p:cNvPr>
+            <p:cNvSpPr txBox="1"/>
+            <p:nvPr/>
+          </p:nvSpPr>
+          <p:spPr>
+            <a:xfrm>
+              <a:off x="4588184" y="2487364"/>
+              <a:ext cx="2341294" cy="369332"/>
+            </a:xfrm>
+            <a:prstGeom prst="rect">
+              <a:avLst/>
+            </a:prstGeom>
+            <a:noFill/>
+          </p:spPr>
+          <p:txBody>
+            <a:bodyPr wrap="square" rtlCol="0">
+              <a:spAutoFit/>
+            </a:bodyPr>
+            <a:lstStyle/>
+            <a:p>
+              <a:pPr algn="ctr"/>
+              <a:r>
+                <a:rPr lang="en-US" altLang="ja-JP" dirty="0"/>
+                <a:t>LCD Panel</a:t>
+              </a:r>
+              <a:endParaRPr lang="ja-JP" altLang="en-US" dirty="0"/>
+            </a:p>
+          </p:txBody>
+        </p:sp>
+      </p:grpSp>
+      <p:sp>
+        <p:nvSpPr>
+          <p:cNvPr id="9" name="正方形/長方形 8">
+            <a:extLst>
+              <a:ext uri="{FF2B5EF4-FFF2-40B4-BE49-F238E27FC236}">
+                <a16:creationId xmlns:a16="http://schemas.microsoft.com/office/drawing/2014/main" id="{6BB088D1-3D8B-400F-BF0D-B95F4CF5D50C}"/>
+              </a:ext>
+            </a:extLst>
+          </p:cNvPr>
+          <p:cNvSpPr/>
+          <p:nvPr/>
+        </p:nvSpPr>
+        <p:spPr>
+          <a:xfrm rot="60000">
+            <a:off x="4127071" y="4439151"/>
+            <a:ext cx="789710" cy="249382"/>
+          </a:xfrm>
+          <a:prstGeom prst="rect">
+            <a:avLst/>
+          </a:prstGeom>
+          <a:solidFill>
+            <a:schemeClr val="tx1"/>
+          </a:solidFill>
+          <a:ln>
+            <a:solidFill>
+              <a:schemeClr val="tx1"/>
+            </a:solidFill>
+          </a:ln>
+        </p:spPr>
+        <p:style>
+          <a:lnRef idx="2">
+            <a:schemeClr val="accent1">
+              <a:shade val="50000"/>
+            </a:schemeClr>
+          </a:lnRef>
+          <a:fillRef idx="1">
+            <a:schemeClr val="accent1"/>
+          </a:fillRef>
+          <a:effectRef idx="0">
+            <a:schemeClr val="accent1"/>
+          </a:effectRef>
+          <a:fontRef idx="minor">
+            <a:schemeClr val="lt1"/>
+          </a:fontRef>
+        </p:style>
+        <p:txBody>
+          <a:bodyPr rtlCol="0" anchor="ctr"/>
+          <a:lstStyle/>
+          <a:p>
+            <a:pPr algn="ctr"/>
+            <a:endParaRPr kumimoji="1" lang="ja-JP" altLang="en-US"/>
+          </a:p>
+        </p:txBody>
+      </p:sp>
+    </p:spTree>
+    <p:extLst>
+      <p:ext uri="{BB962C8B-B14F-4D97-AF65-F5344CB8AC3E}">
+        <p14:creationId xmlns:p14="http://schemas.microsoft.com/office/powerpoint/2010/main" val="798119909"/>
+      </p:ext>
+    </p:extLst>
+  </p:cSld>
+  <p:clrMapOvr>
+    <a:masterClrMapping/>
+  </p:clrMapOvr>
+</p:sld>
+</file>
+
 <file path=ppt/theme/theme1.xml><?xml version="1.0" encoding="utf-8"?>
 <a:theme xmlns:a="http://schemas.openxmlformats.org/drawingml/2006/main" name="1_Office テーマ">
   <a:themeElements>
